--- a/presentation/p_09.pptx
+++ b/presentation/p_09.pptx
@@ -5,7 +5,7 @@
     <p:sldMasterId id="2147483648" r:id="rId4"/>
   </p:sldMasterIdLst>
   <p:notesMasterIdLst>
-    <p:notesMasterId r:id="rId13"/>
+    <p:notesMasterId r:id="rId14"/>
   </p:notesMasterIdLst>
   <p:sldIdLst>
     <p:sldId id="256" r:id="rId5"/>
@@ -16,6 +16,7 @@
     <p:sldId id="261" r:id="rId10"/>
     <p:sldId id="263" r:id="rId11"/>
     <p:sldId id="264" r:id="rId12"/>
+    <p:sldId id="265" r:id="rId13"/>
   </p:sldIdLst>
   <p:sldSz cx="12192000" cy="6858000"/>
   <p:notesSz cx="6858000" cy="9144000"/>
@@ -122,10 +123,22 @@
 </p:presentation>
 </file>
 
+<file path=ppt/commentAuthors.xml><?xml version="1.0" encoding="utf-8"?>
+<p:cmAuthorLst xmlns:a="http://schemas.openxmlformats.org/drawingml/2006/main" xmlns:r="http://schemas.openxmlformats.org/officeDocument/2006/relationships" xmlns:p="http://schemas.openxmlformats.org/presentationml/2006/main">
+  <p:cmAuthor id="1" name="Srikrishna Sasidharan" initials="SS" lastIdx="1" clrIdx="0">
+    <p:extLst>
+      <p:ext uri="{19B8F6BF-5375-455C-9EA6-DF929625EA0E}">
+        <p15:presenceInfo xmlns:p15="http://schemas.microsoft.com/office/powerpoint/2012/main" userId="Srikrishna Sasidharan" providerId="None"/>
+      </p:ext>
+    </p:extLst>
+  </p:cmAuthor>
+</p:cmAuthorLst>
+</file>
+
 <file path=ppt/revisionInfo.xml><?xml version="1.0" encoding="utf-8"?>
 <p1510:revInfo xmlns:a="http://schemas.openxmlformats.org/drawingml/2006/main" xmlns:r="http://schemas.openxmlformats.org/officeDocument/2006/relationships" xmlns:p1510="http://schemas.microsoft.com/office/powerpoint/2015/10/main">
   <p1510:revLst>
-    <p1510:client id="{0572B425-A553-4660-A9D4-042B996EFD16}" v="341" dt="2020-04-06T02:12:26.061"/>
+    <p1510:client id="{0572B425-A553-4660-A9D4-042B996EFD16}" v="349" dt="2020-04-06T04:41:21.263"/>
     <p1510:client id="{2944625B-3A77-8BF5-D235-7D9D4B4152D6}" v="91" dt="2020-04-06T01:15:13.199"/>
     <p1510:client id="{6F5D439C-A93D-4B90-B3EC-E6FAB30F3BEE}" v="306" dt="2020-04-05T23:50:23.330"/>
     <p1510:client id="{C3530A72-A07C-4563-8B18-A203A3152915}" v="1126" dt="2020-04-06T02:19:12.734"/>
@@ -5686,18 +5699,10 @@
             </a:lnSpc>
           </a:pPr>
           <a:r>
-            <a:rPr lang="en-CA" dirty="0"/>
-            <a:t>Extracted the subtitles from </a:t>
+            <a:rPr lang="en-CA"/>
+            <a:t>Extracted the subtitles from youtube videos and also the summary of those videos.</a:t>
           </a:r>
-          <a:r>
-            <a:rPr lang="en-CA" dirty="0" err="1"/>
-            <a:t>youtube</a:t>
-          </a:r>
-          <a:r>
-            <a:rPr lang="en-CA" dirty="0"/>
-            <a:t> videos and also the summary of those videos.</a:t>
-          </a:r>
-          <a:endParaRPr lang="en-US" dirty="0"/>
+          <a:endParaRPr lang="en-US"/>
         </a:p>
       </dgm:t>
     </dgm:pt>
@@ -5736,14 +5741,14 @@
             </a:lnSpc>
           </a:pPr>
           <a:r>
-            <a:rPr lang="en-US" dirty="0"/>
+            <a:rPr lang="en-US"/>
             <a:t>No</a:t>
           </a:r>
           <a:r>
-            <a:rPr lang="en-US" baseline="0" dirty="0"/>
+            <a:rPr lang="en-US" baseline="0"/>
             <a:t> punctuations in the YouTube subtitles</a:t>
           </a:r>
-          <a:endParaRPr lang="en-US" dirty="0"/>
+          <a:endParaRPr lang="en-US"/>
         </a:p>
       </dgm:t>
     </dgm:pt>
@@ -5824,7 +5829,7 @@
             </a:lnSpc>
           </a:pPr>
           <a:r>
-            <a:rPr lang="en-US" dirty="0"/>
+            <a:rPr lang="en-US"/>
             <a:t>Extracted Short description/Summary did not meet the standard to be as “Golden Summary”</a:t>
           </a:r>
         </a:p>
@@ -5865,10 +5870,10 @@
             </a:lnSpc>
           </a:pPr>
           <a:r>
-            <a:rPr lang="en-CA" dirty="0"/>
+            <a:rPr lang="en-CA"/>
             <a:t>The summary in the videos was not enough and sometimes was a mere sentence.</a:t>
           </a:r>
-          <a:endParaRPr lang="en-US" dirty="0"/>
+          <a:endParaRPr lang="en-US"/>
         </a:p>
       </dgm:t>
     </dgm:pt>
@@ -6914,6 +6919,11 @@
         <a:bodyPr/>
         <a:lstStyle/>
         <a:p>
+          <a:pPr>
+            <a:lnSpc>
+              <a:spcPct val="100000"/>
+            </a:lnSpc>
+          </a:pPr>
           <a:r>
             <a:rPr lang="en-US"/>
             <a:t>TF-IDF, short for term frequency–inverse document frequency, is a numeric measure that is used to score the importance of a word in a document based on how often did it appear in that document and a given collection of documents.</a:t>
@@ -6950,6 +6960,11 @@
         <a:bodyPr/>
         <a:lstStyle/>
         <a:p>
+          <a:pPr>
+            <a:lnSpc>
+              <a:spcPct val="100000"/>
+            </a:lnSpc>
+          </a:pPr>
           <a:r>
             <a:rPr lang="en-CA" dirty="0"/>
             <a:t>Sentence will be sorted based on the TF-IDF</a:t>
@@ -6987,6 +7002,11 @@
         <a:bodyPr/>
         <a:lstStyle/>
         <a:p>
+          <a:pPr>
+            <a:lnSpc>
+              <a:spcPct val="100000"/>
+            </a:lnSpc>
+          </a:pPr>
           <a:r>
             <a:rPr lang="en-CA" dirty="0"/>
             <a:t>Based on the value of information that has to be retained, the summarization length is defined. Optimal value is for 80 percent.</a:t>
@@ -7024,6 +7044,11 @@
         <a:bodyPr/>
         <a:lstStyle/>
         <a:p>
+          <a:pPr>
+            <a:lnSpc>
+              <a:spcPct val="100000"/>
+            </a:lnSpc>
+          </a:pPr>
           <a:r>
             <a:rPr lang="en-US" dirty="0"/>
             <a:t>Sentences</a:t>
@@ -7387,15 +7412,15 @@
         <a:lstStyle/>
         <a:p>
           <a:r>
-            <a:rPr lang="en-CA"/>
+            <a:rPr lang="en-CA" dirty="0"/>
             <a:t>FastText(by Facebook)- “</a:t>
           </a:r>
           <a:r>
-            <a:rPr lang="en-CA" i="1"/>
+            <a:rPr lang="en-CA" i="1" dirty="0"/>
             <a:t>n-grams of each word is feed into NN to avoid situations when no matching word vectors”</a:t>
           </a:r>
           <a:r>
-            <a:rPr lang="en-CA"/>
+            <a:rPr lang="en-CA" dirty="0"/>
             <a:t>.</a:t>
           </a:r>
           <a:endParaRPr lang="en-US" dirty="0"/>
@@ -7472,10 +7497,9 @@
         <a:lstStyle/>
         <a:p>
           <a:r>
-            <a:rPr lang="en-US"/>
+            <a:rPr lang="en-US" dirty="0"/>
             <a:t>Cosine similarity is calculated based on SIF calculated for each sentence.</a:t>
           </a:r>
-          <a:endParaRPr lang="en-US" dirty="0"/>
         </a:p>
       </dgm:t>
     </dgm:pt>
@@ -8071,30 +8095,30 @@
     </dgm:pt>
   </dgm:ptLst>
   <dgm:cxnLst>
-    <dgm:cxn modelId="{16186D3E-F71B-49C5-887B-8B75FA13CBDC}" type="presOf" srcId="{EF65F918-4F40-4737-94B2-DD7FE48B7A66}" destId="{33587A7A-20B9-43A9-8743-3FDEF425E84C}" srcOrd="0" destOrd="0" presId="urn:microsoft.com/office/officeart/2018/2/layout/IconVerticalSolidList"/>
+    <dgm:cxn modelId="{ADEA632C-69E4-4B32-B164-A320739C7FF0}" type="presOf" srcId="{957ED093-279A-48FC-97E9-5714C586C2E6}" destId="{A4F3676E-DC8A-49AE-B610-DF54347CAC02}" srcOrd="0" destOrd="0" presId="urn:microsoft.com/office/officeart/2018/2/layout/IconVerticalSolidList"/>
+    <dgm:cxn modelId="{F0BBCB47-818C-47BA-BE84-F53CFF331D66}" type="presOf" srcId="{EF65F918-4F40-4737-94B2-DD7FE48B7A66}" destId="{33587A7A-20B9-43A9-8743-3FDEF425E84C}" srcOrd="0" destOrd="0" presId="urn:microsoft.com/office/officeart/2018/2/layout/IconVerticalSolidList"/>
+    <dgm:cxn modelId="{ADB80852-AE67-4A09-8FD7-6A5AB8F38BE7}" type="presOf" srcId="{A17DB128-9CEE-4BCC-9737-8B0FBB7E14C8}" destId="{FF28B4DF-F963-4911-AE85-930714C9DE69}" srcOrd="0" destOrd="0" presId="urn:microsoft.com/office/officeart/2018/2/layout/IconVerticalSolidList"/>
     <dgm:cxn modelId="{F16AD155-3E94-4D5A-8FC8-3D9D3761D84E}" srcId="{957ED093-279A-48FC-97E9-5714C586C2E6}" destId="{A17DB128-9CEE-4BCC-9737-8B0FBB7E14C8}" srcOrd="2" destOrd="0" parTransId="{958136CB-45BC-43C9-BB9C-2CC249D81324}" sibTransId="{EF18D6AB-201E-4828-80D7-C90F47FCE3A6}"/>
     <dgm:cxn modelId="{AF077682-7868-45AA-A604-96A55EE73D7F}" srcId="{957ED093-279A-48FC-97E9-5714C586C2E6}" destId="{22FFEE00-C7C8-443B-95A3-686B65D4A235}" srcOrd="1" destOrd="0" parTransId="{227F2EC1-626A-4276-B4B9-7DB214F44820}" sibTransId="{22C49C19-BC1D-401E-92B4-AB0427E2ED1E}"/>
-    <dgm:cxn modelId="{8735A88C-3935-4CCD-8EE5-618231407F97}" type="presOf" srcId="{A17DB128-9CEE-4BCC-9737-8B0FBB7E14C8}" destId="{FF28B4DF-F963-4911-AE85-930714C9DE69}" srcOrd="0" destOrd="0" presId="urn:microsoft.com/office/officeart/2018/2/layout/IconVerticalSolidList"/>
-    <dgm:cxn modelId="{1BCEBA97-1298-4607-9CD4-F44F99277E74}" type="presOf" srcId="{22FFEE00-C7C8-443B-95A3-686B65D4A235}" destId="{97C85446-272A-4778-AECB-9FA4A99D0CAC}" srcOrd="0" destOrd="0" presId="urn:microsoft.com/office/officeart/2018/2/layout/IconVerticalSolidList"/>
     <dgm:cxn modelId="{1425979C-5630-4ACD-A053-79DD5D6983E4}" srcId="{957ED093-279A-48FC-97E9-5714C586C2E6}" destId="{EF65F918-4F40-4737-94B2-DD7FE48B7A66}" srcOrd="0" destOrd="0" parTransId="{A303BE9D-1CAF-48F5-A761-CCD4D2B1D9C4}" sibTransId="{BC2460CA-B55C-4185-B8C2-E9A1EF1A2868}"/>
-    <dgm:cxn modelId="{BF08E39F-605F-4537-8B30-842D48F1A2D7}" type="presOf" srcId="{957ED093-279A-48FC-97E9-5714C586C2E6}" destId="{A4F3676E-DC8A-49AE-B610-DF54347CAC02}" srcOrd="0" destOrd="0" presId="urn:microsoft.com/office/officeart/2018/2/layout/IconVerticalSolidList"/>
-    <dgm:cxn modelId="{1C91324D-A8D8-41D2-B0FD-062C0A6DC237}" type="presParOf" srcId="{A4F3676E-DC8A-49AE-B610-DF54347CAC02}" destId="{E0AEF695-06BC-4BB6-A48F-30C72655BDC9}" srcOrd="0" destOrd="0" presId="urn:microsoft.com/office/officeart/2018/2/layout/IconVerticalSolidList"/>
-    <dgm:cxn modelId="{81DF79E5-1874-4992-8ADF-E895AE69EA86}" type="presParOf" srcId="{E0AEF695-06BC-4BB6-A48F-30C72655BDC9}" destId="{98866186-5104-4BA8-A2A8-C64E40F9EF6C}" srcOrd="0" destOrd="0" presId="urn:microsoft.com/office/officeart/2018/2/layout/IconVerticalSolidList"/>
-    <dgm:cxn modelId="{C3F54F83-4AAA-46CA-AA60-0418DA0C9BFD}" type="presParOf" srcId="{E0AEF695-06BC-4BB6-A48F-30C72655BDC9}" destId="{D73E3C3D-F0BC-42A8-9E07-7556B62B1593}" srcOrd="1" destOrd="0" presId="urn:microsoft.com/office/officeart/2018/2/layout/IconVerticalSolidList"/>
-    <dgm:cxn modelId="{1DB10488-54BE-4EBA-9483-6D64989A201D}" type="presParOf" srcId="{E0AEF695-06BC-4BB6-A48F-30C72655BDC9}" destId="{35FA0147-3C9B-4931-84F6-08AA9C10193D}" srcOrd="2" destOrd="0" presId="urn:microsoft.com/office/officeart/2018/2/layout/IconVerticalSolidList"/>
-    <dgm:cxn modelId="{31638E5D-0307-4DAE-9AC5-3C13F0F05294}" type="presParOf" srcId="{E0AEF695-06BC-4BB6-A48F-30C72655BDC9}" destId="{33587A7A-20B9-43A9-8743-3FDEF425E84C}" srcOrd="3" destOrd="0" presId="urn:microsoft.com/office/officeart/2018/2/layout/IconVerticalSolidList"/>
-    <dgm:cxn modelId="{66F4176D-9F06-418A-83CB-09A105B8C99F}" type="presParOf" srcId="{A4F3676E-DC8A-49AE-B610-DF54347CAC02}" destId="{1BECD0C8-40A1-4BC4-894C-E4BDE786A4A3}" srcOrd="1" destOrd="0" presId="urn:microsoft.com/office/officeart/2018/2/layout/IconVerticalSolidList"/>
-    <dgm:cxn modelId="{6B043EE7-2F98-4688-9860-1A737E4A22F3}" type="presParOf" srcId="{A4F3676E-DC8A-49AE-B610-DF54347CAC02}" destId="{620F9B16-038A-46D0-94A8-5057C03EDC9C}" srcOrd="2" destOrd="0" presId="urn:microsoft.com/office/officeart/2018/2/layout/IconVerticalSolidList"/>
-    <dgm:cxn modelId="{AF6B234E-9F89-4F8F-8382-035404E09FB4}" type="presParOf" srcId="{620F9B16-038A-46D0-94A8-5057C03EDC9C}" destId="{A1FD1768-74AF-48EF-B94B-8C3310F60751}" srcOrd="0" destOrd="0" presId="urn:microsoft.com/office/officeart/2018/2/layout/IconVerticalSolidList"/>
-    <dgm:cxn modelId="{D3105C26-2AAD-42C6-808E-7BCAD5AE880D}" type="presParOf" srcId="{620F9B16-038A-46D0-94A8-5057C03EDC9C}" destId="{FBDF1F2D-37FA-4C07-AFE0-75A4D2B76DF7}" srcOrd="1" destOrd="0" presId="urn:microsoft.com/office/officeart/2018/2/layout/IconVerticalSolidList"/>
-    <dgm:cxn modelId="{6BA2DDF2-4C78-4042-86F6-CC0608104263}" type="presParOf" srcId="{620F9B16-038A-46D0-94A8-5057C03EDC9C}" destId="{DD5C88CC-8279-4302-AE77-E0FA4B84AB22}" srcOrd="2" destOrd="0" presId="urn:microsoft.com/office/officeart/2018/2/layout/IconVerticalSolidList"/>
-    <dgm:cxn modelId="{6454802F-99F8-49D9-8DC6-838DC6A724C3}" type="presParOf" srcId="{620F9B16-038A-46D0-94A8-5057C03EDC9C}" destId="{97C85446-272A-4778-AECB-9FA4A99D0CAC}" srcOrd="3" destOrd="0" presId="urn:microsoft.com/office/officeart/2018/2/layout/IconVerticalSolidList"/>
-    <dgm:cxn modelId="{81D0EA9C-EA5B-4D84-9238-09EC96E0BA89}" type="presParOf" srcId="{A4F3676E-DC8A-49AE-B610-DF54347CAC02}" destId="{15AFC7CC-880F-45B1-891F-A0C0EA3554A7}" srcOrd="3" destOrd="0" presId="urn:microsoft.com/office/officeart/2018/2/layout/IconVerticalSolidList"/>
-    <dgm:cxn modelId="{B091D9D7-7BCD-4C68-961F-40F5A7266871}" type="presParOf" srcId="{A4F3676E-DC8A-49AE-B610-DF54347CAC02}" destId="{44252582-8A58-42D9-B6EB-7FD92D6FFDCE}" srcOrd="4" destOrd="0" presId="urn:microsoft.com/office/officeart/2018/2/layout/IconVerticalSolidList"/>
-    <dgm:cxn modelId="{5A9ED23A-BA2F-49D6-A112-4587D8DBE222}" type="presParOf" srcId="{44252582-8A58-42D9-B6EB-7FD92D6FFDCE}" destId="{CC7BC2E9-7A56-44C9-A576-95D9A920ED50}" srcOrd="0" destOrd="0" presId="urn:microsoft.com/office/officeart/2018/2/layout/IconVerticalSolidList"/>
-    <dgm:cxn modelId="{F81F1978-0E96-4E98-9A1D-3E771711BFBB}" type="presParOf" srcId="{44252582-8A58-42D9-B6EB-7FD92D6FFDCE}" destId="{8A0819FD-B0EA-4BB4-9978-F4C8BC4CB675}" srcOrd="1" destOrd="0" presId="urn:microsoft.com/office/officeart/2018/2/layout/IconVerticalSolidList"/>
-    <dgm:cxn modelId="{7C1DE7E2-6F12-42F1-A925-21B5F5232D48}" type="presParOf" srcId="{44252582-8A58-42D9-B6EB-7FD92D6FFDCE}" destId="{0D70A08F-B516-4B9F-A0C2-1369A047F0EA}" srcOrd="2" destOrd="0" presId="urn:microsoft.com/office/officeart/2018/2/layout/IconVerticalSolidList"/>
-    <dgm:cxn modelId="{46A86BE9-7B5D-4DF8-AF36-AF048D20300E}" type="presParOf" srcId="{44252582-8A58-42D9-B6EB-7FD92D6FFDCE}" destId="{FF28B4DF-F963-4911-AE85-930714C9DE69}" srcOrd="3" destOrd="0" presId="urn:microsoft.com/office/officeart/2018/2/layout/IconVerticalSolidList"/>
+    <dgm:cxn modelId="{AC09F5EB-8EDC-4DCE-9B80-313E63C11188}" type="presOf" srcId="{22FFEE00-C7C8-443B-95A3-686B65D4A235}" destId="{97C85446-272A-4778-AECB-9FA4A99D0CAC}" srcOrd="0" destOrd="0" presId="urn:microsoft.com/office/officeart/2018/2/layout/IconVerticalSolidList"/>
+    <dgm:cxn modelId="{8EEF9893-F053-49DE-8FBD-35E19EB0F571}" type="presParOf" srcId="{A4F3676E-DC8A-49AE-B610-DF54347CAC02}" destId="{E0AEF695-06BC-4BB6-A48F-30C72655BDC9}" srcOrd="0" destOrd="0" presId="urn:microsoft.com/office/officeart/2018/2/layout/IconVerticalSolidList"/>
+    <dgm:cxn modelId="{DC4F0547-5552-4585-9C65-08C123D087B3}" type="presParOf" srcId="{E0AEF695-06BC-4BB6-A48F-30C72655BDC9}" destId="{98866186-5104-4BA8-A2A8-C64E40F9EF6C}" srcOrd="0" destOrd="0" presId="urn:microsoft.com/office/officeart/2018/2/layout/IconVerticalSolidList"/>
+    <dgm:cxn modelId="{C7145ADF-D9A7-4695-8FE7-9555124E6DA1}" type="presParOf" srcId="{E0AEF695-06BC-4BB6-A48F-30C72655BDC9}" destId="{D73E3C3D-F0BC-42A8-9E07-7556B62B1593}" srcOrd="1" destOrd="0" presId="urn:microsoft.com/office/officeart/2018/2/layout/IconVerticalSolidList"/>
+    <dgm:cxn modelId="{29484431-33D9-4532-B9F2-A9859229B5E6}" type="presParOf" srcId="{E0AEF695-06BC-4BB6-A48F-30C72655BDC9}" destId="{35FA0147-3C9B-4931-84F6-08AA9C10193D}" srcOrd="2" destOrd="0" presId="urn:microsoft.com/office/officeart/2018/2/layout/IconVerticalSolidList"/>
+    <dgm:cxn modelId="{66FF2020-25CE-4090-B537-46AFD65BE6AD}" type="presParOf" srcId="{E0AEF695-06BC-4BB6-A48F-30C72655BDC9}" destId="{33587A7A-20B9-43A9-8743-3FDEF425E84C}" srcOrd="3" destOrd="0" presId="urn:microsoft.com/office/officeart/2018/2/layout/IconVerticalSolidList"/>
+    <dgm:cxn modelId="{34255745-5840-4803-A854-A034FDB95381}" type="presParOf" srcId="{A4F3676E-DC8A-49AE-B610-DF54347CAC02}" destId="{1BECD0C8-40A1-4BC4-894C-E4BDE786A4A3}" srcOrd="1" destOrd="0" presId="urn:microsoft.com/office/officeart/2018/2/layout/IconVerticalSolidList"/>
+    <dgm:cxn modelId="{D37B1953-C4F6-4895-A3C1-0979D0211279}" type="presParOf" srcId="{A4F3676E-DC8A-49AE-B610-DF54347CAC02}" destId="{620F9B16-038A-46D0-94A8-5057C03EDC9C}" srcOrd="2" destOrd="0" presId="urn:microsoft.com/office/officeart/2018/2/layout/IconVerticalSolidList"/>
+    <dgm:cxn modelId="{2C676FFC-9AA9-4670-8F24-4F2C361C6726}" type="presParOf" srcId="{620F9B16-038A-46D0-94A8-5057C03EDC9C}" destId="{A1FD1768-74AF-48EF-B94B-8C3310F60751}" srcOrd="0" destOrd="0" presId="urn:microsoft.com/office/officeart/2018/2/layout/IconVerticalSolidList"/>
+    <dgm:cxn modelId="{2DB46B95-DD61-4123-B7E6-ABD613DD158D}" type="presParOf" srcId="{620F9B16-038A-46D0-94A8-5057C03EDC9C}" destId="{FBDF1F2D-37FA-4C07-AFE0-75A4D2B76DF7}" srcOrd="1" destOrd="0" presId="urn:microsoft.com/office/officeart/2018/2/layout/IconVerticalSolidList"/>
+    <dgm:cxn modelId="{F09D2D87-CD0E-4D35-B027-5DDD3BB92391}" type="presParOf" srcId="{620F9B16-038A-46D0-94A8-5057C03EDC9C}" destId="{DD5C88CC-8279-4302-AE77-E0FA4B84AB22}" srcOrd="2" destOrd="0" presId="urn:microsoft.com/office/officeart/2018/2/layout/IconVerticalSolidList"/>
+    <dgm:cxn modelId="{ABABB656-78C7-4499-ACAF-C06004B599B3}" type="presParOf" srcId="{620F9B16-038A-46D0-94A8-5057C03EDC9C}" destId="{97C85446-272A-4778-AECB-9FA4A99D0CAC}" srcOrd="3" destOrd="0" presId="urn:microsoft.com/office/officeart/2018/2/layout/IconVerticalSolidList"/>
+    <dgm:cxn modelId="{D8B4E19A-3956-4A04-830C-997F8AE69F71}" type="presParOf" srcId="{A4F3676E-DC8A-49AE-B610-DF54347CAC02}" destId="{15AFC7CC-880F-45B1-891F-A0C0EA3554A7}" srcOrd="3" destOrd="0" presId="urn:microsoft.com/office/officeart/2018/2/layout/IconVerticalSolidList"/>
+    <dgm:cxn modelId="{13A3063C-399F-4473-B02E-450E87157984}" type="presParOf" srcId="{A4F3676E-DC8A-49AE-B610-DF54347CAC02}" destId="{44252582-8A58-42D9-B6EB-7FD92D6FFDCE}" srcOrd="4" destOrd="0" presId="urn:microsoft.com/office/officeart/2018/2/layout/IconVerticalSolidList"/>
+    <dgm:cxn modelId="{EF14BDE4-9A2A-4C7B-B6F6-E579A67DDC47}" type="presParOf" srcId="{44252582-8A58-42D9-B6EB-7FD92D6FFDCE}" destId="{CC7BC2E9-7A56-44C9-A576-95D9A920ED50}" srcOrd="0" destOrd="0" presId="urn:microsoft.com/office/officeart/2018/2/layout/IconVerticalSolidList"/>
+    <dgm:cxn modelId="{3E4C974C-6C90-472F-A9F9-342BC39C1856}" type="presParOf" srcId="{44252582-8A58-42D9-B6EB-7FD92D6FFDCE}" destId="{8A0819FD-B0EA-4BB4-9978-F4C8BC4CB675}" srcOrd="1" destOrd="0" presId="urn:microsoft.com/office/officeart/2018/2/layout/IconVerticalSolidList"/>
+    <dgm:cxn modelId="{A429F9BF-2F3B-478D-AD84-54444794C8ED}" type="presParOf" srcId="{44252582-8A58-42D9-B6EB-7FD92D6FFDCE}" destId="{0D70A08F-B516-4B9F-A0C2-1369A047F0EA}" srcOrd="2" destOrd="0" presId="urn:microsoft.com/office/officeart/2018/2/layout/IconVerticalSolidList"/>
+    <dgm:cxn modelId="{12158FE4-7A93-4175-9FFE-8D0BE4C036F7}" type="presParOf" srcId="{44252582-8A58-42D9-B6EB-7FD92D6FFDCE}" destId="{FF28B4DF-F963-4911-AE85-930714C9DE69}" srcOrd="3" destOrd="0" presId="urn:microsoft.com/office/officeart/2018/2/layout/IconVerticalSolidList"/>
   </dgm:cxnLst>
   <dgm:bg/>
   <dgm:whole/>
@@ -8255,18 +8279,10 @@
             <a:buNone/>
           </a:pPr>
           <a:r>
-            <a:rPr lang="en-CA" sz="1900" kern="1200" dirty="0"/>
-            <a:t>Extracted the subtitles from </a:t>
+            <a:rPr lang="en-CA" sz="1900" kern="1200"/>
+            <a:t>Extracted the subtitles from youtube videos and also the summary of those videos.</a:t>
           </a:r>
-          <a:r>
-            <a:rPr lang="en-CA" sz="1900" kern="1200" dirty="0" err="1"/>
-            <a:t>youtube</a:t>
-          </a:r>
-          <a:r>
-            <a:rPr lang="en-CA" sz="1900" kern="1200" dirty="0"/>
-            <a:t> videos and also the summary of those videos.</a:t>
-          </a:r>
-          <a:endParaRPr lang="en-US" sz="1900" kern="1200" dirty="0"/>
+          <a:endParaRPr lang="en-US" sz="1900" kern="1200"/>
         </a:p>
       </dsp:txBody>
       <dsp:txXfrm>
@@ -8415,14 +8431,14 @@
             <a:buNone/>
           </a:pPr>
           <a:r>
-            <a:rPr lang="en-US" sz="1900" kern="1200" dirty="0"/>
+            <a:rPr lang="en-US" sz="1900" kern="1200"/>
             <a:t>No</a:t>
           </a:r>
           <a:r>
-            <a:rPr lang="en-US" sz="1900" kern="1200" baseline="0" dirty="0"/>
+            <a:rPr lang="en-US" sz="1900" kern="1200" baseline="0"/>
             <a:t> punctuations in the YouTube subtitles</a:t>
           </a:r>
-          <a:endParaRPr lang="en-US" sz="1900" kern="1200" dirty="0"/>
+          <a:endParaRPr lang="en-US" sz="1900" kern="1200"/>
         </a:p>
       </dsp:txBody>
       <dsp:txXfrm>
@@ -8723,7 +8739,7 @@
             <a:buNone/>
           </a:pPr>
           <a:r>
-            <a:rPr lang="en-US" sz="1900" kern="1200" dirty="0"/>
+            <a:rPr lang="en-US" sz="1900" kern="1200"/>
             <a:t>Extracted Short description/Summary did not meet the standard to be as “Golden Summary”</a:t>
           </a:r>
         </a:p>
@@ -8874,10 +8890,10 @@
             <a:buNone/>
           </a:pPr>
           <a:r>
-            <a:rPr lang="en-CA" sz="1900" kern="1200" dirty="0"/>
+            <a:rPr lang="en-CA" sz="1900" kern="1200"/>
             <a:t>The summary in the videos was not enough and sometimes was a mere sentence.</a:t>
           </a:r>
-          <a:endParaRPr lang="en-US" sz="1900" kern="1200" dirty="0"/>
+          <a:endParaRPr lang="en-US" sz="1900" kern="1200"/>
         </a:p>
       </dsp:txBody>
       <dsp:txXfrm>
@@ -9971,7 +9987,7 @@
         <a:p>
           <a:pPr marL="0" lvl="0" indent="0" algn="l" defTabSz="666750">
             <a:lnSpc>
-              <a:spcPct val="90000"/>
+              <a:spcPct val="100000"/>
             </a:lnSpc>
             <a:spcBef>
               <a:spcPct val="0"/>
@@ -10122,7 +10138,7 @@
         <a:p>
           <a:pPr marL="0" lvl="0" indent="0" algn="l" defTabSz="666750">
             <a:lnSpc>
-              <a:spcPct val="90000"/>
+              <a:spcPct val="100000"/>
             </a:lnSpc>
             <a:spcBef>
               <a:spcPct val="0"/>
@@ -10274,7 +10290,7 @@
         <a:p>
           <a:pPr marL="0" lvl="0" indent="0" algn="l" defTabSz="666750">
             <a:lnSpc>
-              <a:spcPct val="90000"/>
+              <a:spcPct val="100000"/>
             </a:lnSpc>
             <a:spcBef>
               <a:spcPct val="0"/>
@@ -10426,7 +10442,7 @@
         <a:p>
           <a:pPr marL="0" lvl="0" indent="0" algn="l" defTabSz="666750">
             <a:lnSpc>
-              <a:spcPct val="90000"/>
+              <a:spcPct val="100000"/>
             </a:lnSpc>
             <a:spcBef>
               <a:spcPct val="0"/>
@@ -10766,15 +10782,15 @@
             <a:buNone/>
           </a:pPr>
           <a:r>
-            <a:rPr lang="en-CA" sz="2200" kern="1200"/>
+            <a:rPr lang="en-CA" sz="2200" kern="1200" dirty="0"/>
             <a:t>FastText(by Facebook)- “</a:t>
           </a:r>
           <a:r>
-            <a:rPr lang="en-CA" sz="2200" i="1" kern="1200"/>
+            <a:rPr lang="en-CA" sz="2200" i="1" kern="1200" dirty="0"/>
             <a:t>n-grams of each word is feed into NN to avoid situations when no matching word vectors”</a:t>
           </a:r>
           <a:r>
-            <a:rPr lang="en-CA" sz="2200" kern="1200"/>
+            <a:rPr lang="en-CA" sz="2200" kern="1200" dirty="0"/>
             <a:t>.</a:t>
           </a:r>
           <a:endParaRPr lang="en-US" sz="2200" kern="1200" dirty="0"/>
@@ -11082,10 +11098,9 @@
             <a:buNone/>
           </a:pPr>
           <a:r>
-            <a:rPr lang="en-US" sz="2200" kern="1200"/>
+            <a:rPr lang="en-US" sz="2200" kern="1200" dirty="0"/>
             <a:t>Cosine similarity is calculated based on SIF calculated for each sentence.</a:t>
           </a:r>
-          <a:endParaRPr lang="en-US" sz="2200" kern="1200" dirty="0"/>
         </a:p>
       </dsp:txBody>
       <dsp:txXfrm>
@@ -20040,19 +20055,19 @@
           <a:lstStyle/>
           <a:p>
             <a:r>
-              <a:rPr lang="en-CA"/>
+              <a:rPr lang="en-CA" dirty="0"/>
               <a:t>Glove-(unlike Word2Vec, Glove doesn’t rely just on local context information i.e. semantics of a word is affected by only surrounding words in Word2Vec whereas Glove uses both local and global statistics to compute vectors for given word)</a:t>
             </a:r>
           </a:p>
           <a:p>
-            <a:endParaRPr lang="en-CA"/>
+            <a:endParaRPr lang="en-CA" dirty="0"/>
           </a:p>
           <a:p>
-            <a:endParaRPr lang="en-CA"/>
+            <a:endParaRPr lang="en-CA" dirty="0"/>
           </a:p>
           <a:p>
             <a:r>
-              <a:rPr lang="en-CA"/>
+              <a:rPr lang="en-CA" dirty="0"/>
               <a:t>FastText feeds n-grams(ignoring starting and ending boundaries of a word). (Note: This helps identifying even rare words since it uses only n-gram vectors. Works even for unknown words.)</a:t>
             </a:r>
           </a:p>
@@ -20083,13 +20098,13 @@
             <a:endParaRPr lang="en-CA" dirty="0"/>
           </a:p>
           <a:p>
-            <a:endParaRPr lang="en-CA"/>
+            <a:endParaRPr lang="en-CA" dirty="0"/>
           </a:p>
           <a:p>
-            <a:endParaRPr lang="en-CA"/>
+            <a:endParaRPr lang="en-CA" dirty="0"/>
           </a:p>
           <a:p>
-            <a:endParaRPr lang="en-CA"/>
+            <a:endParaRPr lang="en-CA" dirty="0"/>
           </a:p>
         </p:txBody>
       </p:sp>
@@ -23505,11 +23520,11 @@
               <a:buChar char="•"/>
             </a:pPr>
             <a:r>
-              <a:rPr lang="en-US" sz="1500" dirty="0" err="1"/>
+              <a:rPr lang="en-US" sz="1500" err="1"/>
               <a:t>Karthikk</a:t>
             </a:r>
             <a:r>
-              <a:rPr lang="en-US" sz="1500" dirty="0"/>
+              <a:rPr lang="en-US" sz="1500"/>
               <a:t> T.</a:t>
             </a:r>
           </a:p>
@@ -23519,11 +23534,11 @@
               <a:buChar char="•"/>
             </a:pPr>
             <a:r>
-              <a:rPr lang="en-US" sz="1500" dirty="0" err="1"/>
+              <a:rPr lang="en-US" sz="1500" err="1"/>
               <a:t>Thanigaiselvan</a:t>
             </a:r>
             <a:r>
-              <a:rPr lang="en-US" sz="1500" dirty="0"/>
+              <a:rPr lang="en-US" sz="1500"/>
               <a:t> S.</a:t>
             </a:r>
           </a:p>
@@ -23533,11 +23548,11 @@
               <a:buChar char="•"/>
             </a:pPr>
             <a:r>
-              <a:rPr lang="en-US" sz="1500" dirty="0" err="1"/>
+              <a:rPr lang="en-US" sz="1500" err="1"/>
               <a:t>Muthukumar</a:t>
             </a:r>
             <a:r>
-              <a:rPr lang="en-US" sz="1500" dirty="0"/>
+              <a:rPr lang="en-US" sz="1500"/>
               <a:t> R.</a:t>
             </a:r>
           </a:p>
@@ -23547,7 +23562,7 @@
               <a:buChar char="•"/>
             </a:pPr>
             <a:r>
-              <a:rPr lang="en-US" sz="1500" dirty="0"/>
+              <a:rPr lang="en-US" sz="1500"/>
               <a:t>Srikrishna S.</a:t>
             </a:r>
           </a:p>
@@ -23732,7 +23747,7 @@
           <a:lstStyle/>
           <a:p>
             <a:pPr algn="ctr"/>
-            <a:endParaRPr lang="en-US" dirty="0"/>
+            <a:endParaRPr lang="en-US"/>
           </a:p>
         </p:txBody>
       </p:sp>
@@ -23962,7 +23977,7 @@
           <a:bodyPr rtlCol="0" anchor="ctr"/>
           <a:lstStyle/>
           <a:p>
-            <a:endParaRPr lang="en-US" dirty="0"/>
+            <a:endParaRPr lang="en-US"/>
           </a:p>
         </p:txBody>
       </p:sp>
@@ -24227,7 +24242,7 @@
           <a:lstStyle/>
           <a:p>
             <a:pPr algn="ctr"/>
-            <a:endParaRPr lang="en-US" dirty="0"/>
+            <a:endParaRPr lang="en-US"/>
           </a:p>
         </p:txBody>
       </p:sp>
@@ -25514,7 +25529,7 @@
           <a:lstStyle/>
           <a:p>
             <a:r>
-              <a:rPr lang="en-CA">
+              <a:rPr lang="en-CA" dirty="0">
                 <a:solidFill>
                   <a:srgbClr val="FFFFFF"/>
                 </a:solidFill>
@@ -27927,6 +27942,257 @@
 <file path=ppt/slides/slide8.xml><?xml version="1.0" encoding="utf-8"?>
 <p:sld xmlns:a="http://schemas.openxmlformats.org/drawingml/2006/main" xmlns:r="http://schemas.openxmlformats.org/officeDocument/2006/relationships" xmlns:p="http://schemas.openxmlformats.org/presentationml/2006/main">
   <p:cSld>
+    <p:bg>
+      <p:bgPr>
+        <a:solidFill>
+          <a:schemeClr val="bg1"/>
+        </a:solidFill>
+        <a:effectLst/>
+      </p:bgPr>
+    </p:bg>
+    <p:spTree>
+      <p:nvGrpSpPr>
+        <p:cNvPr id="1" name=""/>
+        <p:cNvGrpSpPr/>
+        <p:nvPr/>
+      </p:nvGrpSpPr>
+      <p:grpSpPr>
+        <a:xfrm>
+          <a:off x="0" y="0"/>
+          <a:ext cx="0" cy="0"/>
+          <a:chOff x="0" y="0"/>
+          <a:chExt cx="0" cy="0"/>
+        </a:xfrm>
+      </p:grpSpPr>
+      <p:pic>
+        <p:nvPicPr>
+          <p:cNvPr id="11" name="Content Placeholder 10" descr="A screenshot of a cell phone&#10;&#10;Description automatically generated">
+            <a:extLst>
+              <a:ext uri="{FF2B5EF4-FFF2-40B4-BE49-F238E27FC236}">
+                <a16:creationId xmlns:a16="http://schemas.microsoft.com/office/drawing/2014/main" id="{0AF4FEA8-5A07-4BD9-A1A7-E0282B3AAA50}"/>
+              </a:ext>
+            </a:extLst>
+          </p:cNvPr>
+          <p:cNvPicPr>
+            <a:picLocks noGrp="1" noChangeAspect="1"/>
+          </p:cNvPicPr>
+          <p:nvPr>
+            <p:ph idx="1"/>
+          </p:nvPr>
+        </p:nvPicPr>
+        <p:blipFill>
+          <a:blip r:embed="rId2">
+            <a:extLst>
+              <a:ext uri="{28A0092B-C50C-407E-A947-70E740481C1C}">
+                <a14:useLocalDpi xmlns:a14="http://schemas.microsoft.com/office/drawing/2010/main" val="0"/>
+              </a:ext>
+            </a:extLst>
+          </a:blip>
+          <a:stretch>
+            <a:fillRect/>
+          </a:stretch>
+        </p:blipFill>
+        <p:spPr>
+          <a:xfrm>
+            <a:off x="510635" y="1123527"/>
+            <a:ext cx="3465112" cy="4604800"/>
+          </a:xfrm>
+          <a:prstGeom prst="rect">
+            <a:avLst/>
+          </a:prstGeom>
+        </p:spPr>
+      </p:pic>
+      <p:cxnSp>
+        <p:nvCxnSpPr>
+          <p:cNvPr id="18" name="Straight Connector 17">
+            <a:extLst>
+              <a:ext uri="{FF2B5EF4-FFF2-40B4-BE49-F238E27FC236}">
+                <a16:creationId xmlns:a16="http://schemas.microsoft.com/office/drawing/2014/main" id="{DCD67800-37AC-4E14-89B0-F79DCB3FB86D}"/>
+              </a:ext>
+              <a:ext uri="{C183D7F6-B498-43B3-948B-1728B52AA6E4}">
+                <adec:decorative xmlns:adec="http://schemas.microsoft.com/office/drawing/2017/decorative" val="1"/>
+              </a:ext>
+            </a:extLst>
+          </p:cNvPr>
+          <p:cNvCxnSpPr>
+            <a:cxnSpLocks noGrp="1" noRot="1" noChangeAspect="1" noMove="1" noResize="1" noEditPoints="1" noAdjustHandles="1" noChangeArrowheads="1" noChangeShapeType="1"/>
+          </p:cNvCxnSpPr>
+          <p:nvPr>
+            <p:extLst>
+              <p:ext uri="{386F3935-93C4-4BCD-93E2-E3B085C9AB24}">
+                <p16:designElem xmlns:p16="http://schemas.microsoft.com/office/powerpoint/2015/main" val="1"/>
+              </p:ext>
+            </p:extLst>
+          </p:nvPr>
+        </p:nvCxnSpPr>
+        <p:spPr>
+          <a:xfrm>
+            <a:off x="4165600" y="1573887"/>
+            <a:ext cx="0" cy="3710227"/>
+          </a:xfrm>
+          <a:prstGeom prst="line">
+            <a:avLst/>
+          </a:prstGeom>
+          <a:ln w="19050">
+            <a:solidFill>
+              <a:srgbClr val="7F7F7F"/>
+            </a:solidFill>
+          </a:ln>
+        </p:spPr>
+        <p:style>
+          <a:lnRef idx="1">
+            <a:schemeClr val="accent1"/>
+          </a:lnRef>
+          <a:fillRef idx="0">
+            <a:schemeClr val="accent1"/>
+          </a:fillRef>
+          <a:effectRef idx="0">
+            <a:schemeClr val="accent1"/>
+          </a:effectRef>
+          <a:fontRef idx="minor">
+            <a:schemeClr val="tx1"/>
+          </a:fontRef>
+        </p:style>
+      </p:cxnSp>
+      <p:pic>
+        <p:nvPicPr>
+          <p:cNvPr id="8" name="Content Placeholder 4">
+            <a:extLst>
+              <a:ext uri="{FF2B5EF4-FFF2-40B4-BE49-F238E27FC236}">
+                <a16:creationId xmlns:a16="http://schemas.microsoft.com/office/drawing/2014/main" id="{8AB246E0-E288-42CE-9CF6-2F9319B9F89D}"/>
+              </a:ext>
+            </a:extLst>
+          </p:cNvPr>
+          <p:cNvPicPr>
+            <a:picLocks noChangeAspect="1"/>
+          </p:cNvPicPr>
+          <p:nvPr/>
+        </p:nvPicPr>
+        <p:blipFill rotWithShape="1">
+          <a:blip r:embed="rId3">
+            <a:extLst>
+              <a:ext uri="{28A0092B-C50C-407E-A947-70E740481C1C}">
+                <a14:useLocalDpi xmlns:a14="http://schemas.microsoft.com/office/drawing/2010/main" val="0"/>
+              </a:ext>
+            </a:extLst>
+          </a:blip>
+          <a:srcRect l="9631" t="2031" r="22552" b="1725"/>
+          <a:stretch/>
+        </p:blipFill>
+        <p:spPr>
+          <a:xfrm>
+            <a:off x="4310676" y="1160606"/>
+            <a:ext cx="3537345" cy="4530642"/>
+          </a:xfrm>
+          <a:prstGeom prst="rect">
+            <a:avLst/>
+          </a:prstGeom>
+        </p:spPr>
+      </p:pic>
+      <p:cxnSp>
+        <p:nvCxnSpPr>
+          <p:cNvPr id="20" name="Straight Connector 19">
+            <a:extLst>
+              <a:ext uri="{FF2B5EF4-FFF2-40B4-BE49-F238E27FC236}">
+                <a16:creationId xmlns:a16="http://schemas.microsoft.com/office/drawing/2014/main" id="{20F1788F-A5AE-4188-8274-F7F2E3833ECD}"/>
+              </a:ext>
+              <a:ext uri="{C183D7F6-B498-43B3-948B-1728B52AA6E4}">
+                <adec:decorative xmlns:adec="http://schemas.microsoft.com/office/drawing/2017/decorative" val="1"/>
+              </a:ext>
+            </a:extLst>
+          </p:cNvPr>
+          <p:cNvCxnSpPr>
+            <a:cxnSpLocks noGrp="1" noRot="1" noChangeAspect="1" noMove="1" noResize="1" noEditPoints="1" noAdjustHandles="1" noChangeArrowheads="1" noChangeShapeType="1"/>
+          </p:cNvCxnSpPr>
+          <p:nvPr>
+            <p:extLst>
+              <p:ext uri="{386F3935-93C4-4BCD-93E2-E3B085C9AB24}">
+                <p16:designElem xmlns:p16="http://schemas.microsoft.com/office/powerpoint/2015/main" val="1"/>
+              </p:ext>
+            </p:extLst>
+          </p:nvPr>
+        </p:nvCxnSpPr>
+        <p:spPr>
+          <a:xfrm>
+            <a:off x="7995920" y="1573887"/>
+            <a:ext cx="0" cy="3710227"/>
+          </a:xfrm>
+          <a:prstGeom prst="line">
+            <a:avLst/>
+          </a:prstGeom>
+          <a:ln w="19050">
+            <a:solidFill>
+              <a:srgbClr val="7F7F7F"/>
+            </a:solidFill>
+          </a:ln>
+        </p:spPr>
+        <p:style>
+          <a:lnRef idx="1">
+            <a:schemeClr val="accent1"/>
+          </a:lnRef>
+          <a:fillRef idx="0">
+            <a:schemeClr val="accent1"/>
+          </a:fillRef>
+          <a:effectRef idx="0">
+            <a:schemeClr val="accent1"/>
+          </a:effectRef>
+          <a:fontRef idx="minor">
+            <a:schemeClr val="tx1"/>
+          </a:fontRef>
+        </p:style>
+      </p:cxnSp>
+      <p:pic>
+        <p:nvPicPr>
+          <p:cNvPr id="13" name="Picture 12" descr="A screenshot of a cell phone&#10;&#10;Description automatically generated">
+            <a:extLst>
+              <a:ext uri="{FF2B5EF4-FFF2-40B4-BE49-F238E27FC236}">
+                <a16:creationId xmlns:a16="http://schemas.microsoft.com/office/drawing/2014/main" id="{408303BC-5E09-4857-ABBA-DF575416314B}"/>
+              </a:ext>
+            </a:extLst>
+          </p:cNvPr>
+          <p:cNvPicPr>
+            <a:picLocks noChangeAspect="1"/>
+          </p:cNvPicPr>
+          <p:nvPr/>
+        </p:nvPicPr>
+        <p:blipFill>
+          <a:blip r:embed="rId4">
+            <a:extLst>
+              <a:ext uri="{28A0092B-C50C-407E-A947-70E740481C1C}">
+                <a14:useLocalDpi xmlns:a14="http://schemas.microsoft.com/office/drawing/2010/main" val="0"/>
+              </a:ext>
+            </a:extLst>
+          </a:blip>
+          <a:stretch>
+            <a:fillRect/>
+          </a:stretch>
+        </p:blipFill>
+        <p:spPr>
+          <a:xfrm>
+            <a:off x="8171072" y="1123528"/>
+            <a:ext cx="3499648" cy="4604800"/>
+          </a:xfrm>
+          <a:prstGeom prst="rect">
+            <a:avLst/>
+          </a:prstGeom>
+        </p:spPr>
+      </p:pic>
+    </p:spTree>
+    <p:extLst>
+      <p:ext uri="{BB962C8B-B14F-4D97-AF65-F5344CB8AC3E}">
+        <p14:creationId xmlns:p14="http://schemas.microsoft.com/office/powerpoint/2010/main" val="1775853371"/>
+      </p:ext>
+    </p:extLst>
+  </p:cSld>
+  <p:clrMapOvr>
+    <a:masterClrMapping/>
+  </p:clrMapOvr>
+</p:sld>
+</file>
+
+<file path=ppt/slides/slide9.xml><?xml version="1.0" encoding="utf-8"?>
+<p:sld xmlns:a="http://schemas.openxmlformats.org/drawingml/2006/main" xmlns:r="http://schemas.openxmlformats.org/officeDocument/2006/relationships" xmlns:p="http://schemas.openxmlformats.org/presentationml/2006/main">
+  <p:cSld>
     <p:spTree>
       <p:nvGrpSpPr>
         <p:cNvPr id="1" name=""/>
@@ -27946,7 +28212,7 @@
           <p:cNvPr id="2" name="Title 1">
             <a:extLst>
               <a:ext uri="{FF2B5EF4-FFF2-40B4-BE49-F238E27FC236}">
-                <a16:creationId xmlns:a16="http://schemas.microsoft.com/office/drawing/2014/main" id="{A8859D06-1081-462A-A4F4-C59D2C394C0F}"/>
+                <a16:creationId xmlns:a16="http://schemas.microsoft.com/office/drawing/2014/main" id="{4268661C-3833-4BE0-86BB-46BF44CACFED}"/>
               </a:ext>
             </a:extLst>
           </p:cNvPr>
@@ -27962,7 +28228,7 @@
           <a:bodyPr/>
           <a:lstStyle/>
           <a:p>
-            <a:endParaRPr lang="en-CA"/>
+            <a:endParaRPr lang="en-CA" dirty="0"/>
           </a:p>
         </p:txBody>
       </p:sp>
@@ -27971,7 +28237,7 @@
           <p:cNvPr id="3" name="Content Placeholder 2">
             <a:extLst>
               <a:ext uri="{FF2B5EF4-FFF2-40B4-BE49-F238E27FC236}">
-                <a16:creationId xmlns:a16="http://schemas.microsoft.com/office/drawing/2014/main" id="{76B9C8DF-BBEC-4C74-B1D1-FC8E9CAC5B6A}"/>
+                <a16:creationId xmlns:a16="http://schemas.microsoft.com/office/drawing/2014/main" id="{CABAE435-E04B-456F-B5B2-2F95EDA4D43D}"/>
               </a:ext>
             </a:extLst>
           </p:cNvPr>
@@ -27987,14 +28253,14 @@
           <a:bodyPr/>
           <a:lstStyle/>
           <a:p>
-            <a:endParaRPr lang="en-CA"/>
+            <a:endParaRPr lang="en-CA" dirty="0"/>
           </a:p>
         </p:txBody>
       </p:sp>
     </p:spTree>
     <p:extLst>
       <p:ext uri="{BB962C8B-B14F-4D97-AF65-F5344CB8AC3E}">
-        <p14:creationId xmlns:p14="http://schemas.microsoft.com/office/powerpoint/2010/main" val="1775853371"/>
+        <p14:creationId xmlns:p14="http://schemas.microsoft.com/office/powerpoint/2010/main" val="1540986458"/>
       </p:ext>
     </p:extLst>
   </p:cSld>
@@ -28595,30 +28861,6 @@
 </file>
 
 <file path=customXml/item1.xml><?xml version="1.0" encoding="utf-8"?>
-<p:properties xmlns:p="http://schemas.microsoft.com/office/2006/metadata/properties" xmlns:xsi="http://www.w3.org/2001/XMLSchema-instance" xmlns:pc="http://schemas.microsoft.com/office/infopath/2007/PartnerControls">
-  <documentManagement>
-    <SharedWithUsers xmlns="47ad3d2d-b408-4dbd-9f92-289069ffb334">
-      <UserInfo>
-        <DisplayName>Rajendran Muthukumar</DisplayName>
-        <AccountId>12</AccountId>
-        <AccountType/>
-      </UserInfo>
-      <UserInfo>
-        <DisplayName>Karthikk Tamil Mani</DisplayName>
-        <AccountId>13</AccountId>
-        <AccountType/>
-      </UserInfo>
-      <UserInfo>
-        <DisplayName>Thanigaiselvan Senthil Shanmugam</DisplayName>
-        <AccountId>14</AccountId>
-        <AccountType/>
-      </UserInfo>
-    </SharedWithUsers>
-  </documentManagement>
-</p:properties>
-</file>
-
-<file path=customXml/item2.xml><?xml version="1.0" encoding="utf-8"?>
 <?mso-contentType ?>
 <FormTemplates xmlns="http://schemas.microsoft.com/sharepoint/v3/contenttype/forms">
   <Display>DocumentLibraryForm</Display>
@@ -28627,7 +28869,7 @@
 </FormTemplates>
 </file>
 
-<file path=customXml/item3.xml><?xml version="1.0" encoding="utf-8"?>
+<file path=customXml/item2.xml><?xml version="1.0" encoding="utf-8"?>
 <ct:contentTypeSchema xmlns:ct="http://schemas.microsoft.com/office/2006/metadata/contentType" xmlns:ma="http://schemas.microsoft.com/office/2006/metadata/properties/metaAttributes" ct:_="" ma:_="" ma:contentTypeName="Document" ma:contentTypeID="0x0101003D92F4E2052FDC4A8887633A766C5BC9" ma:contentTypeVersion="4" ma:contentTypeDescription="Create a new document." ma:contentTypeScope="" ma:versionID="2cbe73ea90f1e5b734863d8355645b67">
   <xsd:schema xmlns:xsd="http://www.w3.org/2001/XMLSchema" xmlns:xs="http://www.w3.org/2001/XMLSchema" xmlns:p="http://schemas.microsoft.com/office/2006/metadata/properties" xmlns:ns2="5384f4a2-a2db-44a3-9c37-4ac7efc190ef" xmlns:ns3="47ad3d2d-b408-4dbd-9f92-289069ffb334" targetNamespace="http://schemas.microsoft.com/office/2006/metadata/properties" ma:root="true" ma:fieldsID="b73a4e979a826fd0477de3795f1cae99" ns2:_="" ns3:_="">
     <xsd:import namespace="5384f4a2-a2db-44a3-9c37-4ac7efc190ef"/>
@@ -28792,24 +29034,31 @@
 </ct:contentTypeSchema>
 </file>
 
-<file path=customXml/itemProps1.xml><?xml version="1.0" encoding="utf-8"?>
-<ds:datastoreItem xmlns:ds="http://schemas.openxmlformats.org/officeDocument/2006/customXml" ds:itemID="{3A741CED-F703-42AF-92A5-79CE689D9CD9}">
-  <ds:schemaRefs>
-    <ds:schemaRef ds:uri="http://purl.org/dc/elements/1.1/"/>
-    <ds:schemaRef ds:uri="http://www.w3.org/XML/1998/namespace"/>
-    <ds:schemaRef ds:uri="47ad3d2d-b408-4dbd-9f92-289069ffb334"/>
-    <ds:schemaRef ds:uri="5384f4a2-a2db-44a3-9c37-4ac7efc190ef"/>
-    <ds:schemaRef ds:uri="http://schemas.microsoft.com/office/2006/metadata/properties"/>
-    <ds:schemaRef ds:uri="http://schemas.openxmlformats.org/package/2006/metadata/core-properties"/>
-    <ds:schemaRef ds:uri="http://schemas.microsoft.com/office/2006/documentManagement/types"/>
-    <ds:schemaRef ds:uri="http://schemas.microsoft.com/office/infopath/2007/PartnerControls"/>
-    <ds:schemaRef ds:uri="http://purl.org/dc/dcmitype/"/>
-    <ds:schemaRef ds:uri="http://purl.org/dc/terms/"/>
-  </ds:schemaRefs>
-</ds:datastoreItem>
+<file path=customXml/item3.xml><?xml version="1.0" encoding="utf-8"?>
+<p:properties xmlns:p="http://schemas.microsoft.com/office/2006/metadata/properties" xmlns:xsi="http://www.w3.org/2001/XMLSchema-instance" xmlns:pc="http://schemas.microsoft.com/office/infopath/2007/PartnerControls">
+  <documentManagement>
+    <SharedWithUsers xmlns="47ad3d2d-b408-4dbd-9f92-289069ffb334">
+      <UserInfo>
+        <DisplayName>Rajendran Muthukumar</DisplayName>
+        <AccountId>12</AccountId>
+        <AccountType/>
+      </UserInfo>
+      <UserInfo>
+        <DisplayName>Karthikk Tamil Mani</DisplayName>
+        <AccountId>13</AccountId>
+        <AccountType/>
+      </UserInfo>
+      <UserInfo>
+        <DisplayName>Thanigaiselvan Senthil Shanmugam</DisplayName>
+        <AccountId>14</AccountId>
+        <AccountType/>
+      </UserInfo>
+    </SharedWithUsers>
+  </documentManagement>
+</p:properties>
 </file>
 
-<file path=customXml/itemProps2.xml><?xml version="1.0" encoding="utf-8"?>
+<file path=customXml/itemProps1.xml><?xml version="1.0" encoding="utf-8"?>
 <ds:datastoreItem xmlns:ds="http://schemas.openxmlformats.org/officeDocument/2006/customXml" ds:itemID="{F4B845FC-D728-45B4-8BE2-B2D806ED3F15}">
   <ds:schemaRefs>
     <ds:schemaRef ds:uri="http://schemas.microsoft.com/sharepoint/v3/contenttype/forms"/>
@@ -28817,7 +29066,7 @@
 </ds:datastoreItem>
 </file>
 
-<file path=customXml/itemProps3.xml><?xml version="1.0" encoding="utf-8"?>
+<file path=customXml/itemProps2.xml><?xml version="1.0" encoding="utf-8"?>
 <ds:datastoreItem xmlns:ds="http://schemas.openxmlformats.org/officeDocument/2006/customXml" ds:itemID="{FDDD2261-951F-4DB3-BE40-1C3812A884AF}">
   <ds:schemaRefs>
     <ds:schemaRef ds:uri="http://schemas.microsoft.com/office/2006/metadata/contentType"/>
@@ -28834,4 +29083,14 @@
     <ds:schemaRef ds:uri="http://schemas.microsoft.com/internal/obd"/>
   </ds:schemaRefs>
 </ds:datastoreItem>
+</file>
+
+<file path=customXml/itemProps3.xml><?xml version="1.0" encoding="utf-8"?>
+<ds:datastoreItem xmlns:ds="http://schemas.openxmlformats.org/officeDocument/2006/customXml" ds:itemID="{3A741CED-F703-42AF-92A5-79CE689D9CD9}">
+  <ds:schemaRefs>
+    <ds:schemaRef ds:uri="http://schemas.microsoft.com/office/2006/metadata/properties"/>
+    <ds:schemaRef ds:uri="http://schemas.microsoft.com/office/infopath/2007/PartnerControls"/>
+    <ds:schemaRef ds:uri="47ad3d2d-b408-4dbd-9f92-289069ffb334"/>
+  </ds:schemaRefs>
+</ds:datastoreItem>
 </file>
--- a/presentation/p_09.pptx
+++ b/presentation/p_09.pptx
@@ -5,7 +5,7 @@
     <p:sldMasterId id="2147483648" r:id="rId4"/>
   </p:sldMasterIdLst>
   <p:notesMasterIdLst>
-    <p:notesMasterId r:id="rId15"/>
+    <p:notesMasterId r:id="rId16"/>
   </p:notesMasterIdLst>
   <p:sldIdLst>
     <p:sldId id="256" r:id="rId5"/>
@@ -15,9 +15,10 @@
     <p:sldId id="262" r:id="rId9"/>
     <p:sldId id="261" r:id="rId10"/>
     <p:sldId id="263" r:id="rId11"/>
-    <p:sldId id="268" r:id="rId12"/>
-    <p:sldId id="264" r:id="rId13"/>
-    <p:sldId id="265" r:id="rId14"/>
+    <p:sldId id="270" r:id="rId12"/>
+    <p:sldId id="268" r:id="rId13"/>
+    <p:sldId id="264" r:id="rId14"/>
+    <p:sldId id="265" r:id="rId15"/>
   </p:sldIdLst>
   <p:sldSz cx="12192000" cy="6858000"/>
   <p:notesSz cx="6858000" cy="9144000"/>
@@ -4334,6 +4335,759 @@
 </file>
 
 <file path=ppt/diagrams/colors6.xml><?xml version="1.0" encoding="utf-8"?>
+<dgm:colorsDef xmlns:dgm="http://schemas.openxmlformats.org/drawingml/2006/diagram" xmlns:a="http://schemas.openxmlformats.org/drawingml/2006/main" uniqueId="urn:microsoft.com/office/officeart/2018/5/colors/Iconchunking_neutralicontext_accent0_3">
+  <dgm:title val=""/>
+  <dgm:desc val=""/>
+  <dgm:catLst>
+    <dgm:cat type="mainScheme" pri="10300"/>
+  </dgm:catLst>
+  <dgm:styleLbl name="node0">
+    <dgm:fillClrLst meth="repeat">
+      <a:schemeClr val="dk2"/>
+    </dgm:fillClrLst>
+    <dgm:linClrLst meth="repeat">
+      <a:schemeClr val="lt2"/>
+    </dgm:linClrLst>
+    <dgm:effectClrLst/>
+    <dgm:txLinClrLst/>
+    <dgm:txFillClrLst/>
+    <dgm:txEffectClrLst/>
+  </dgm:styleLbl>
+  <dgm:styleLbl name="alignNode1">
+    <dgm:fillClrLst meth="repeat">
+      <a:schemeClr val="dk2"/>
+    </dgm:fillClrLst>
+    <dgm:linClrLst meth="repeat">
+      <a:schemeClr val="dk2"/>
+    </dgm:linClrLst>
+    <dgm:effectClrLst/>
+    <dgm:txLinClrLst/>
+    <dgm:txFillClrLst/>
+    <dgm:txEffectClrLst/>
+  </dgm:styleLbl>
+  <dgm:styleLbl name="node1">
+    <dgm:fillClrLst meth="repeat">
+      <a:schemeClr val="bg1"/>
+    </dgm:fillClrLst>
+    <dgm:linClrLst meth="repeat">
+      <a:schemeClr val="lt2">
+        <a:alpha val="0"/>
+      </a:schemeClr>
+    </dgm:linClrLst>
+    <dgm:effectClrLst/>
+    <dgm:txLinClrLst/>
+    <dgm:txFillClrLst meth="repeat">
+      <a:schemeClr val="dk1"/>
+    </dgm:txFillClrLst>
+    <dgm:txEffectClrLst/>
+  </dgm:styleLbl>
+  <dgm:styleLbl name="lnNode1">
+    <dgm:fillClrLst meth="repeat">
+      <a:schemeClr val="dk2"/>
+    </dgm:fillClrLst>
+    <dgm:linClrLst meth="repeat">
+      <a:schemeClr val="lt2"/>
+    </dgm:linClrLst>
+    <dgm:effectClrLst/>
+    <dgm:txLinClrLst/>
+    <dgm:txFillClrLst/>
+    <dgm:txEffectClrLst/>
+  </dgm:styleLbl>
+  <dgm:styleLbl name="vennNode1">
+    <dgm:fillClrLst meth="repeat">
+      <a:schemeClr val="dk2">
+        <a:alpha val="50000"/>
+      </a:schemeClr>
+    </dgm:fillClrLst>
+    <dgm:linClrLst meth="repeat">
+      <a:schemeClr val="lt2"/>
+    </dgm:linClrLst>
+    <dgm:effectClrLst/>
+    <dgm:txLinClrLst/>
+    <dgm:txFillClrLst/>
+    <dgm:txEffectClrLst/>
+  </dgm:styleLbl>
+  <dgm:styleLbl name="node2">
+    <dgm:fillClrLst meth="repeat">
+      <a:schemeClr val="dk2"/>
+    </dgm:fillClrLst>
+    <dgm:linClrLst meth="repeat">
+      <a:schemeClr val="lt2"/>
+    </dgm:linClrLst>
+    <dgm:effectClrLst/>
+    <dgm:txLinClrLst/>
+    <dgm:txFillClrLst/>
+    <dgm:txEffectClrLst/>
+  </dgm:styleLbl>
+  <dgm:styleLbl name="node3">
+    <dgm:fillClrLst meth="repeat">
+      <a:schemeClr val="dk2"/>
+    </dgm:fillClrLst>
+    <dgm:linClrLst meth="repeat">
+      <a:schemeClr val="lt2"/>
+    </dgm:linClrLst>
+    <dgm:effectClrLst/>
+    <dgm:txLinClrLst/>
+    <dgm:txFillClrLst/>
+    <dgm:txEffectClrLst/>
+  </dgm:styleLbl>
+  <dgm:styleLbl name="node4">
+    <dgm:fillClrLst meth="repeat">
+      <a:schemeClr val="dk2"/>
+    </dgm:fillClrLst>
+    <dgm:linClrLst meth="repeat">
+      <a:schemeClr val="lt2"/>
+    </dgm:linClrLst>
+    <dgm:effectClrLst/>
+    <dgm:txLinClrLst/>
+    <dgm:txFillClrLst/>
+    <dgm:txEffectClrLst/>
+  </dgm:styleLbl>
+  <dgm:styleLbl name="fgImgPlace1">
+    <dgm:fillClrLst meth="repeat">
+      <a:schemeClr val="dk2">
+        <a:tint val="50000"/>
+      </a:schemeClr>
+    </dgm:fillClrLst>
+    <dgm:linClrLst meth="repeat">
+      <a:schemeClr val="lt2"/>
+    </dgm:linClrLst>
+    <dgm:effectClrLst/>
+    <dgm:txLinClrLst/>
+    <dgm:txFillClrLst meth="repeat">
+      <a:schemeClr val="lt2"/>
+    </dgm:txFillClrLst>
+    <dgm:txEffectClrLst/>
+  </dgm:styleLbl>
+  <dgm:styleLbl name="alignImgPlace1">
+    <dgm:fillClrLst meth="repeat">
+      <a:schemeClr val="dk2">
+        <a:tint val="50000"/>
+      </a:schemeClr>
+    </dgm:fillClrLst>
+    <dgm:linClrLst meth="repeat">
+      <a:schemeClr val="dk2">
+        <a:shade val="80000"/>
+      </a:schemeClr>
+    </dgm:linClrLst>
+    <dgm:effectClrLst/>
+    <dgm:txLinClrLst/>
+    <dgm:txFillClrLst meth="repeat">
+      <a:schemeClr val="lt2"/>
+    </dgm:txFillClrLst>
+    <dgm:txEffectClrLst/>
+  </dgm:styleLbl>
+  <dgm:styleLbl name="bgImgPlace1">
+    <dgm:fillClrLst meth="repeat">
+      <a:schemeClr val="dk2">
+        <a:tint val="50000"/>
+      </a:schemeClr>
+    </dgm:fillClrLst>
+    <dgm:linClrLst meth="repeat">
+      <a:schemeClr val="dk2">
+        <a:shade val="80000"/>
+      </a:schemeClr>
+    </dgm:linClrLst>
+    <dgm:effectClrLst/>
+    <dgm:txLinClrLst/>
+    <dgm:txFillClrLst meth="repeat">
+      <a:schemeClr val="lt2"/>
+    </dgm:txFillClrLst>
+    <dgm:txEffectClrLst/>
+  </dgm:styleLbl>
+  <dgm:styleLbl name="sibTrans2D1">
+    <dgm:fillClrLst meth="repeat">
+      <a:schemeClr val="dk2">
+        <a:tint val="60000"/>
+      </a:schemeClr>
+    </dgm:fillClrLst>
+    <dgm:linClrLst meth="repeat">
+      <a:schemeClr val="dk2">
+        <a:tint val="60000"/>
+      </a:schemeClr>
+    </dgm:linClrLst>
+    <dgm:effectClrLst/>
+    <dgm:txLinClrLst/>
+    <dgm:txFillClrLst/>
+    <dgm:txEffectClrLst/>
+  </dgm:styleLbl>
+  <dgm:styleLbl name="fgSibTrans2D1">
+    <dgm:fillClrLst meth="repeat">
+      <a:schemeClr val="dk2">
+        <a:tint val="60000"/>
+      </a:schemeClr>
+    </dgm:fillClrLst>
+    <dgm:linClrLst meth="repeat">
+      <a:schemeClr val="dk2">
+        <a:tint val="60000"/>
+      </a:schemeClr>
+    </dgm:linClrLst>
+    <dgm:effectClrLst/>
+    <dgm:txLinClrLst/>
+    <dgm:txFillClrLst/>
+    <dgm:txEffectClrLst/>
+  </dgm:styleLbl>
+  <dgm:styleLbl name="bgSibTrans2D1">
+    <dgm:fillClrLst meth="repeat">
+      <a:schemeClr val="dk2">
+        <a:tint val="60000"/>
+      </a:schemeClr>
+    </dgm:fillClrLst>
+    <dgm:linClrLst meth="repeat">
+      <a:schemeClr val="dk2">
+        <a:tint val="60000"/>
+      </a:schemeClr>
+    </dgm:linClrLst>
+    <dgm:effectClrLst/>
+    <dgm:txLinClrLst/>
+    <dgm:txFillClrLst/>
+    <dgm:txEffectClrLst/>
+  </dgm:styleLbl>
+  <dgm:styleLbl name="sibTrans1D1">
+    <dgm:fillClrLst meth="repeat">
+      <a:schemeClr val="dk2"/>
+    </dgm:fillClrLst>
+    <dgm:linClrLst meth="repeat">
+      <a:schemeClr val="dk2"/>
+    </dgm:linClrLst>
+    <dgm:effectClrLst/>
+    <dgm:txLinClrLst/>
+    <dgm:txFillClrLst meth="repeat">
+      <a:schemeClr val="lt2"/>
+    </dgm:txFillClrLst>
+    <dgm:txEffectClrLst/>
+  </dgm:styleLbl>
+  <dgm:styleLbl name="callout">
+    <dgm:fillClrLst meth="repeat">
+      <a:schemeClr val="dk2"/>
+    </dgm:fillClrLst>
+    <dgm:linClrLst meth="repeat">
+      <a:schemeClr val="dk2">
+        <a:tint val="50000"/>
+      </a:schemeClr>
+    </dgm:linClrLst>
+    <dgm:effectClrLst/>
+    <dgm:txLinClrLst/>
+    <dgm:txFillClrLst meth="repeat">
+      <a:schemeClr val="lt2"/>
+    </dgm:txFillClrLst>
+    <dgm:txEffectClrLst/>
+  </dgm:styleLbl>
+  <dgm:styleLbl name="asst0">
+    <dgm:fillClrLst meth="repeat">
+      <a:schemeClr val="dk2"/>
+    </dgm:fillClrLst>
+    <dgm:linClrLst meth="repeat">
+      <a:schemeClr val="lt2"/>
+    </dgm:linClrLst>
+    <dgm:effectClrLst/>
+    <dgm:txLinClrLst/>
+    <dgm:txFillClrLst/>
+    <dgm:txEffectClrLst/>
+  </dgm:styleLbl>
+  <dgm:styleLbl name="asst1">
+    <dgm:fillClrLst meth="repeat">
+      <a:schemeClr val="dk2"/>
+    </dgm:fillClrLst>
+    <dgm:linClrLst meth="repeat">
+      <a:schemeClr val="lt2"/>
+    </dgm:linClrLst>
+    <dgm:effectClrLst/>
+    <dgm:txLinClrLst/>
+    <dgm:txFillClrLst/>
+    <dgm:txEffectClrLst/>
+  </dgm:styleLbl>
+  <dgm:styleLbl name="asst2">
+    <dgm:fillClrLst meth="repeat">
+      <a:schemeClr val="dk2"/>
+    </dgm:fillClrLst>
+    <dgm:linClrLst meth="repeat">
+      <a:schemeClr val="lt2"/>
+    </dgm:linClrLst>
+    <dgm:effectClrLst/>
+    <dgm:txLinClrLst/>
+    <dgm:txFillClrLst/>
+    <dgm:txEffectClrLst/>
+  </dgm:styleLbl>
+  <dgm:styleLbl name="asst3">
+    <dgm:fillClrLst meth="repeat">
+      <a:schemeClr val="dk2"/>
+    </dgm:fillClrLst>
+    <dgm:linClrLst meth="repeat">
+      <a:schemeClr val="lt2"/>
+    </dgm:linClrLst>
+    <dgm:effectClrLst/>
+    <dgm:txLinClrLst/>
+    <dgm:txFillClrLst/>
+    <dgm:txEffectClrLst/>
+  </dgm:styleLbl>
+  <dgm:styleLbl name="asst4">
+    <dgm:fillClrLst meth="repeat">
+      <a:schemeClr val="dk2"/>
+    </dgm:fillClrLst>
+    <dgm:linClrLst meth="repeat">
+      <a:schemeClr val="lt2"/>
+    </dgm:linClrLst>
+    <dgm:effectClrLst/>
+    <dgm:txLinClrLst/>
+    <dgm:txFillClrLst/>
+    <dgm:txEffectClrLst/>
+  </dgm:styleLbl>
+  <dgm:styleLbl name="parChTrans2D1">
+    <dgm:fillClrLst meth="repeat">
+      <a:schemeClr val="dk2">
+        <a:tint val="60000"/>
+      </a:schemeClr>
+    </dgm:fillClrLst>
+    <dgm:linClrLst meth="repeat">
+      <a:schemeClr val="dk2">
+        <a:tint val="60000"/>
+      </a:schemeClr>
+    </dgm:linClrLst>
+    <dgm:effectClrLst/>
+    <dgm:txLinClrLst/>
+    <dgm:txFillClrLst meth="repeat">
+      <a:schemeClr val="lt2"/>
+    </dgm:txFillClrLst>
+    <dgm:txEffectClrLst/>
+  </dgm:styleLbl>
+  <dgm:styleLbl name="parChTrans2D2">
+    <dgm:fillClrLst meth="repeat">
+      <a:schemeClr val="dk2"/>
+    </dgm:fillClrLst>
+    <dgm:linClrLst meth="repeat">
+      <a:schemeClr val="dk2"/>
+    </dgm:linClrLst>
+    <dgm:effectClrLst/>
+    <dgm:txLinClrLst/>
+    <dgm:txFillClrLst meth="repeat">
+      <a:schemeClr val="lt2"/>
+    </dgm:txFillClrLst>
+    <dgm:txEffectClrLst/>
+  </dgm:styleLbl>
+  <dgm:styleLbl name="parChTrans2D3">
+    <dgm:fillClrLst meth="repeat">
+      <a:schemeClr val="dk2"/>
+    </dgm:fillClrLst>
+    <dgm:linClrLst meth="repeat">
+      <a:schemeClr val="dk2"/>
+    </dgm:linClrLst>
+    <dgm:effectClrLst/>
+    <dgm:txLinClrLst/>
+    <dgm:txFillClrLst meth="repeat">
+      <a:schemeClr val="lt2"/>
+    </dgm:txFillClrLst>
+    <dgm:txEffectClrLst/>
+  </dgm:styleLbl>
+  <dgm:styleLbl name="parChTrans2D4">
+    <dgm:fillClrLst meth="repeat">
+      <a:schemeClr val="dk2"/>
+    </dgm:fillClrLst>
+    <dgm:linClrLst meth="repeat">
+      <a:schemeClr val="dk2"/>
+    </dgm:linClrLst>
+    <dgm:effectClrLst/>
+    <dgm:txLinClrLst/>
+    <dgm:txFillClrLst meth="repeat">
+      <a:schemeClr val="lt2"/>
+    </dgm:txFillClrLst>
+    <dgm:txEffectClrLst/>
+  </dgm:styleLbl>
+  <dgm:styleLbl name="parChTrans1D1">
+    <dgm:fillClrLst meth="repeat">
+      <a:schemeClr val="dk2"/>
+    </dgm:fillClrLst>
+    <dgm:linClrLst meth="repeat">
+      <a:schemeClr val="dk2">
+        <a:shade val="60000"/>
+      </a:schemeClr>
+    </dgm:linClrLst>
+    <dgm:effectClrLst/>
+    <dgm:txLinClrLst/>
+    <dgm:txFillClrLst meth="repeat">
+      <a:schemeClr val="tx1"/>
+    </dgm:txFillClrLst>
+    <dgm:txEffectClrLst/>
+  </dgm:styleLbl>
+  <dgm:styleLbl name="parChTrans1D2">
+    <dgm:fillClrLst meth="repeat">
+      <a:schemeClr val="dk2"/>
+    </dgm:fillClrLst>
+    <dgm:linClrLst meth="repeat">
+      <a:schemeClr val="dk2">
+        <a:shade val="60000"/>
+      </a:schemeClr>
+    </dgm:linClrLst>
+    <dgm:effectClrLst/>
+    <dgm:txLinClrLst/>
+    <dgm:txFillClrLst meth="repeat">
+      <a:schemeClr val="tx1"/>
+    </dgm:txFillClrLst>
+    <dgm:txEffectClrLst/>
+  </dgm:styleLbl>
+  <dgm:styleLbl name="parChTrans1D3">
+    <dgm:fillClrLst meth="repeat">
+      <a:schemeClr val="dk2"/>
+    </dgm:fillClrLst>
+    <dgm:linClrLst meth="repeat">
+      <a:schemeClr val="dk2">
+        <a:shade val="80000"/>
+      </a:schemeClr>
+    </dgm:linClrLst>
+    <dgm:effectClrLst/>
+    <dgm:txLinClrLst/>
+    <dgm:txFillClrLst meth="repeat">
+      <a:schemeClr val="tx1"/>
+    </dgm:txFillClrLst>
+    <dgm:txEffectClrLst/>
+  </dgm:styleLbl>
+  <dgm:styleLbl name="parChTrans1D4">
+    <dgm:fillClrLst meth="repeat">
+      <a:schemeClr val="dk2"/>
+    </dgm:fillClrLst>
+    <dgm:linClrLst meth="repeat">
+      <a:schemeClr val="dk2">
+        <a:shade val="80000"/>
+      </a:schemeClr>
+    </dgm:linClrLst>
+    <dgm:effectClrLst/>
+    <dgm:txLinClrLst/>
+    <dgm:txFillClrLst meth="repeat">
+      <a:schemeClr val="tx1"/>
+    </dgm:txFillClrLst>
+    <dgm:txEffectClrLst/>
+  </dgm:styleLbl>
+  <dgm:styleLbl name="fgAcc1">
+    <dgm:fillClrLst meth="repeat">
+      <a:schemeClr val="lt2">
+        <a:alpha val="90000"/>
+      </a:schemeClr>
+    </dgm:fillClrLst>
+    <dgm:linClrLst meth="repeat">
+      <a:schemeClr val="dk2"/>
+    </dgm:linClrLst>
+    <dgm:effectClrLst/>
+    <dgm:txLinClrLst/>
+    <dgm:txFillClrLst meth="repeat">
+      <a:schemeClr val="dk1"/>
+    </dgm:txFillClrLst>
+    <dgm:txEffectClrLst/>
+  </dgm:styleLbl>
+  <dgm:styleLbl name="conFgAcc1">
+    <dgm:fillClrLst meth="repeat">
+      <a:schemeClr val="lt2">
+        <a:alpha val="90000"/>
+      </a:schemeClr>
+    </dgm:fillClrLst>
+    <dgm:linClrLst meth="repeat">
+      <a:schemeClr val="dk2"/>
+    </dgm:linClrLst>
+    <dgm:effectClrLst/>
+    <dgm:txLinClrLst/>
+    <dgm:txFillClrLst meth="repeat">
+      <a:schemeClr val="dk1"/>
+    </dgm:txFillClrLst>
+    <dgm:txEffectClrLst/>
+  </dgm:styleLbl>
+  <dgm:styleLbl name="alignAcc1">
+    <dgm:fillClrLst meth="repeat">
+      <a:schemeClr val="lt2">
+        <a:alpha val="90000"/>
+      </a:schemeClr>
+    </dgm:fillClrLst>
+    <dgm:linClrLst meth="repeat">
+      <a:schemeClr val="dk2"/>
+    </dgm:linClrLst>
+    <dgm:effectClrLst/>
+    <dgm:txLinClrLst/>
+    <dgm:txFillClrLst meth="repeat">
+      <a:schemeClr val="dk1"/>
+    </dgm:txFillClrLst>
+    <dgm:txEffectClrLst/>
+  </dgm:styleLbl>
+  <dgm:styleLbl name="trAlignAcc1">
+    <dgm:fillClrLst meth="repeat">
+      <a:schemeClr val="lt2">
+        <a:alpha val="40000"/>
+      </a:schemeClr>
+    </dgm:fillClrLst>
+    <dgm:linClrLst meth="repeat">
+      <a:schemeClr val="dk2"/>
+    </dgm:linClrLst>
+    <dgm:effectClrLst/>
+    <dgm:txLinClrLst/>
+    <dgm:txFillClrLst meth="repeat">
+      <a:schemeClr val="dk1"/>
+    </dgm:txFillClrLst>
+    <dgm:txEffectClrLst/>
+  </dgm:styleLbl>
+  <dgm:styleLbl name="bgAcc1">
+    <dgm:fillClrLst meth="repeat">
+      <a:schemeClr val="lt2">
+        <a:alpha val="90000"/>
+      </a:schemeClr>
+    </dgm:fillClrLst>
+    <dgm:linClrLst meth="repeat">
+      <a:schemeClr val="dk2"/>
+    </dgm:linClrLst>
+    <dgm:effectClrLst/>
+    <dgm:txLinClrLst/>
+    <dgm:txFillClrLst meth="repeat">
+      <a:schemeClr val="dk1"/>
+    </dgm:txFillClrLst>
+    <dgm:txEffectClrLst/>
+  </dgm:styleLbl>
+  <dgm:styleLbl name="solidFgAcc1">
+    <dgm:fillClrLst meth="repeat">
+      <a:schemeClr val="lt2"/>
+    </dgm:fillClrLst>
+    <dgm:linClrLst meth="repeat">
+      <a:schemeClr val="dk2"/>
+    </dgm:linClrLst>
+    <dgm:effectClrLst/>
+    <dgm:txLinClrLst/>
+    <dgm:txFillClrLst meth="repeat">
+      <a:schemeClr val="dk1"/>
+    </dgm:txFillClrLst>
+    <dgm:txEffectClrLst/>
+  </dgm:styleLbl>
+  <dgm:styleLbl name="solidAlignAcc1">
+    <dgm:fillClrLst meth="repeat">
+      <a:schemeClr val="lt2"/>
+    </dgm:fillClrLst>
+    <dgm:linClrLst meth="repeat">
+      <a:schemeClr val="dk2"/>
+    </dgm:linClrLst>
+    <dgm:effectClrLst/>
+    <dgm:txLinClrLst/>
+    <dgm:txFillClrLst meth="repeat">
+      <a:schemeClr val="dk1"/>
+    </dgm:txFillClrLst>
+    <dgm:txEffectClrLst/>
+  </dgm:styleLbl>
+  <dgm:styleLbl name="solidBgAcc1">
+    <dgm:fillClrLst meth="repeat">
+      <a:schemeClr val="lt2"/>
+    </dgm:fillClrLst>
+    <dgm:linClrLst meth="repeat">
+      <a:schemeClr val="dk2"/>
+    </dgm:linClrLst>
+    <dgm:effectClrLst/>
+    <dgm:txLinClrLst/>
+    <dgm:txFillClrLst meth="repeat">
+      <a:schemeClr val="dk1"/>
+    </dgm:txFillClrLst>
+    <dgm:txEffectClrLst/>
+  </dgm:styleLbl>
+  <dgm:styleLbl name="fgAccFollowNode1">
+    <dgm:fillClrLst meth="repeat">
+      <a:schemeClr val="dk2">
+        <a:alpha val="90000"/>
+        <a:tint val="40000"/>
+      </a:schemeClr>
+    </dgm:fillClrLst>
+    <dgm:linClrLst meth="repeat">
+      <a:schemeClr val="dk2">
+        <a:alpha val="90000"/>
+        <a:tint val="40000"/>
+      </a:schemeClr>
+    </dgm:linClrLst>
+    <dgm:effectClrLst/>
+    <dgm:txLinClrLst/>
+    <dgm:txFillClrLst meth="repeat">
+      <a:schemeClr val="dk1"/>
+    </dgm:txFillClrLst>
+    <dgm:txEffectClrLst/>
+  </dgm:styleLbl>
+  <dgm:styleLbl name="alignAccFollowNode1">
+    <dgm:fillClrLst meth="repeat">
+      <a:schemeClr val="dk2">
+        <a:alpha val="90000"/>
+        <a:tint val="40000"/>
+      </a:schemeClr>
+    </dgm:fillClrLst>
+    <dgm:linClrLst meth="repeat">
+      <a:schemeClr val="dk2">
+        <a:alpha val="90000"/>
+        <a:tint val="40000"/>
+      </a:schemeClr>
+    </dgm:linClrLst>
+    <dgm:effectClrLst/>
+    <dgm:txLinClrLst/>
+    <dgm:txFillClrLst meth="repeat">
+      <a:schemeClr val="dk1"/>
+    </dgm:txFillClrLst>
+    <dgm:txEffectClrLst/>
+  </dgm:styleLbl>
+  <dgm:styleLbl name="bgAccFollowNode1">
+    <dgm:fillClrLst meth="repeat">
+      <a:schemeClr val="dk2">
+        <a:alpha val="90000"/>
+        <a:tint val="40000"/>
+      </a:schemeClr>
+    </dgm:fillClrLst>
+    <dgm:linClrLst meth="repeat">
+      <a:schemeClr val="dk2">
+        <a:alpha val="90000"/>
+        <a:tint val="40000"/>
+      </a:schemeClr>
+    </dgm:linClrLst>
+    <dgm:effectClrLst/>
+    <dgm:txLinClrLst/>
+    <dgm:txFillClrLst meth="repeat">
+      <a:schemeClr val="dk1"/>
+    </dgm:txFillClrLst>
+    <dgm:txEffectClrLst/>
+  </dgm:styleLbl>
+  <dgm:styleLbl name="fgAcc0">
+    <dgm:fillClrLst meth="repeat">
+      <a:schemeClr val="lt2">
+        <a:alpha val="90000"/>
+      </a:schemeClr>
+    </dgm:fillClrLst>
+    <dgm:linClrLst meth="repeat">
+      <a:schemeClr val="dk2"/>
+    </dgm:linClrLst>
+    <dgm:effectClrLst/>
+    <dgm:txLinClrLst/>
+    <dgm:txFillClrLst meth="repeat">
+      <a:schemeClr val="dk1"/>
+    </dgm:txFillClrLst>
+    <dgm:txEffectClrLst/>
+  </dgm:styleLbl>
+  <dgm:styleLbl name="fgAcc2">
+    <dgm:fillClrLst meth="repeat">
+      <a:schemeClr val="lt2">
+        <a:alpha val="90000"/>
+      </a:schemeClr>
+    </dgm:fillClrLst>
+    <dgm:linClrLst meth="repeat">
+      <a:schemeClr val="dk2"/>
+    </dgm:linClrLst>
+    <dgm:effectClrLst/>
+    <dgm:txLinClrLst/>
+    <dgm:txFillClrLst meth="repeat">
+      <a:schemeClr val="dk1"/>
+    </dgm:txFillClrLst>
+    <dgm:txEffectClrLst/>
+  </dgm:styleLbl>
+  <dgm:styleLbl name="fgAcc3">
+    <dgm:fillClrLst meth="repeat">
+      <a:schemeClr val="lt2">
+        <a:alpha val="90000"/>
+      </a:schemeClr>
+    </dgm:fillClrLst>
+    <dgm:linClrLst meth="repeat">
+      <a:schemeClr val="dk2"/>
+    </dgm:linClrLst>
+    <dgm:effectClrLst/>
+    <dgm:txLinClrLst/>
+    <dgm:txFillClrLst meth="repeat">
+      <a:schemeClr val="dk1"/>
+    </dgm:txFillClrLst>
+    <dgm:txEffectClrLst/>
+  </dgm:styleLbl>
+  <dgm:styleLbl name="fgAcc4">
+    <dgm:fillClrLst meth="repeat">
+      <a:schemeClr val="lt2">
+        <a:alpha val="90000"/>
+      </a:schemeClr>
+    </dgm:fillClrLst>
+    <dgm:linClrLst meth="repeat">
+      <a:schemeClr val="dk2"/>
+    </dgm:linClrLst>
+    <dgm:effectClrLst/>
+    <dgm:txLinClrLst/>
+    <dgm:txFillClrLst meth="repeat">
+      <a:schemeClr val="dk1"/>
+    </dgm:txFillClrLst>
+    <dgm:txEffectClrLst/>
+  </dgm:styleLbl>
+  <dgm:styleLbl name="bgShp">
+    <dgm:fillClrLst meth="repeat">
+      <a:schemeClr val="dk2"/>
+    </dgm:fillClrLst>
+    <dgm:linClrLst meth="repeat">
+      <a:schemeClr val="lt2">
+        <a:alpha val="0"/>
+      </a:schemeClr>
+    </dgm:linClrLst>
+    <dgm:effectClrLst/>
+    <dgm:txLinClrLst/>
+    <dgm:txFillClrLst/>
+    <dgm:txEffectClrLst/>
+  </dgm:styleLbl>
+  <dgm:styleLbl name="dkBgShp">
+    <dgm:fillClrLst meth="repeat">
+      <a:schemeClr val="dk2">
+        <a:shade val="80000"/>
+      </a:schemeClr>
+    </dgm:fillClrLst>
+    <dgm:linClrLst meth="repeat">
+      <a:schemeClr val="dk2"/>
+    </dgm:linClrLst>
+    <dgm:effectClrLst/>
+    <dgm:txLinClrLst/>
+    <dgm:txFillClrLst meth="repeat">
+      <a:schemeClr val="lt1"/>
+    </dgm:txFillClrLst>
+    <dgm:txEffectClrLst/>
+  </dgm:styleLbl>
+  <dgm:styleLbl name="trBgShp">
+    <dgm:fillClrLst meth="repeat">
+      <a:schemeClr val="dk2">
+        <a:tint val="50000"/>
+        <a:alpha val="40000"/>
+      </a:schemeClr>
+    </dgm:fillClrLst>
+    <dgm:linClrLst meth="repeat">
+      <a:schemeClr val="dk2"/>
+    </dgm:linClrLst>
+    <dgm:effectClrLst/>
+    <dgm:txLinClrLst/>
+    <dgm:txFillClrLst meth="repeat">
+      <a:schemeClr val="lt1"/>
+    </dgm:txFillClrLst>
+    <dgm:txEffectClrLst/>
+  </dgm:styleLbl>
+  <dgm:styleLbl name="fgShp">
+    <dgm:fillClrLst meth="repeat">
+      <a:schemeClr val="dk2">
+        <a:tint val="60000"/>
+      </a:schemeClr>
+    </dgm:fillClrLst>
+    <dgm:linClrLst meth="repeat">
+      <a:schemeClr val="lt2"/>
+    </dgm:linClrLst>
+    <dgm:effectClrLst/>
+    <dgm:txLinClrLst/>
+    <dgm:txFillClrLst meth="repeat">
+      <a:schemeClr val="dk1"/>
+    </dgm:txFillClrLst>
+    <dgm:txEffectClrLst/>
+  </dgm:styleLbl>
+  <dgm:styleLbl name="revTx">
+    <dgm:fillClrLst meth="repeat">
+      <a:schemeClr val="lt2">
+        <a:alpha val="0"/>
+      </a:schemeClr>
+    </dgm:fillClrLst>
+    <dgm:linClrLst meth="repeat">
+      <a:schemeClr val="dk1">
+        <a:alpha val="0"/>
+      </a:schemeClr>
+    </dgm:linClrLst>
+    <dgm:effectClrLst/>
+    <dgm:txLinClrLst/>
+    <dgm:txFillClrLst meth="repeat">
+      <a:schemeClr val="bg1"/>
+    </dgm:txFillClrLst>
+    <dgm:txEffectClrLst/>
+  </dgm:styleLbl>
+</dgm:colorsDef>
+</file>
+
+<file path=ppt/diagrams/colors7.xml><?xml version="1.0" encoding="utf-8"?>
 <dgm:colorsDef xmlns:dgm="http://schemas.openxmlformats.org/drawingml/2006/diagram" xmlns:a="http://schemas.openxmlformats.org/drawingml/2006/main" uniqueId="urn:microsoft.com/office/officeart/2018/5/colors/Iconchunking_neutralicontext_accent0_3">
   <dgm:title val=""/>
   <dgm:desc val=""/>
@@ -6859,6 +7613,426 @@
     <dgm:cxn modelId="{7D8320C2-5B83-455A-93A6-0ABFC1D2146C}" type="presParOf" srcId="{44252582-8A58-42D9-B6EB-7FD92D6FFDCE}" destId="{8A0819FD-B0EA-4BB4-9978-F4C8BC4CB675}" srcOrd="1" destOrd="0" presId="urn:microsoft.com/office/officeart/2018/2/layout/IconVerticalSolidList"/>
     <dgm:cxn modelId="{E46D3491-7E3A-4576-B87C-B1047C6765D1}" type="presParOf" srcId="{44252582-8A58-42D9-B6EB-7FD92D6FFDCE}" destId="{0D70A08F-B516-4B9F-A0C2-1369A047F0EA}" srcOrd="2" destOrd="0" presId="urn:microsoft.com/office/officeart/2018/2/layout/IconVerticalSolidList"/>
     <dgm:cxn modelId="{336BA30E-09B5-466E-94E2-761CEDCA3708}" type="presParOf" srcId="{44252582-8A58-42D9-B6EB-7FD92D6FFDCE}" destId="{FF28B4DF-F963-4911-AE85-930714C9DE69}" srcOrd="3" destOrd="0" presId="urn:microsoft.com/office/officeart/2018/2/layout/IconVerticalSolidList"/>
+  </dgm:cxnLst>
+  <dgm:bg/>
+  <dgm:whole/>
+  <dgm:extLst>
+    <a:ext uri="http://schemas.microsoft.com/office/drawing/2008/diagram">
+      <dsp:dataModelExt xmlns:dsp="http://schemas.microsoft.com/office/drawing/2008/diagram" relId="rId6" minVer="http://schemas.openxmlformats.org/drawingml/2006/diagram"/>
+    </a:ext>
+  </dgm:extLst>
+</dgm:dataModel>
+</file>
+
+<file path=ppt/diagrams/data7.xml><?xml version="1.0" encoding="utf-8"?>
+<dgm:dataModel xmlns:dgm="http://schemas.openxmlformats.org/drawingml/2006/diagram" xmlns:a="http://schemas.openxmlformats.org/drawingml/2006/main">
+  <dgm:ptLst>
+    <dgm:pt modelId="{957ED093-279A-48FC-97E9-5714C586C2E6}" type="doc">
+      <dgm:prSet loTypeId="urn:microsoft.com/office/officeart/2018/2/layout/IconVerticalSolidList" loCatId="icon" qsTypeId="urn:microsoft.com/office/officeart/2005/8/quickstyle/simple1" qsCatId="simple" csTypeId="urn:microsoft.com/office/officeart/2018/5/colors/Iconchunking_neutralicontext_accent0_3" csCatId="mainScheme" phldr="1"/>
+      <dgm:spPr/>
+      <dgm:t>
+        <a:bodyPr/>
+        <a:lstStyle/>
+        <a:p>
+          <a:endParaRPr lang="en-US"/>
+        </a:p>
+      </dgm:t>
+    </dgm:pt>
+    <dgm:pt modelId="{EF65F918-4F40-4737-94B2-DD7FE48B7A66}">
+      <dgm:prSet/>
+      <dgm:spPr/>
+      <dgm:t>
+        <a:bodyPr/>
+        <a:lstStyle/>
+        <a:p>
+          <a:pPr>
+            <a:lnSpc>
+              <a:spcPct val="100000"/>
+            </a:lnSpc>
+          </a:pPr>
+          <a:r>
+            <a:rPr lang="en-CA" dirty="0"/>
+            <a:t>Multi-task learning model</a:t>
+          </a:r>
+          <a:endParaRPr lang="en-US" dirty="0"/>
+        </a:p>
+      </dgm:t>
+    </dgm:pt>
+    <dgm:pt modelId="{A303BE9D-1CAF-48F5-A761-CCD4D2B1D9C4}" type="parTrans" cxnId="{1425979C-5630-4ACD-A053-79DD5D6983E4}">
+      <dgm:prSet/>
+      <dgm:spPr/>
+      <dgm:t>
+        <a:bodyPr/>
+        <a:lstStyle/>
+        <a:p>
+          <a:endParaRPr lang="en-US"/>
+        </a:p>
+      </dgm:t>
+    </dgm:pt>
+    <dgm:pt modelId="{BC2460CA-B55C-4185-B8C2-E9A1EF1A2868}" type="sibTrans" cxnId="{1425979C-5630-4ACD-A053-79DD5D6983E4}">
+      <dgm:prSet/>
+      <dgm:spPr/>
+      <dgm:t>
+        <a:bodyPr/>
+        <a:lstStyle/>
+        <a:p>
+          <a:endParaRPr lang="en-US"/>
+        </a:p>
+      </dgm:t>
+    </dgm:pt>
+    <dgm:pt modelId="{22FFEE00-C7C8-443B-95A3-686B65D4A235}">
+      <dgm:prSet/>
+      <dgm:spPr/>
+      <dgm:t>
+        <a:bodyPr/>
+        <a:lstStyle/>
+        <a:p>
+          <a:pPr>
+            <a:lnSpc>
+              <a:spcPct val="100000"/>
+            </a:lnSpc>
+          </a:pPr>
+          <a:r>
+            <a:rPr lang="en-CA" dirty="0"/>
+            <a:t>Understands the literal meaning of the word and embeds them.</a:t>
+          </a:r>
+          <a:endParaRPr lang="en-US" dirty="0"/>
+        </a:p>
+      </dgm:t>
+    </dgm:pt>
+    <dgm:pt modelId="{227F2EC1-626A-4276-B4B9-7DB214F44820}" type="parTrans" cxnId="{AF077682-7868-45AA-A604-96A55EE73D7F}">
+      <dgm:prSet/>
+      <dgm:spPr/>
+      <dgm:t>
+        <a:bodyPr/>
+        <a:lstStyle/>
+        <a:p>
+          <a:endParaRPr lang="en-US"/>
+        </a:p>
+      </dgm:t>
+    </dgm:pt>
+    <dgm:pt modelId="{22C49C19-BC1D-401E-92B4-AB0427E2ED1E}" type="sibTrans" cxnId="{AF077682-7868-45AA-A604-96A55EE73D7F}">
+      <dgm:prSet/>
+      <dgm:spPr/>
+      <dgm:t>
+        <a:bodyPr/>
+        <a:lstStyle/>
+        <a:p>
+          <a:endParaRPr lang="en-US"/>
+        </a:p>
+      </dgm:t>
+    </dgm:pt>
+    <dgm:pt modelId="{A17DB128-9CEE-4BCC-9737-8B0FBB7E14C8}">
+      <dgm:prSet/>
+      <dgm:spPr/>
+      <dgm:t>
+        <a:bodyPr/>
+        <a:lstStyle/>
+        <a:p>
+          <a:pPr>
+            <a:lnSpc>
+              <a:spcPct val="100000"/>
+            </a:lnSpc>
+          </a:pPr>
+          <a:r>
+            <a:rPr lang="en-CA"/>
+            <a:t>State of the art model</a:t>
+          </a:r>
+          <a:endParaRPr lang="en-US" dirty="0"/>
+        </a:p>
+      </dgm:t>
+    </dgm:pt>
+    <dgm:pt modelId="{958136CB-45BC-43C9-BB9C-2CC249D81324}" type="parTrans" cxnId="{F16AD155-3E94-4D5A-8FC8-3D9D3761D84E}">
+      <dgm:prSet/>
+      <dgm:spPr/>
+      <dgm:t>
+        <a:bodyPr/>
+        <a:lstStyle/>
+        <a:p>
+          <a:endParaRPr lang="en-US"/>
+        </a:p>
+      </dgm:t>
+    </dgm:pt>
+    <dgm:pt modelId="{EF18D6AB-201E-4828-80D7-C90F47FCE3A6}" type="sibTrans" cxnId="{F16AD155-3E94-4D5A-8FC8-3D9D3761D84E}">
+      <dgm:prSet/>
+      <dgm:spPr/>
+      <dgm:t>
+        <a:bodyPr/>
+        <a:lstStyle/>
+        <a:p>
+          <a:endParaRPr lang="en-US"/>
+        </a:p>
+      </dgm:t>
+    </dgm:pt>
+    <dgm:pt modelId="{EDBF3562-6736-4819-81C7-54E942164F8A}">
+      <dgm:prSet/>
+      <dgm:spPr/>
+      <dgm:t>
+        <a:bodyPr/>
+        <a:lstStyle/>
+        <a:p>
+          <a:pPr>
+            <a:lnSpc>
+              <a:spcPct val="100000"/>
+            </a:lnSpc>
+          </a:pPr>
+          <a:r>
+            <a:rPr lang="en-US"/>
+            <a:t>PageRank </a:t>
+          </a:r>
+          <a:r>
+            <a:rPr lang="en-US" dirty="0"/>
+            <a:t>algorithm</a:t>
+          </a:r>
+        </a:p>
+      </dgm:t>
+    </dgm:pt>
+    <dgm:pt modelId="{1F2A4736-A0D7-421C-AFCB-EF8B6C0885D6}" type="parTrans" cxnId="{2FAD0DD1-7C72-461B-AFF9-ADF4CA6D93A3}">
+      <dgm:prSet/>
+      <dgm:spPr/>
+    </dgm:pt>
+    <dgm:pt modelId="{CED4429C-6012-4FB3-88C6-839BB10BB4B1}" type="sibTrans" cxnId="{2FAD0DD1-7C72-461B-AFF9-ADF4CA6D93A3}">
+      <dgm:prSet/>
+      <dgm:spPr/>
+    </dgm:pt>
+    <dgm:pt modelId="{A4F3676E-DC8A-49AE-B610-DF54347CAC02}" type="pres">
+      <dgm:prSet presAssocID="{957ED093-279A-48FC-97E9-5714C586C2E6}" presName="root" presStyleCnt="0">
+        <dgm:presLayoutVars>
+          <dgm:dir/>
+          <dgm:resizeHandles val="exact"/>
+        </dgm:presLayoutVars>
+      </dgm:prSet>
+      <dgm:spPr/>
+    </dgm:pt>
+    <dgm:pt modelId="{E0AEF695-06BC-4BB6-A48F-30C72655BDC9}" type="pres">
+      <dgm:prSet presAssocID="{EF65F918-4F40-4737-94B2-DD7FE48B7A66}" presName="compNode" presStyleCnt="0"/>
+      <dgm:spPr/>
+    </dgm:pt>
+    <dgm:pt modelId="{98866186-5104-4BA8-A2A8-C64E40F9EF6C}" type="pres">
+      <dgm:prSet presAssocID="{EF65F918-4F40-4737-94B2-DD7FE48B7A66}" presName="bgRect" presStyleLbl="bgShp" presStyleIdx="0" presStyleCnt="4"/>
+      <dgm:spPr>
+        <a:solidFill>
+          <a:schemeClr val="accent2"/>
+        </a:solidFill>
+      </dgm:spPr>
+    </dgm:pt>
+    <dgm:pt modelId="{D73E3C3D-F0BC-42A8-9E07-7556B62B1593}" type="pres">
+      <dgm:prSet presAssocID="{EF65F918-4F40-4737-94B2-DD7FE48B7A66}" presName="iconRect" presStyleLbl="node1" presStyleIdx="0" presStyleCnt="4"/>
+      <dgm:spPr>
+        <a:blipFill>
+          <a:blip xmlns:r="http://schemas.openxmlformats.org/officeDocument/2006/relationships" r:embed="rId1">
+            <a:extLst>
+              <a:ext uri="{28A0092B-C50C-407E-A947-70E740481C1C}">
+                <a14:useLocalDpi xmlns:a14="http://schemas.microsoft.com/office/drawing/2010/main" val="0"/>
+              </a:ext>
+              <a:ext uri="{96DAC541-7B7A-43D3-8B79-37D633B846F1}">
+                <asvg:svgBlip xmlns:asvg="http://schemas.microsoft.com/office/drawing/2016/SVG/main" r:embed="rId2"/>
+              </a:ext>
+            </a:extLst>
+          </a:blip>
+          <a:stretch>
+            <a:fillRect/>
+          </a:stretch>
+        </a:blipFill>
+        <a:ln>
+          <a:noFill/>
+        </a:ln>
+      </dgm:spPr>
+      <dgm:extLst>
+        <a:ext uri="{E40237B7-FDA0-4F09-8148-C483321AD2D9}">
+          <dgm14:cNvPr xmlns:dgm14="http://schemas.microsoft.com/office/drawing/2010/diagram" id="0" name="" descr="Comment"/>
+        </a:ext>
+      </dgm:extLst>
+    </dgm:pt>
+    <dgm:pt modelId="{35FA0147-3C9B-4931-84F6-08AA9C10193D}" type="pres">
+      <dgm:prSet presAssocID="{EF65F918-4F40-4737-94B2-DD7FE48B7A66}" presName="spaceRect" presStyleCnt="0"/>
+      <dgm:spPr/>
+    </dgm:pt>
+    <dgm:pt modelId="{33587A7A-20B9-43A9-8743-3FDEF425E84C}" type="pres">
+      <dgm:prSet presAssocID="{EF65F918-4F40-4737-94B2-DD7FE48B7A66}" presName="parTx" presStyleLbl="revTx" presStyleIdx="0" presStyleCnt="4">
+        <dgm:presLayoutVars>
+          <dgm:chMax val="0"/>
+          <dgm:chPref val="0"/>
+        </dgm:presLayoutVars>
+      </dgm:prSet>
+      <dgm:spPr/>
+    </dgm:pt>
+    <dgm:pt modelId="{1BECD0C8-40A1-4BC4-894C-E4BDE786A4A3}" type="pres">
+      <dgm:prSet presAssocID="{BC2460CA-B55C-4185-B8C2-E9A1EF1A2868}" presName="sibTrans" presStyleCnt="0"/>
+      <dgm:spPr/>
+    </dgm:pt>
+    <dgm:pt modelId="{620F9B16-038A-46D0-94A8-5057C03EDC9C}" type="pres">
+      <dgm:prSet presAssocID="{22FFEE00-C7C8-443B-95A3-686B65D4A235}" presName="compNode" presStyleCnt="0"/>
+      <dgm:spPr/>
+    </dgm:pt>
+    <dgm:pt modelId="{A1FD1768-74AF-48EF-B94B-8C3310F60751}" type="pres">
+      <dgm:prSet presAssocID="{22FFEE00-C7C8-443B-95A3-686B65D4A235}" presName="bgRect" presStyleLbl="bgShp" presStyleIdx="1" presStyleCnt="4"/>
+      <dgm:spPr>
+        <a:solidFill>
+          <a:schemeClr val="accent4">
+            <a:lumMod val="60000"/>
+            <a:lumOff val="40000"/>
+          </a:schemeClr>
+        </a:solidFill>
+      </dgm:spPr>
+    </dgm:pt>
+    <dgm:pt modelId="{FBDF1F2D-37FA-4C07-AFE0-75A4D2B76DF7}" type="pres">
+      <dgm:prSet presAssocID="{22FFEE00-C7C8-443B-95A3-686B65D4A235}" presName="iconRect" presStyleLbl="node1" presStyleIdx="1" presStyleCnt="4"/>
+      <dgm:spPr>
+        <a:blipFill>
+          <a:blip xmlns:r="http://schemas.openxmlformats.org/officeDocument/2006/relationships" r:embed="rId3">
+            <a:extLst>
+              <a:ext uri="{28A0092B-C50C-407E-A947-70E740481C1C}">
+                <a14:useLocalDpi xmlns:a14="http://schemas.microsoft.com/office/drawing/2010/main" val="0"/>
+              </a:ext>
+              <a:ext uri="{96DAC541-7B7A-43D3-8B79-37D633B846F1}">
+                <asvg:svgBlip xmlns:asvg="http://schemas.microsoft.com/office/drawing/2016/SVG/main" r:embed="rId4"/>
+              </a:ext>
+            </a:extLst>
+          </a:blip>
+          <a:stretch>
+            <a:fillRect/>
+          </a:stretch>
+        </a:blipFill>
+        <a:ln>
+          <a:noFill/>
+        </a:ln>
+      </dgm:spPr>
+      <dgm:extLst>
+        <a:ext uri="{E40237B7-FDA0-4F09-8148-C483321AD2D9}">
+          <dgm14:cNvPr xmlns:dgm14="http://schemas.microsoft.com/office/drawing/2010/diagram" id="0" name="" descr="Open Enrollment"/>
+        </a:ext>
+      </dgm:extLst>
+    </dgm:pt>
+    <dgm:pt modelId="{DD5C88CC-8279-4302-AE77-E0FA4B84AB22}" type="pres">
+      <dgm:prSet presAssocID="{22FFEE00-C7C8-443B-95A3-686B65D4A235}" presName="spaceRect" presStyleCnt="0"/>
+      <dgm:spPr/>
+    </dgm:pt>
+    <dgm:pt modelId="{97C85446-272A-4778-AECB-9FA4A99D0CAC}" type="pres">
+      <dgm:prSet presAssocID="{22FFEE00-C7C8-443B-95A3-686B65D4A235}" presName="parTx" presStyleLbl="revTx" presStyleIdx="1" presStyleCnt="4">
+        <dgm:presLayoutVars>
+          <dgm:chMax val="0"/>
+          <dgm:chPref val="0"/>
+        </dgm:presLayoutVars>
+      </dgm:prSet>
+      <dgm:spPr/>
+    </dgm:pt>
+    <dgm:pt modelId="{15AFC7CC-880F-45B1-891F-A0C0EA3554A7}" type="pres">
+      <dgm:prSet presAssocID="{22C49C19-BC1D-401E-92B4-AB0427E2ED1E}" presName="sibTrans" presStyleCnt="0"/>
+      <dgm:spPr/>
+    </dgm:pt>
+    <dgm:pt modelId="{44252582-8A58-42D9-B6EB-7FD92D6FFDCE}" type="pres">
+      <dgm:prSet presAssocID="{A17DB128-9CEE-4BCC-9737-8B0FBB7E14C8}" presName="compNode" presStyleCnt="0"/>
+      <dgm:spPr/>
+    </dgm:pt>
+    <dgm:pt modelId="{CC7BC2E9-7A56-44C9-A576-95D9A920ED50}" type="pres">
+      <dgm:prSet presAssocID="{A17DB128-9CEE-4BCC-9737-8B0FBB7E14C8}" presName="bgRect" presStyleLbl="bgShp" presStyleIdx="2" presStyleCnt="4"/>
+      <dgm:spPr/>
+    </dgm:pt>
+    <dgm:pt modelId="{8A0819FD-B0EA-4BB4-9978-F4C8BC4CB675}" type="pres">
+      <dgm:prSet presAssocID="{A17DB128-9CEE-4BCC-9737-8B0FBB7E14C8}" presName="iconRect" presStyleLbl="node1" presStyleIdx="2" presStyleCnt="4"/>
+      <dgm:spPr>
+        <a:blipFill>
+          <a:blip xmlns:r="http://schemas.openxmlformats.org/officeDocument/2006/relationships" r:embed="rId5">
+            <a:extLst>
+              <a:ext uri="{28A0092B-C50C-407E-A947-70E740481C1C}">
+                <a14:useLocalDpi xmlns:a14="http://schemas.microsoft.com/office/drawing/2010/main" val="0"/>
+              </a:ext>
+              <a:ext uri="{96DAC541-7B7A-43D3-8B79-37D633B846F1}">
+                <asvg:svgBlip xmlns:asvg="http://schemas.microsoft.com/office/drawing/2016/SVG/main" r:embed="rId6"/>
+              </a:ext>
+            </a:extLst>
+          </a:blip>
+          <a:stretch>
+            <a:fillRect/>
+          </a:stretch>
+        </a:blipFill>
+        <a:ln>
+          <a:noFill/>
+        </a:ln>
+      </dgm:spPr>
+      <dgm:extLst>
+        <a:ext uri="{E40237B7-FDA0-4F09-8148-C483321AD2D9}">
+          <dgm14:cNvPr xmlns:dgm14="http://schemas.microsoft.com/office/drawing/2010/diagram" id="0" name="" descr="Right Double Quote"/>
+        </a:ext>
+      </dgm:extLst>
+    </dgm:pt>
+    <dgm:pt modelId="{0D70A08F-B516-4B9F-A0C2-1369A047F0EA}" type="pres">
+      <dgm:prSet presAssocID="{A17DB128-9CEE-4BCC-9737-8B0FBB7E14C8}" presName="spaceRect" presStyleCnt="0"/>
+      <dgm:spPr/>
+    </dgm:pt>
+    <dgm:pt modelId="{FF28B4DF-F963-4911-AE85-930714C9DE69}" type="pres">
+      <dgm:prSet presAssocID="{A17DB128-9CEE-4BCC-9737-8B0FBB7E14C8}" presName="parTx" presStyleLbl="revTx" presStyleIdx="2" presStyleCnt="4">
+        <dgm:presLayoutVars>
+          <dgm:chMax val="0"/>
+          <dgm:chPref val="0"/>
+        </dgm:presLayoutVars>
+      </dgm:prSet>
+      <dgm:spPr/>
+    </dgm:pt>
+    <dgm:pt modelId="{DEE45F38-8682-4A65-86F5-6DED9A8ADEFC}" type="pres">
+      <dgm:prSet presAssocID="{EF18D6AB-201E-4828-80D7-C90F47FCE3A6}" presName="sibTrans" presStyleCnt="0"/>
+      <dgm:spPr/>
+    </dgm:pt>
+    <dgm:pt modelId="{2DB38EB5-FB52-496E-BE75-16B013EA5B91}" type="pres">
+      <dgm:prSet presAssocID="{EDBF3562-6736-4819-81C7-54E942164F8A}" presName="compNode" presStyleCnt="0"/>
+      <dgm:spPr/>
+    </dgm:pt>
+    <dgm:pt modelId="{AF940CCD-F9F5-4D77-B8DE-623F21271F46}" type="pres">
+      <dgm:prSet presAssocID="{EDBF3562-6736-4819-81C7-54E942164F8A}" presName="bgRect" presStyleLbl="bgShp" presStyleIdx="3" presStyleCnt="4"/>
+      <dgm:spPr/>
+    </dgm:pt>
+    <dgm:pt modelId="{A1459A82-E3EA-4A3E-B45E-9F1920801C3C}" type="pres">
+      <dgm:prSet presAssocID="{EDBF3562-6736-4819-81C7-54E942164F8A}" presName="iconRect" presStyleLbl="node1" presStyleIdx="3" presStyleCnt="4"/>
+      <dgm:spPr/>
+    </dgm:pt>
+    <dgm:pt modelId="{824FC4EB-DD74-4465-9570-67EE87316EF0}" type="pres">
+      <dgm:prSet presAssocID="{EDBF3562-6736-4819-81C7-54E942164F8A}" presName="spaceRect" presStyleCnt="0"/>
+      <dgm:spPr/>
+    </dgm:pt>
+    <dgm:pt modelId="{008B971F-188F-49F2-B38B-01D7B5050F7C}" type="pres">
+      <dgm:prSet presAssocID="{EDBF3562-6736-4819-81C7-54E942164F8A}" presName="parTx" presStyleLbl="revTx" presStyleIdx="3" presStyleCnt="4">
+        <dgm:presLayoutVars>
+          <dgm:chMax val="0"/>
+          <dgm:chPref val="0"/>
+        </dgm:presLayoutVars>
+      </dgm:prSet>
+      <dgm:spPr/>
+    </dgm:pt>
+  </dgm:ptLst>
+  <dgm:cxnLst>
+    <dgm:cxn modelId="{E15C6A23-DC5F-45BF-BE2C-D1FDA04A8A7D}" type="presOf" srcId="{EDBF3562-6736-4819-81C7-54E942164F8A}" destId="{008B971F-188F-49F2-B38B-01D7B5050F7C}" srcOrd="0" destOrd="0" presId="urn:microsoft.com/office/officeart/2018/2/layout/IconVerticalSolidList"/>
+    <dgm:cxn modelId="{4FA36A4A-D043-4706-969B-82D2A726C139}" type="presOf" srcId="{A17DB128-9CEE-4BCC-9737-8B0FBB7E14C8}" destId="{FF28B4DF-F963-4911-AE85-930714C9DE69}" srcOrd="0" destOrd="0" presId="urn:microsoft.com/office/officeart/2018/2/layout/IconVerticalSolidList"/>
+    <dgm:cxn modelId="{F16AD155-3E94-4D5A-8FC8-3D9D3761D84E}" srcId="{957ED093-279A-48FC-97E9-5714C586C2E6}" destId="{A17DB128-9CEE-4BCC-9737-8B0FBB7E14C8}" srcOrd="2" destOrd="0" parTransId="{958136CB-45BC-43C9-BB9C-2CC249D81324}" sibTransId="{EF18D6AB-201E-4828-80D7-C90F47FCE3A6}"/>
+    <dgm:cxn modelId="{8FB62681-48E1-40D5-A398-B95DCAB43AC6}" type="presOf" srcId="{22FFEE00-C7C8-443B-95A3-686B65D4A235}" destId="{97C85446-272A-4778-AECB-9FA4A99D0CAC}" srcOrd="0" destOrd="0" presId="urn:microsoft.com/office/officeart/2018/2/layout/IconVerticalSolidList"/>
+    <dgm:cxn modelId="{AF077682-7868-45AA-A604-96A55EE73D7F}" srcId="{957ED093-279A-48FC-97E9-5714C586C2E6}" destId="{22FFEE00-C7C8-443B-95A3-686B65D4A235}" srcOrd="1" destOrd="0" parTransId="{227F2EC1-626A-4276-B4B9-7DB214F44820}" sibTransId="{22C49C19-BC1D-401E-92B4-AB0427E2ED1E}"/>
+    <dgm:cxn modelId="{1425979C-5630-4ACD-A053-79DD5D6983E4}" srcId="{957ED093-279A-48FC-97E9-5714C586C2E6}" destId="{EF65F918-4F40-4737-94B2-DD7FE48B7A66}" srcOrd="0" destOrd="0" parTransId="{A303BE9D-1CAF-48F5-A761-CCD4D2B1D9C4}" sibTransId="{BC2460CA-B55C-4185-B8C2-E9A1EF1A2868}"/>
+    <dgm:cxn modelId="{2691A29F-6358-4B42-92E6-E28061DB0033}" type="presOf" srcId="{EF65F918-4F40-4737-94B2-DD7FE48B7A66}" destId="{33587A7A-20B9-43A9-8743-3FDEF425E84C}" srcOrd="0" destOrd="0" presId="urn:microsoft.com/office/officeart/2018/2/layout/IconVerticalSolidList"/>
+    <dgm:cxn modelId="{2FAD0DD1-7C72-461B-AFF9-ADF4CA6D93A3}" srcId="{957ED093-279A-48FC-97E9-5714C586C2E6}" destId="{EDBF3562-6736-4819-81C7-54E942164F8A}" srcOrd="3" destOrd="0" parTransId="{1F2A4736-A0D7-421C-AFCB-EF8B6C0885D6}" sibTransId="{CED4429C-6012-4FB3-88C6-839BB10BB4B1}"/>
+    <dgm:cxn modelId="{C55981D2-F9FD-4DB9-AB0A-B8EEC864445D}" type="presOf" srcId="{957ED093-279A-48FC-97E9-5714C586C2E6}" destId="{A4F3676E-DC8A-49AE-B610-DF54347CAC02}" srcOrd="0" destOrd="0" presId="urn:microsoft.com/office/officeart/2018/2/layout/IconVerticalSolidList"/>
+    <dgm:cxn modelId="{C7672A6D-5231-498F-9352-45C0C417104C}" type="presParOf" srcId="{A4F3676E-DC8A-49AE-B610-DF54347CAC02}" destId="{E0AEF695-06BC-4BB6-A48F-30C72655BDC9}" srcOrd="0" destOrd="0" presId="urn:microsoft.com/office/officeart/2018/2/layout/IconVerticalSolidList"/>
+    <dgm:cxn modelId="{6BB32900-B34A-4CF4-BC2A-29775D6E6A5C}" type="presParOf" srcId="{E0AEF695-06BC-4BB6-A48F-30C72655BDC9}" destId="{98866186-5104-4BA8-A2A8-C64E40F9EF6C}" srcOrd="0" destOrd="0" presId="urn:microsoft.com/office/officeart/2018/2/layout/IconVerticalSolidList"/>
+    <dgm:cxn modelId="{2166DC9E-0C83-435E-BDF1-30DCDD488730}" type="presParOf" srcId="{E0AEF695-06BC-4BB6-A48F-30C72655BDC9}" destId="{D73E3C3D-F0BC-42A8-9E07-7556B62B1593}" srcOrd="1" destOrd="0" presId="urn:microsoft.com/office/officeart/2018/2/layout/IconVerticalSolidList"/>
+    <dgm:cxn modelId="{A93C538A-C34C-4487-81BF-F6239139A73E}" type="presParOf" srcId="{E0AEF695-06BC-4BB6-A48F-30C72655BDC9}" destId="{35FA0147-3C9B-4931-84F6-08AA9C10193D}" srcOrd="2" destOrd="0" presId="urn:microsoft.com/office/officeart/2018/2/layout/IconVerticalSolidList"/>
+    <dgm:cxn modelId="{4125A444-5211-4397-B72B-E072780572B9}" type="presParOf" srcId="{E0AEF695-06BC-4BB6-A48F-30C72655BDC9}" destId="{33587A7A-20B9-43A9-8743-3FDEF425E84C}" srcOrd="3" destOrd="0" presId="urn:microsoft.com/office/officeart/2018/2/layout/IconVerticalSolidList"/>
+    <dgm:cxn modelId="{B1590A1E-8FFE-479B-94BA-6E10C38C51DA}" type="presParOf" srcId="{A4F3676E-DC8A-49AE-B610-DF54347CAC02}" destId="{1BECD0C8-40A1-4BC4-894C-E4BDE786A4A3}" srcOrd="1" destOrd="0" presId="urn:microsoft.com/office/officeart/2018/2/layout/IconVerticalSolidList"/>
+    <dgm:cxn modelId="{A52D1FBE-8830-436B-84D8-473C6F89026A}" type="presParOf" srcId="{A4F3676E-DC8A-49AE-B610-DF54347CAC02}" destId="{620F9B16-038A-46D0-94A8-5057C03EDC9C}" srcOrd="2" destOrd="0" presId="urn:microsoft.com/office/officeart/2018/2/layout/IconVerticalSolidList"/>
+    <dgm:cxn modelId="{3CD861B9-A8D0-499D-83BF-0545609BE179}" type="presParOf" srcId="{620F9B16-038A-46D0-94A8-5057C03EDC9C}" destId="{A1FD1768-74AF-48EF-B94B-8C3310F60751}" srcOrd="0" destOrd="0" presId="urn:microsoft.com/office/officeart/2018/2/layout/IconVerticalSolidList"/>
+    <dgm:cxn modelId="{DCD66747-0264-4A06-85AE-53E447F54A27}" type="presParOf" srcId="{620F9B16-038A-46D0-94A8-5057C03EDC9C}" destId="{FBDF1F2D-37FA-4C07-AFE0-75A4D2B76DF7}" srcOrd="1" destOrd="0" presId="urn:microsoft.com/office/officeart/2018/2/layout/IconVerticalSolidList"/>
+    <dgm:cxn modelId="{2BDFDEE9-97BD-4217-B9B2-CEF7481C2A21}" type="presParOf" srcId="{620F9B16-038A-46D0-94A8-5057C03EDC9C}" destId="{DD5C88CC-8279-4302-AE77-E0FA4B84AB22}" srcOrd="2" destOrd="0" presId="urn:microsoft.com/office/officeart/2018/2/layout/IconVerticalSolidList"/>
+    <dgm:cxn modelId="{B9C7954E-93AE-4AAA-970F-70046B826C35}" type="presParOf" srcId="{620F9B16-038A-46D0-94A8-5057C03EDC9C}" destId="{97C85446-272A-4778-AECB-9FA4A99D0CAC}" srcOrd="3" destOrd="0" presId="urn:microsoft.com/office/officeart/2018/2/layout/IconVerticalSolidList"/>
+    <dgm:cxn modelId="{C75ED4BB-4F41-4C14-A10C-E83B86042796}" type="presParOf" srcId="{A4F3676E-DC8A-49AE-B610-DF54347CAC02}" destId="{15AFC7CC-880F-45B1-891F-A0C0EA3554A7}" srcOrd="3" destOrd="0" presId="urn:microsoft.com/office/officeart/2018/2/layout/IconVerticalSolidList"/>
+    <dgm:cxn modelId="{438F2D96-A348-4923-B764-2F9D2814F91A}" type="presParOf" srcId="{A4F3676E-DC8A-49AE-B610-DF54347CAC02}" destId="{44252582-8A58-42D9-B6EB-7FD92D6FFDCE}" srcOrd="4" destOrd="0" presId="urn:microsoft.com/office/officeart/2018/2/layout/IconVerticalSolidList"/>
+    <dgm:cxn modelId="{2453D30B-4711-453B-95EC-4F1380C0E3DF}" type="presParOf" srcId="{44252582-8A58-42D9-B6EB-7FD92D6FFDCE}" destId="{CC7BC2E9-7A56-44C9-A576-95D9A920ED50}" srcOrd="0" destOrd="0" presId="urn:microsoft.com/office/officeart/2018/2/layout/IconVerticalSolidList"/>
+    <dgm:cxn modelId="{7D8320C2-5B83-455A-93A6-0ABFC1D2146C}" type="presParOf" srcId="{44252582-8A58-42D9-B6EB-7FD92D6FFDCE}" destId="{8A0819FD-B0EA-4BB4-9978-F4C8BC4CB675}" srcOrd="1" destOrd="0" presId="urn:microsoft.com/office/officeart/2018/2/layout/IconVerticalSolidList"/>
+    <dgm:cxn modelId="{E46D3491-7E3A-4576-B87C-B1047C6765D1}" type="presParOf" srcId="{44252582-8A58-42D9-B6EB-7FD92D6FFDCE}" destId="{0D70A08F-B516-4B9F-A0C2-1369A047F0EA}" srcOrd="2" destOrd="0" presId="urn:microsoft.com/office/officeart/2018/2/layout/IconVerticalSolidList"/>
+    <dgm:cxn modelId="{336BA30E-09B5-466E-94E2-761CEDCA3708}" type="presParOf" srcId="{44252582-8A58-42D9-B6EB-7FD92D6FFDCE}" destId="{FF28B4DF-F963-4911-AE85-930714C9DE69}" srcOrd="3" destOrd="0" presId="urn:microsoft.com/office/officeart/2018/2/layout/IconVerticalSolidList"/>
+    <dgm:cxn modelId="{3A20631F-8B0E-43D1-A4E7-BAAC43D73642}" type="presParOf" srcId="{A4F3676E-DC8A-49AE-B610-DF54347CAC02}" destId="{DEE45F38-8682-4A65-86F5-6DED9A8ADEFC}" srcOrd="5" destOrd="0" presId="urn:microsoft.com/office/officeart/2018/2/layout/IconVerticalSolidList"/>
+    <dgm:cxn modelId="{5D2B158A-B680-45BF-9FC7-B6766E1BD712}" type="presParOf" srcId="{A4F3676E-DC8A-49AE-B610-DF54347CAC02}" destId="{2DB38EB5-FB52-496E-BE75-16B013EA5B91}" srcOrd="6" destOrd="0" presId="urn:microsoft.com/office/officeart/2018/2/layout/IconVerticalSolidList"/>
+    <dgm:cxn modelId="{DE4A1F2D-533C-4EBA-B306-75481026A100}" type="presParOf" srcId="{2DB38EB5-FB52-496E-BE75-16B013EA5B91}" destId="{AF940CCD-F9F5-4D77-B8DE-623F21271F46}" srcOrd="0" destOrd="0" presId="urn:microsoft.com/office/officeart/2018/2/layout/IconVerticalSolidList"/>
+    <dgm:cxn modelId="{B7A4BD86-A117-4D55-B027-303AA80ACE15}" type="presParOf" srcId="{2DB38EB5-FB52-496E-BE75-16B013EA5B91}" destId="{A1459A82-E3EA-4A3E-B45E-9F1920801C3C}" srcOrd="1" destOrd="0" presId="urn:microsoft.com/office/officeart/2018/2/layout/IconVerticalSolidList"/>
+    <dgm:cxn modelId="{83EB5EC0-A936-409F-B79C-CC56F636068B}" type="presParOf" srcId="{2DB38EB5-FB52-496E-BE75-16B013EA5B91}" destId="{824FC4EB-DD74-4465-9570-67EE87316EF0}" srcOrd="2" destOrd="0" presId="urn:microsoft.com/office/officeart/2018/2/layout/IconVerticalSolidList"/>
+    <dgm:cxn modelId="{66112F21-CC8C-4B92-AE07-E86979828179}" type="presParOf" srcId="{2DB38EB5-FB52-496E-BE75-16B013EA5B91}" destId="{008B971F-188F-49F2-B38B-01D7B5050F7C}" srcOrd="3" destOrd="0" presId="urn:microsoft.com/office/officeart/2018/2/layout/IconVerticalSolidList"/>
   </dgm:cxnLst>
   <dgm:bg/>
   <dgm:whole/>
@@ -9205,6 +10379,623 @@
 </dsp:drawing>
 </file>
 
+<file path=ppt/diagrams/drawing7.xml><?xml version="1.0" encoding="utf-8"?>
+<dsp:drawing xmlns:dgm="http://schemas.openxmlformats.org/drawingml/2006/diagram" xmlns:dsp="http://schemas.microsoft.com/office/drawing/2008/diagram" xmlns:a="http://schemas.openxmlformats.org/drawingml/2006/main">
+  <dsp:spTree>
+    <dsp:nvGrpSpPr>
+      <dsp:cNvPr id="0" name=""/>
+      <dsp:cNvGrpSpPr/>
+    </dsp:nvGrpSpPr>
+    <dsp:grpSpPr/>
+    <dsp:sp modelId="{98866186-5104-4BA8-A2A8-C64E40F9EF6C}">
+      <dsp:nvSpPr>
+        <dsp:cNvPr id="0" name=""/>
+        <dsp:cNvSpPr/>
+      </dsp:nvSpPr>
+      <dsp:spPr>
+        <a:xfrm>
+          <a:off x="0" y="2284"/>
+          <a:ext cx="6263640" cy="1157919"/>
+        </a:xfrm>
+        <a:prstGeom prst="roundRect">
+          <a:avLst>
+            <a:gd name="adj" fmla="val 10000"/>
+          </a:avLst>
+        </a:prstGeom>
+        <a:solidFill>
+          <a:schemeClr val="accent2"/>
+        </a:solidFill>
+        <a:ln>
+          <a:noFill/>
+        </a:ln>
+        <a:effectLst/>
+      </dsp:spPr>
+      <dsp:style>
+        <a:lnRef idx="0">
+          <a:scrgbClr r="0" g="0" b="0"/>
+        </a:lnRef>
+        <a:fillRef idx="1">
+          <a:scrgbClr r="0" g="0" b="0"/>
+        </a:fillRef>
+        <a:effectRef idx="0">
+          <a:scrgbClr r="0" g="0" b="0"/>
+        </a:effectRef>
+        <a:fontRef idx="minor"/>
+      </dsp:style>
+    </dsp:sp>
+    <dsp:sp modelId="{D73E3C3D-F0BC-42A8-9E07-7556B62B1593}">
+      <dsp:nvSpPr>
+        <dsp:cNvPr id="0" name=""/>
+        <dsp:cNvSpPr/>
+      </dsp:nvSpPr>
+      <dsp:spPr>
+        <a:xfrm>
+          <a:off x="350270" y="262816"/>
+          <a:ext cx="636855" cy="636855"/>
+        </a:xfrm>
+        <a:prstGeom prst="rect">
+          <a:avLst/>
+        </a:prstGeom>
+        <a:blipFill>
+          <a:blip xmlns:r="http://schemas.openxmlformats.org/officeDocument/2006/relationships" r:embed="rId1">
+            <a:extLst>
+              <a:ext uri="{28A0092B-C50C-407E-A947-70E740481C1C}">
+                <a14:useLocalDpi xmlns:a14="http://schemas.microsoft.com/office/drawing/2010/main" val="0"/>
+              </a:ext>
+              <a:ext uri="{96DAC541-7B7A-43D3-8B79-37D633B846F1}">
+                <asvg:svgBlip xmlns:asvg="http://schemas.microsoft.com/office/drawing/2016/SVG/main" r:embed="rId2"/>
+              </a:ext>
+            </a:extLst>
+          </a:blip>
+          <a:stretch>
+            <a:fillRect/>
+          </a:stretch>
+        </a:blipFill>
+        <a:ln w="12700" cap="flat" cmpd="sng" algn="ctr">
+          <a:noFill/>
+          <a:prstDash val="solid"/>
+          <a:miter lim="800000"/>
+        </a:ln>
+        <a:effectLst/>
+      </dsp:spPr>
+      <dsp:style>
+        <a:lnRef idx="2">
+          <a:scrgbClr r="0" g="0" b="0"/>
+        </a:lnRef>
+        <a:fillRef idx="1">
+          <a:scrgbClr r="0" g="0" b="0"/>
+        </a:fillRef>
+        <a:effectRef idx="0">
+          <a:scrgbClr r="0" g="0" b="0"/>
+        </a:effectRef>
+        <a:fontRef idx="minor">
+          <a:schemeClr val="lt1"/>
+        </a:fontRef>
+      </dsp:style>
+    </dsp:sp>
+    <dsp:sp modelId="{33587A7A-20B9-43A9-8743-3FDEF425E84C}">
+      <dsp:nvSpPr>
+        <dsp:cNvPr id="0" name=""/>
+        <dsp:cNvSpPr/>
+      </dsp:nvSpPr>
+      <dsp:spPr>
+        <a:xfrm>
+          <a:off x="1337397" y="2284"/>
+          <a:ext cx="4926242" cy="1157919"/>
+        </a:xfrm>
+        <a:prstGeom prst="rect">
+          <a:avLst/>
+        </a:prstGeom>
+        <a:noFill/>
+        <a:ln>
+          <a:noFill/>
+        </a:ln>
+        <a:effectLst/>
+      </dsp:spPr>
+      <dsp:style>
+        <a:lnRef idx="0">
+          <a:scrgbClr r="0" g="0" b="0"/>
+        </a:lnRef>
+        <a:fillRef idx="0">
+          <a:scrgbClr r="0" g="0" b="0"/>
+        </a:fillRef>
+        <a:effectRef idx="0">
+          <a:scrgbClr r="0" g="0" b="0"/>
+        </a:effectRef>
+        <a:fontRef idx="minor"/>
+      </dsp:style>
+      <dsp:txBody>
+        <a:bodyPr spcFirstLastPara="0" vert="horz" wrap="square" lIns="122547" tIns="122547" rIns="122547" bIns="122547" numCol="1" spcCol="1270" anchor="ctr" anchorCtr="0">
+          <a:noAutofit/>
+        </a:bodyPr>
+        <a:lstStyle/>
+        <a:p>
+          <a:pPr marL="0" lvl="0" indent="0" algn="l" defTabSz="977900">
+            <a:lnSpc>
+              <a:spcPct val="100000"/>
+            </a:lnSpc>
+            <a:spcBef>
+              <a:spcPct val="0"/>
+            </a:spcBef>
+            <a:spcAft>
+              <a:spcPct val="35000"/>
+            </a:spcAft>
+            <a:buNone/>
+          </a:pPr>
+          <a:r>
+            <a:rPr lang="en-CA" sz="2200" kern="1200" dirty="0"/>
+            <a:t>Multi-task learning model</a:t>
+          </a:r>
+          <a:endParaRPr lang="en-US" sz="2200" kern="1200" dirty="0"/>
+        </a:p>
+      </dsp:txBody>
+      <dsp:txXfrm>
+        <a:off x="1337397" y="2284"/>
+        <a:ext cx="4926242" cy="1157919"/>
+      </dsp:txXfrm>
+    </dsp:sp>
+    <dsp:sp modelId="{A1FD1768-74AF-48EF-B94B-8C3310F60751}">
+      <dsp:nvSpPr>
+        <dsp:cNvPr id="0" name=""/>
+        <dsp:cNvSpPr/>
+      </dsp:nvSpPr>
+      <dsp:spPr>
+        <a:xfrm>
+          <a:off x="0" y="1449684"/>
+          <a:ext cx="6263640" cy="1157919"/>
+        </a:xfrm>
+        <a:prstGeom prst="roundRect">
+          <a:avLst>
+            <a:gd name="adj" fmla="val 10000"/>
+          </a:avLst>
+        </a:prstGeom>
+        <a:solidFill>
+          <a:schemeClr val="accent4">
+            <a:lumMod val="60000"/>
+            <a:lumOff val="40000"/>
+          </a:schemeClr>
+        </a:solidFill>
+        <a:ln>
+          <a:noFill/>
+        </a:ln>
+        <a:effectLst/>
+      </dsp:spPr>
+      <dsp:style>
+        <a:lnRef idx="0">
+          <a:scrgbClr r="0" g="0" b="0"/>
+        </a:lnRef>
+        <a:fillRef idx="1">
+          <a:scrgbClr r="0" g="0" b="0"/>
+        </a:fillRef>
+        <a:effectRef idx="0">
+          <a:scrgbClr r="0" g="0" b="0"/>
+        </a:effectRef>
+        <a:fontRef idx="minor"/>
+      </dsp:style>
+    </dsp:sp>
+    <dsp:sp modelId="{FBDF1F2D-37FA-4C07-AFE0-75A4D2B76DF7}">
+      <dsp:nvSpPr>
+        <dsp:cNvPr id="0" name=""/>
+        <dsp:cNvSpPr/>
+      </dsp:nvSpPr>
+      <dsp:spPr>
+        <a:xfrm>
+          <a:off x="350270" y="1710216"/>
+          <a:ext cx="636855" cy="636855"/>
+        </a:xfrm>
+        <a:prstGeom prst="rect">
+          <a:avLst/>
+        </a:prstGeom>
+        <a:blipFill>
+          <a:blip xmlns:r="http://schemas.openxmlformats.org/officeDocument/2006/relationships" r:embed="rId3">
+            <a:extLst>
+              <a:ext uri="{28A0092B-C50C-407E-A947-70E740481C1C}">
+                <a14:useLocalDpi xmlns:a14="http://schemas.microsoft.com/office/drawing/2010/main" val="0"/>
+              </a:ext>
+              <a:ext uri="{96DAC541-7B7A-43D3-8B79-37D633B846F1}">
+                <asvg:svgBlip xmlns:asvg="http://schemas.microsoft.com/office/drawing/2016/SVG/main" r:embed="rId4"/>
+              </a:ext>
+            </a:extLst>
+          </a:blip>
+          <a:stretch>
+            <a:fillRect/>
+          </a:stretch>
+        </a:blipFill>
+        <a:ln w="12700" cap="flat" cmpd="sng" algn="ctr">
+          <a:noFill/>
+          <a:prstDash val="solid"/>
+          <a:miter lim="800000"/>
+        </a:ln>
+        <a:effectLst/>
+      </dsp:spPr>
+      <dsp:style>
+        <a:lnRef idx="2">
+          <a:scrgbClr r="0" g="0" b="0"/>
+        </a:lnRef>
+        <a:fillRef idx="1">
+          <a:scrgbClr r="0" g="0" b="0"/>
+        </a:fillRef>
+        <a:effectRef idx="0">
+          <a:scrgbClr r="0" g="0" b="0"/>
+        </a:effectRef>
+        <a:fontRef idx="minor">
+          <a:schemeClr val="lt1"/>
+        </a:fontRef>
+      </dsp:style>
+    </dsp:sp>
+    <dsp:sp modelId="{97C85446-272A-4778-AECB-9FA4A99D0CAC}">
+      <dsp:nvSpPr>
+        <dsp:cNvPr id="0" name=""/>
+        <dsp:cNvSpPr/>
+      </dsp:nvSpPr>
+      <dsp:spPr>
+        <a:xfrm>
+          <a:off x="1337397" y="1449684"/>
+          <a:ext cx="4926242" cy="1157919"/>
+        </a:xfrm>
+        <a:prstGeom prst="rect">
+          <a:avLst/>
+        </a:prstGeom>
+        <a:noFill/>
+        <a:ln>
+          <a:noFill/>
+        </a:ln>
+        <a:effectLst/>
+      </dsp:spPr>
+      <dsp:style>
+        <a:lnRef idx="0">
+          <a:scrgbClr r="0" g="0" b="0"/>
+        </a:lnRef>
+        <a:fillRef idx="0">
+          <a:scrgbClr r="0" g="0" b="0"/>
+        </a:fillRef>
+        <a:effectRef idx="0">
+          <a:scrgbClr r="0" g="0" b="0"/>
+        </a:effectRef>
+        <a:fontRef idx="minor"/>
+      </dsp:style>
+      <dsp:txBody>
+        <a:bodyPr spcFirstLastPara="0" vert="horz" wrap="square" lIns="122547" tIns="122547" rIns="122547" bIns="122547" numCol="1" spcCol="1270" anchor="ctr" anchorCtr="0">
+          <a:noAutofit/>
+        </a:bodyPr>
+        <a:lstStyle/>
+        <a:p>
+          <a:pPr marL="0" lvl="0" indent="0" algn="l" defTabSz="977900">
+            <a:lnSpc>
+              <a:spcPct val="100000"/>
+            </a:lnSpc>
+            <a:spcBef>
+              <a:spcPct val="0"/>
+            </a:spcBef>
+            <a:spcAft>
+              <a:spcPct val="35000"/>
+            </a:spcAft>
+            <a:buNone/>
+          </a:pPr>
+          <a:r>
+            <a:rPr lang="en-CA" sz="2200" kern="1200" dirty="0"/>
+            <a:t>Understands the literal meaning of the word and embeds them.</a:t>
+          </a:r>
+          <a:endParaRPr lang="en-US" sz="2200" kern="1200" dirty="0"/>
+        </a:p>
+      </dsp:txBody>
+      <dsp:txXfrm>
+        <a:off x="1337397" y="1449684"/>
+        <a:ext cx="4926242" cy="1157919"/>
+      </dsp:txXfrm>
+    </dsp:sp>
+    <dsp:sp modelId="{CC7BC2E9-7A56-44C9-A576-95D9A920ED50}">
+      <dsp:nvSpPr>
+        <dsp:cNvPr id="0" name=""/>
+        <dsp:cNvSpPr/>
+      </dsp:nvSpPr>
+      <dsp:spPr>
+        <a:xfrm>
+          <a:off x="0" y="2897083"/>
+          <a:ext cx="6263640" cy="1157919"/>
+        </a:xfrm>
+        <a:prstGeom prst="roundRect">
+          <a:avLst>
+            <a:gd name="adj" fmla="val 10000"/>
+          </a:avLst>
+        </a:prstGeom>
+        <a:solidFill>
+          <a:schemeClr val="dk2">
+            <a:hueOff val="0"/>
+            <a:satOff val="0"/>
+            <a:lumOff val="0"/>
+            <a:alphaOff val="0"/>
+          </a:schemeClr>
+        </a:solidFill>
+        <a:ln>
+          <a:noFill/>
+        </a:ln>
+        <a:effectLst/>
+      </dsp:spPr>
+      <dsp:style>
+        <a:lnRef idx="0">
+          <a:scrgbClr r="0" g="0" b="0"/>
+        </a:lnRef>
+        <a:fillRef idx="1">
+          <a:scrgbClr r="0" g="0" b="0"/>
+        </a:fillRef>
+        <a:effectRef idx="0">
+          <a:scrgbClr r="0" g="0" b="0"/>
+        </a:effectRef>
+        <a:fontRef idx="minor"/>
+      </dsp:style>
+    </dsp:sp>
+    <dsp:sp modelId="{8A0819FD-B0EA-4BB4-9978-F4C8BC4CB675}">
+      <dsp:nvSpPr>
+        <dsp:cNvPr id="0" name=""/>
+        <dsp:cNvSpPr/>
+      </dsp:nvSpPr>
+      <dsp:spPr>
+        <a:xfrm>
+          <a:off x="350270" y="3157615"/>
+          <a:ext cx="636855" cy="636855"/>
+        </a:xfrm>
+        <a:prstGeom prst="rect">
+          <a:avLst/>
+        </a:prstGeom>
+        <a:blipFill>
+          <a:blip xmlns:r="http://schemas.openxmlformats.org/officeDocument/2006/relationships" r:embed="rId5">
+            <a:extLst>
+              <a:ext uri="{28A0092B-C50C-407E-A947-70E740481C1C}">
+                <a14:useLocalDpi xmlns:a14="http://schemas.microsoft.com/office/drawing/2010/main" val="0"/>
+              </a:ext>
+              <a:ext uri="{96DAC541-7B7A-43D3-8B79-37D633B846F1}">
+                <asvg:svgBlip xmlns:asvg="http://schemas.microsoft.com/office/drawing/2016/SVG/main" r:embed="rId6"/>
+              </a:ext>
+            </a:extLst>
+          </a:blip>
+          <a:stretch>
+            <a:fillRect/>
+          </a:stretch>
+        </a:blipFill>
+        <a:ln w="12700" cap="flat" cmpd="sng" algn="ctr">
+          <a:noFill/>
+          <a:prstDash val="solid"/>
+          <a:miter lim="800000"/>
+        </a:ln>
+        <a:effectLst/>
+      </dsp:spPr>
+      <dsp:style>
+        <a:lnRef idx="2">
+          <a:scrgbClr r="0" g="0" b="0"/>
+        </a:lnRef>
+        <a:fillRef idx="1">
+          <a:scrgbClr r="0" g="0" b="0"/>
+        </a:fillRef>
+        <a:effectRef idx="0">
+          <a:scrgbClr r="0" g="0" b="0"/>
+        </a:effectRef>
+        <a:fontRef idx="minor">
+          <a:schemeClr val="lt1"/>
+        </a:fontRef>
+      </dsp:style>
+    </dsp:sp>
+    <dsp:sp modelId="{FF28B4DF-F963-4911-AE85-930714C9DE69}">
+      <dsp:nvSpPr>
+        <dsp:cNvPr id="0" name=""/>
+        <dsp:cNvSpPr/>
+      </dsp:nvSpPr>
+      <dsp:spPr>
+        <a:xfrm>
+          <a:off x="1337397" y="2897083"/>
+          <a:ext cx="4926242" cy="1157919"/>
+        </a:xfrm>
+        <a:prstGeom prst="rect">
+          <a:avLst/>
+        </a:prstGeom>
+        <a:noFill/>
+        <a:ln>
+          <a:noFill/>
+        </a:ln>
+        <a:effectLst/>
+      </dsp:spPr>
+      <dsp:style>
+        <a:lnRef idx="0">
+          <a:scrgbClr r="0" g="0" b="0"/>
+        </a:lnRef>
+        <a:fillRef idx="0">
+          <a:scrgbClr r="0" g="0" b="0"/>
+        </a:fillRef>
+        <a:effectRef idx="0">
+          <a:scrgbClr r="0" g="0" b="0"/>
+        </a:effectRef>
+        <a:fontRef idx="minor"/>
+      </dsp:style>
+      <dsp:txBody>
+        <a:bodyPr spcFirstLastPara="0" vert="horz" wrap="square" lIns="122547" tIns="122547" rIns="122547" bIns="122547" numCol="1" spcCol="1270" anchor="ctr" anchorCtr="0">
+          <a:noAutofit/>
+        </a:bodyPr>
+        <a:lstStyle/>
+        <a:p>
+          <a:pPr marL="0" lvl="0" indent="0" algn="l" defTabSz="977900">
+            <a:lnSpc>
+              <a:spcPct val="100000"/>
+            </a:lnSpc>
+            <a:spcBef>
+              <a:spcPct val="0"/>
+            </a:spcBef>
+            <a:spcAft>
+              <a:spcPct val="35000"/>
+            </a:spcAft>
+            <a:buNone/>
+          </a:pPr>
+          <a:r>
+            <a:rPr lang="en-CA" sz="2200" kern="1200"/>
+            <a:t>State of the art model</a:t>
+          </a:r>
+          <a:endParaRPr lang="en-US" sz="2200" kern="1200" dirty="0"/>
+        </a:p>
+      </dsp:txBody>
+      <dsp:txXfrm>
+        <a:off x="1337397" y="2897083"/>
+        <a:ext cx="4926242" cy="1157919"/>
+      </dsp:txXfrm>
+    </dsp:sp>
+    <dsp:sp modelId="{AF940CCD-F9F5-4D77-B8DE-623F21271F46}">
+      <dsp:nvSpPr>
+        <dsp:cNvPr id="0" name=""/>
+        <dsp:cNvSpPr/>
+      </dsp:nvSpPr>
+      <dsp:spPr>
+        <a:xfrm>
+          <a:off x="0" y="4344483"/>
+          <a:ext cx="6263640" cy="1157919"/>
+        </a:xfrm>
+        <a:prstGeom prst="roundRect">
+          <a:avLst>
+            <a:gd name="adj" fmla="val 10000"/>
+          </a:avLst>
+        </a:prstGeom>
+        <a:solidFill>
+          <a:schemeClr val="dk2">
+            <a:hueOff val="0"/>
+            <a:satOff val="0"/>
+            <a:lumOff val="0"/>
+            <a:alphaOff val="0"/>
+          </a:schemeClr>
+        </a:solidFill>
+        <a:ln>
+          <a:noFill/>
+        </a:ln>
+        <a:effectLst/>
+      </dsp:spPr>
+      <dsp:style>
+        <a:lnRef idx="0">
+          <a:scrgbClr r="0" g="0" b="0"/>
+        </a:lnRef>
+        <a:fillRef idx="1">
+          <a:scrgbClr r="0" g="0" b="0"/>
+        </a:fillRef>
+        <a:effectRef idx="0">
+          <a:scrgbClr r="0" g="0" b="0"/>
+        </a:effectRef>
+        <a:fontRef idx="minor"/>
+      </dsp:style>
+    </dsp:sp>
+    <dsp:sp modelId="{A1459A82-E3EA-4A3E-B45E-9F1920801C3C}">
+      <dsp:nvSpPr>
+        <dsp:cNvPr id="0" name=""/>
+        <dsp:cNvSpPr/>
+      </dsp:nvSpPr>
+      <dsp:spPr>
+        <a:xfrm>
+          <a:off x="350270" y="4605015"/>
+          <a:ext cx="636855" cy="636855"/>
+        </a:xfrm>
+        <a:prstGeom prst="rect">
+          <a:avLst/>
+        </a:prstGeom>
+        <a:solidFill>
+          <a:schemeClr val="bg1">
+            <a:hueOff val="0"/>
+            <a:satOff val="0"/>
+            <a:lumOff val="0"/>
+            <a:alphaOff val="0"/>
+          </a:schemeClr>
+        </a:solidFill>
+        <a:ln w="12700" cap="flat" cmpd="sng" algn="ctr">
+          <a:solidFill>
+            <a:schemeClr val="lt2">
+              <a:alpha val="0"/>
+              <a:hueOff val="0"/>
+              <a:satOff val="0"/>
+              <a:lumOff val="0"/>
+              <a:alphaOff val="0"/>
+            </a:schemeClr>
+          </a:solidFill>
+          <a:prstDash val="solid"/>
+          <a:miter lim="800000"/>
+        </a:ln>
+        <a:effectLst/>
+      </dsp:spPr>
+      <dsp:style>
+        <a:lnRef idx="2">
+          <a:scrgbClr r="0" g="0" b="0"/>
+        </a:lnRef>
+        <a:fillRef idx="1">
+          <a:scrgbClr r="0" g="0" b="0"/>
+        </a:fillRef>
+        <a:effectRef idx="0">
+          <a:scrgbClr r="0" g="0" b="0"/>
+        </a:effectRef>
+        <a:fontRef idx="minor">
+          <a:schemeClr val="lt1"/>
+        </a:fontRef>
+      </dsp:style>
+    </dsp:sp>
+    <dsp:sp modelId="{008B971F-188F-49F2-B38B-01D7B5050F7C}">
+      <dsp:nvSpPr>
+        <dsp:cNvPr id="0" name=""/>
+        <dsp:cNvSpPr/>
+      </dsp:nvSpPr>
+      <dsp:spPr>
+        <a:xfrm>
+          <a:off x="1337397" y="4344483"/>
+          <a:ext cx="4926242" cy="1157919"/>
+        </a:xfrm>
+        <a:prstGeom prst="rect">
+          <a:avLst/>
+        </a:prstGeom>
+        <a:noFill/>
+        <a:ln>
+          <a:noFill/>
+        </a:ln>
+        <a:effectLst/>
+      </dsp:spPr>
+      <dsp:style>
+        <a:lnRef idx="0">
+          <a:scrgbClr r="0" g="0" b="0"/>
+        </a:lnRef>
+        <a:fillRef idx="0">
+          <a:scrgbClr r="0" g="0" b="0"/>
+        </a:fillRef>
+        <a:effectRef idx="0">
+          <a:scrgbClr r="0" g="0" b="0"/>
+        </a:effectRef>
+        <a:fontRef idx="minor"/>
+      </dsp:style>
+      <dsp:txBody>
+        <a:bodyPr spcFirstLastPara="0" vert="horz" wrap="square" lIns="122547" tIns="122547" rIns="122547" bIns="122547" numCol="1" spcCol="1270" anchor="ctr" anchorCtr="0">
+          <a:noAutofit/>
+        </a:bodyPr>
+        <a:lstStyle/>
+        <a:p>
+          <a:pPr marL="0" lvl="0" indent="0" algn="l" defTabSz="977900">
+            <a:lnSpc>
+              <a:spcPct val="100000"/>
+            </a:lnSpc>
+            <a:spcBef>
+              <a:spcPct val="0"/>
+            </a:spcBef>
+            <a:spcAft>
+              <a:spcPct val="35000"/>
+            </a:spcAft>
+            <a:buNone/>
+          </a:pPr>
+          <a:r>
+            <a:rPr lang="en-US" sz="2200" kern="1200"/>
+            <a:t>PageRank </a:t>
+          </a:r>
+          <a:r>
+            <a:rPr lang="en-US" sz="2200" kern="1200" dirty="0"/>
+            <a:t>algorithm</a:t>
+          </a:r>
+        </a:p>
+      </dsp:txBody>
+      <dsp:txXfrm>
+        <a:off x="1337397" y="4344483"/>
+        <a:ext cx="4926242" cy="1157919"/>
+      </dsp:txXfrm>
+    </dsp:sp>
+  </dsp:spTree>
+</dsp:drawing>
+</file>
+
 <file path=ppt/diagrams/layout1.xml><?xml version="1.0" encoding="utf-8"?>
 <dgm:layoutDef xmlns:dgm="http://schemas.openxmlformats.org/drawingml/2006/diagram" xmlns:a="http://schemas.openxmlformats.org/drawingml/2006/main" uniqueId="urn:microsoft.com/office/officeart/2005/8/layout/vList2">
   <dgm:title val=""/>
@@ -10359,6 +12150,300 @@
 </dgm:layoutDef>
 </file>
 
+<file path=ppt/diagrams/layout7.xml><?xml version="1.0" encoding="utf-8"?>
+<dgm:layoutDef xmlns:dgm="http://schemas.openxmlformats.org/drawingml/2006/diagram" xmlns:a="http://schemas.openxmlformats.org/drawingml/2006/main" uniqueId="urn:microsoft.com/office/officeart/2018/2/layout/IconVerticalSolidList">
+  <dgm:title val="Icon Vertical Solid List"/>
+  <dgm:desc val="Use to show a series of visuals from top to bottom with Level 1 or Level 1 and Level 2 text grouped in a shape. Works best with icons or small pictures with lengthier descriptions."/>
+  <dgm:catLst>
+    <dgm:cat type="icon" pri="500"/>
+  </dgm:catLst>
+  <dgm:sampData useDef="1">
+    <dgm:dataModel>
+      <dgm:ptLst/>
+      <dgm:bg/>
+      <dgm:whole/>
+    </dgm:dataModel>
+  </dgm:sampData>
+  <dgm:styleData useDef="1">
+    <dgm:dataModel>
+      <dgm:ptLst/>
+      <dgm:bg/>
+      <dgm:whole/>
+    </dgm:dataModel>
+  </dgm:styleData>
+  <dgm:clrData useDef="1">
+    <dgm:dataModel>
+      <dgm:ptLst/>
+      <dgm:bg/>
+      <dgm:whole/>
+    </dgm:dataModel>
+  </dgm:clrData>
+  <dgm:layoutNode name="root">
+    <dgm:varLst>
+      <dgm:dir/>
+      <dgm:resizeHandles val="exact"/>
+    </dgm:varLst>
+    <dgm:choose name="Name0">
+      <dgm:if name="Name1" axis="self" func="var" arg="dir" op="equ" val="norm">
+        <dgm:alg type="lin">
+          <dgm:param type="linDir" val="fromT"/>
+          <dgm:param type="nodeHorzAlign" val="l"/>
+        </dgm:alg>
+      </dgm:if>
+      <dgm:else name="Name2">
+        <dgm:alg type="lin">
+          <dgm:param type="linDir" val="fromT"/>
+          <dgm:param type="nodeHorzAlign" val="r"/>
+        </dgm:alg>
+      </dgm:else>
+    </dgm:choose>
+    <dgm:shape xmlns:r="http://schemas.openxmlformats.org/officeDocument/2006/relationships" r:blip="">
+      <dgm:adjLst/>
+    </dgm:shape>
+    <dgm:presOf/>
+    <dgm:choose name="Name3">
+      <dgm:if name="Name4" axis="ch" ptType="node" func="cnt" op="lte" val="3">
+        <dgm:constrLst>
+          <dgm:constr type="h" for="ch" forName="compNode" refType="h" fact="0.3"/>
+          <dgm:constr type="w" for="ch" forName="compNode" refType="w"/>
+          <dgm:constr type="h" for="ch" forName="sibTrans" refType="h" refFor="ch" refForName="compNode" fact="0.25"/>
+          <dgm:constr type="primFontSz" for="des" forName="parTx" val="25"/>
+          <dgm:constr type="primFontSz" for="des" forName="desTx" refType="primFontSz" refFor="des" refForName="parTx" op="lte" fact="0.75"/>
+          <dgm:constr type="h" for="des" forName="compNode" op="equ"/>
+          <dgm:constr type="h" for="des" forName="bgRect" op="equ"/>
+          <dgm:constr type="h" for="des" forName="iconRect" op="equ"/>
+          <dgm:constr type="w" for="des" forName="iconRect" op="equ"/>
+          <dgm:constr type="h" for="des" forName="spaceRect" op="equ"/>
+          <dgm:constr type="h" for="des" forName="parTx" op="equ"/>
+          <dgm:constr type="h" for="des" forName="desTx" op="equ"/>
+        </dgm:constrLst>
+      </dgm:if>
+      <dgm:if name="Name5" axis="ch" ptType="node" func="cnt" op="lte" val="4">
+        <dgm:constrLst>
+          <dgm:constr type="h" for="ch" forName="compNode" refType="h" fact="0.3"/>
+          <dgm:constr type="w" for="ch" forName="compNode" refType="w"/>
+          <dgm:constr type="h" for="ch" forName="sibTrans" refType="h" refFor="ch" refForName="compNode" fact="0.25"/>
+          <dgm:constr type="primFontSz" for="des" forName="parTx" val="22"/>
+          <dgm:constr type="primFontSz" for="des" forName="desTx" refType="primFontSz" refFor="des" refForName="parTx" op="lte" fact="0.75"/>
+          <dgm:constr type="h" for="des" forName="compNode" op="equ"/>
+          <dgm:constr type="h" for="des" forName="bgRect" op="equ"/>
+          <dgm:constr type="h" for="des" forName="iconRect" op="equ"/>
+          <dgm:constr type="w" for="des" forName="iconRect" op="equ"/>
+          <dgm:constr type="h" for="des" forName="spaceRect" op="equ"/>
+          <dgm:constr type="h" for="des" forName="parTx" op="equ"/>
+          <dgm:constr type="h" for="des" forName="desTx" op="equ"/>
+        </dgm:constrLst>
+      </dgm:if>
+      <dgm:if name="Name6" axis="ch" ptType="node" func="cnt" op="lte" val="6">
+        <dgm:constrLst>
+          <dgm:constr type="h" for="ch" forName="compNode" refType="h" fact="0.3"/>
+          <dgm:constr type="w" for="ch" forName="compNode" refType="w"/>
+          <dgm:constr type="h" for="ch" forName="sibTrans" refType="h" refFor="ch" refForName="compNode" fact="0.25"/>
+          <dgm:constr type="primFontSz" for="des" forName="parTx" val="19"/>
+          <dgm:constr type="primFontSz" for="des" forName="desTx" refType="primFontSz" refFor="des" refForName="parTx" op="lte" fact="0.75"/>
+          <dgm:constr type="h" for="des" forName="compNode" op="equ"/>
+          <dgm:constr type="h" for="des" forName="bgRect" op="equ"/>
+          <dgm:constr type="h" for="des" forName="iconRect" op="equ"/>
+          <dgm:constr type="w" for="des" forName="iconRect" op="equ"/>
+          <dgm:constr type="h" for="des" forName="spaceRect" op="equ"/>
+          <dgm:constr type="h" for="des" forName="parTx" op="equ"/>
+          <dgm:constr type="h" for="des" forName="desTx" op="equ"/>
+        </dgm:constrLst>
+      </dgm:if>
+      <dgm:else name="Name7">
+        <dgm:constrLst>
+          <dgm:constr type="h" for="ch" forName="compNode" refType="h" fact="0.3"/>
+          <dgm:constr type="w" for="ch" forName="compNode" refType="w"/>
+          <dgm:constr type="h" for="ch" forName="sibTrans" refType="h" refFor="ch" refForName="compNode" fact="0.25"/>
+          <dgm:constr type="primFontSz" for="des" forName="parTx" val="16"/>
+          <dgm:constr type="primFontSz" for="des" forName="desTx" refType="primFontSz" refFor="des" refForName="parTx" op="lte" fact="0.75"/>
+          <dgm:constr type="h" for="des" forName="compNode" op="equ"/>
+          <dgm:constr type="h" for="des" forName="bgRect" op="equ"/>
+          <dgm:constr type="h" for="des" forName="iconRect" op="equ"/>
+          <dgm:constr type="w" for="des" forName="iconRect" op="equ"/>
+          <dgm:constr type="h" for="des" forName="spaceRect" op="equ"/>
+          <dgm:constr type="h" for="des" forName="parTx" op="equ"/>
+          <dgm:constr type="h" for="des" forName="desTx" op="equ"/>
+        </dgm:constrLst>
+      </dgm:else>
+    </dgm:choose>
+    <dgm:ruleLst>
+      <dgm:rule type="h" for="ch" forName="compNode" val="0" fact="NaN" max="NaN"/>
+    </dgm:ruleLst>
+    <dgm:forEach name="Name8" axis="ch" ptType="node">
+      <dgm:layoutNode name="compNode">
+        <dgm:alg type="composite"/>
+        <dgm:shape xmlns:r="http://schemas.openxmlformats.org/officeDocument/2006/relationships" r:blip="">
+          <dgm:adjLst/>
+        </dgm:shape>
+        <dgm:presOf axis="self"/>
+        <dgm:choose name="Name9">
+          <dgm:if name="Name10" axis="ch" ptType="node" func="cnt" op="gte" val="1">
+            <dgm:constrLst>
+              <dgm:constr type="w" for="ch" forName="bgRect" refType="w"/>
+              <dgm:constr type="h" for="ch" forName="bgRect" refType="h"/>
+              <dgm:constr type="l" for="ch" forName="bgRect"/>
+              <dgm:constr type="t" for="ch" forName="bgRect"/>
+              <dgm:constr type="h" for="ch" forName="iconRect" refType="h" fact="0.55"/>
+              <dgm:constr type="w" for="ch" forName="iconRect" refType="h" refFor="ch" refForName="iconRect"/>
+              <dgm:constr type="l" for="ch" forName="iconRect" refType="h" refFor="ch" refForName="iconRect" fact="0.55"/>
+              <dgm:constr type="ctrY" for="ch" forName="iconRect" refType="ctrY" refFor="ch" refForName="bgRect"/>
+              <dgm:constr type="w" for="ch" forName="spaceRect" refType="l" refFor="ch" refForName="iconRect"/>
+              <dgm:constr type="h" for="ch" forName="spaceRect" refType="h"/>
+              <dgm:constr type="l" for="ch" forName="spaceRect" refType="r" refFor="ch" refForName="iconRect"/>
+              <dgm:constr type="t" for="ch" forName="spaceRect"/>
+              <dgm:constr type="w" for="ch" forName="parTx" refType="w" fact="0.45"/>
+              <dgm:constr type="h" for="ch" forName="parTx" refType="h"/>
+              <dgm:constr type="l" for="ch" forName="parTx" refType="r" refFor="ch" refForName="spaceRect"/>
+              <dgm:constr type="t" for="ch" forName="parTx"/>
+              <dgm:constr type="h" for="ch" forName="desTx" refType="h"/>
+              <dgm:constr type="l" for="ch" forName="desTx" refType="r" refFor="ch" refForName="parTx"/>
+              <dgm:constr type="t" for="ch" forName="desTx"/>
+            </dgm:constrLst>
+          </dgm:if>
+          <dgm:else name="Name11">
+            <dgm:constrLst>
+              <dgm:constr type="w" for="ch" forName="bgRect" refType="w"/>
+              <dgm:constr type="h" for="ch" forName="bgRect" refType="h"/>
+              <dgm:constr type="l" for="ch" forName="bgRect"/>
+              <dgm:constr type="t" for="ch" forName="bgRect"/>
+              <dgm:constr type="h" for="ch" forName="iconRect" refType="h" fact="0.55"/>
+              <dgm:constr type="w" for="ch" forName="iconRect" refType="h" refFor="ch" refForName="iconRect"/>
+              <dgm:constr type="l" for="ch" forName="iconRect" refType="h" refFor="ch" refForName="iconRect" fact="0.55"/>
+              <dgm:constr type="ctrY" for="ch" forName="iconRect" refType="ctrY" refFor="ch" refForName="bgRect"/>
+              <dgm:constr type="w" for="ch" forName="spaceRect" refType="l" refFor="ch" refForName="iconRect"/>
+              <dgm:constr type="h" for="ch" forName="spaceRect" refType="h"/>
+              <dgm:constr type="l" for="ch" forName="spaceRect" refType="r" refFor="ch" refForName="iconRect"/>
+              <dgm:constr type="t" for="ch" forName="spaceRect"/>
+              <dgm:constr type="h" for="ch" forName="parTx" refType="h"/>
+              <dgm:constr type="l" for="ch" forName="parTx" refType="r" refFor="ch" refForName="spaceRect"/>
+              <dgm:constr type="t" for="ch" forName="parTx"/>
+            </dgm:constrLst>
+          </dgm:else>
+        </dgm:choose>
+        <dgm:ruleLst>
+          <dgm:rule type="h" val="INF" fact="NaN" max="NaN"/>
+        </dgm:ruleLst>
+        <dgm:layoutNode name="bgRect" styleLbl="bgShp">
+          <dgm:alg type="sp"/>
+          <dgm:shape xmlns:r="http://schemas.openxmlformats.org/officeDocument/2006/relationships" type="roundRect" r:blip="">
+            <dgm:adjLst>
+              <dgm:adj idx="1" val="0.1"/>
+            </dgm:adjLst>
+          </dgm:shape>
+          <dgm:presOf/>
+          <dgm:constrLst/>
+          <dgm:ruleLst/>
+        </dgm:layoutNode>
+        <dgm:layoutNode name="iconRect" styleLbl="node1">
+          <dgm:alg type="sp"/>
+          <dgm:shape xmlns:r="http://schemas.openxmlformats.org/officeDocument/2006/relationships" type="rect" r:blip="" blipPhldr="1">
+            <dgm:adjLst/>
+          </dgm:shape>
+          <dgm:presOf/>
+          <dgm:constrLst/>
+          <dgm:ruleLst/>
+        </dgm:layoutNode>
+        <dgm:layoutNode name="spaceRect">
+          <dgm:alg type="sp"/>
+          <dgm:shape xmlns:r="http://schemas.openxmlformats.org/officeDocument/2006/relationships" r:blip="">
+            <dgm:adjLst/>
+          </dgm:shape>
+          <dgm:presOf/>
+          <dgm:constrLst/>
+          <dgm:ruleLst/>
+        </dgm:layoutNode>
+        <dgm:layoutNode name="parTx" styleLbl="revTx">
+          <dgm:varLst>
+            <dgm:chMax val="0"/>
+            <dgm:chPref val="0"/>
+          </dgm:varLst>
+          <dgm:alg type="tx">
+            <dgm:param type="txAnchorVert" val="mid"/>
+            <dgm:param type="parTxLTRAlign" val="l"/>
+            <dgm:param type="shpTxLTRAlignCh" val="l"/>
+            <dgm:param type="parTxRTLAlign" val="r"/>
+            <dgm:param type="shpTxRTLAlignCh" val="r"/>
+          </dgm:alg>
+          <dgm:shape xmlns:r="http://schemas.openxmlformats.org/officeDocument/2006/relationships" type="rect" r:blip="">
+            <dgm:adjLst/>
+          </dgm:shape>
+          <dgm:presOf axis="self" ptType="node"/>
+          <dgm:constrLst>
+            <dgm:constr type="lMarg" refType="h" fact="0.3"/>
+            <dgm:constr type="rMarg" refType="h" fact="0.3"/>
+            <dgm:constr type="tMarg" refType="h" fact="0.3"/>
+            <dgm:constr type="bMarg" refType="h" fact="0.3"/>
+          </dgm:constrLst>
+          <dgm:ruleLst>
+            <dgm:rule type="primFontSz" val="14" fact="NaN" max="NaN"/>
+            <dgm:rule type="h" val="INF" fact="NaN" max="NaN"/>
+          </dgm:ruleLst>
+        </dgm:layoutNode>
+        <dgm:choose name="Name12">
+          <dgm:if name="Name13" axis="ch" ptType="node" func="cnt" op="gte" val="1">
+            <dgm:layoutNode name="desTx" styleLbl="revTx">
+              <dgm:varLst/>
+              <dgm:alg type="tx">
+                <dgm:param type="txAnchorVertCh" val="mid"/>
+                <dgm:param type="parTxLTRAlign" val="l"/>
+                <dgm:param type="shpTxLTRAlignCh" val="l"/>
+                <dgm:param type="parTxRTLAlign" val="r"/>
+                <dgm:param type="shpTxRTLAlignCh" val="r"/>
+                <dgm:param type="stBulletLvl" val="0"/>
+              </dgm:alg>
+              <dgm:shape xmlns:r="http://schemas.openxmlformats.org/officeDocument/2006/relationships" type="rect" r:blip="">
+                <dgm:adjLst/>
+              </dgm:shape>
+              <dgm:presOf axis="des" ptType="node"/>
+              <dgm:constrLst>
+                <dgm:constr type="primFontSz" val="18"/>
+                <dgm:constr type="secFontSz" refType="primFontSz"/>
+                <dgm:constr type="lMarg" refType="h" fact="0.3"/>
+                <dgm:constr type="rMarg" refType="h" fact="0.3"/>
+                <dgm:constr type="tMarg" refType="h" fact="0.3"/>
+                <dgm:constr type="bMarg" refType="h" fact="0.3"/>
+              </dgm:constrLst>
+              <dgm:ruleLst>
+                <dgm:rule type="primFontSz" val="11" fact="NaN" max="NaN"/>
+              </dgm:ruleLst>
+            </dgm:layoutNode>
+          </dgm:if>
+          <dgm:else name="Name14"/>
+        </dgm:choose>
+      </dgm:layoutNode>
+      <dgm:forEach name="Name15" axis="followSib" ptType="sibTrans" cnt="1">
+        <dgm:layoutNode name="sibTrans">
+          <dgm:alg type="sp"/>
+          <dgm:shape xmlns:r="http://schemas.openxmlformats.org/officeDocument/2006/relationships" r:blip="">
+            <dgm:adjLst/>
+          </dgm:shape>
+          <dgm:presOf axis="self"/>
+          <dgm:constrLst/>
+          <dgm:ruleLst/>
+        </dgm:layoutNode>
+      </dgm:forEach>
+    </dgm:forEach>
+  </dgm:layoutNode>
+  <dgm:extLst>
+    <a:ext uri="{68A01E43-0DF5-4B5B-8FA6-DAF915123BFB}">
+      <dgm1612:lstStyle xmlns:dgm1612="http://schemas.microsoft.com/office/drawing/2016/12/diagram">
+        <a:lvl1pPr>
+          <a:lnSpc>
+            <a:spcPct val="100000"/>
+          </a:lnSpc>
+        </a:lvl1pPr>
+        <a:lvl2pPr>
+          <a:lnSpc>
+            <a:spcPct val="100000"/>
+          </a:lnSpc>
+        </a:lvl2pPr>
+      </dgm1612:lstStyle>
+    </a:ext>
+  </dgm:extLst>
+</dgm:layoutDef>
+</file>
+
 <file path=ppt/diagrams/quickStyle1.xml><?xml version="1.0" encoding="utf-8"?>
 <dgm:styleDef xmlns:dgm="http://schemas.openxmlformats.org/drawingml/2006/diagram" xmlns:a="http://schemas.openxmlformats.org/drawingml/2006/main" uniqueId="urn:microsoft.com/office/officeart/2005/8/quickstyle/simple1">
   <dgm:title val=""/>
@@ -15530,6 +17615,1040 @@
 </file>
 
 <file path=ppt/diagrams/quickStyle6.xml><?xml version="1.0" encoding="utf-8"?>
+<dgm:styleDef xmlns:dgm="http://schemas.openxmlformats.org/drawingml/2006/diagram" xmlns:a="http://schemas.openxmlformats.org/drawingml/2006/main" uniqueId="urn:microsoft.com/office/officeart/2005/8/quickstyle/simple1">
+  <dgm:title val=""/>
+  <dgm:desc val=""/>
+  <dgm:catLst>
+    <dgm:cat type="simple" pri="10100"/>
+  </dgm:catLst>
+  <dgm:scene3d>
+    <a:camera prst="orthographicFront"/>
+    <a:lightRig rig="threePt" dir="t"/>
+  </dgm:scene3d>
+  <dgm:styleLbl name="node0">
+    <dgm:scene3d>
+      <a:camera prst="orthographicFront"/>
+      <a:lightRig rig="threePt" dir="t"/>
+    </dgm:scene3d>
+    <dgm:sp3d/>
+    <dgm:txPr/>
+    <dgm:style>
+      <a:lnRef idx="2">
+        <a:scrgbClr r="0" g="0" b="0"/>
+      </a:lnRef>
+      <a:fillRef idx="1">
+        <a:scrgbClr r="0" g="0" b="0"/>
+      </a:fillRef>
+      <a:effectRef idx="0">
+        <a:scrgbClr r="0" g="0" b="0"/>
+      </a:effectRef>
+      <a:fontRef idx="minor">
+        <a:schemeClr val="lt1"/>
+      </a:fontRef>
+    </dgm:style>
+  </dgm:styleLbl>
+  <dgm:styleLbl name="lnNode1">
+    <dgm:scene3d>
+      <a:camera prst="orthographicFront"/>
+      <a:lightRig rig="threePt" dir="t"/>
+    </dgm:scene3d>
+    <dgm:sp3d/>
+    <dgm:txPr/>
+    <dgm:style>
+      <a:lnRef idx="2">
+        <a:scrgbClr r="0" g="0" b="0"/>
+      </a:lnRef>
+      <a:fillRef idx="1">
+        <a:scrgbClr r="0" g="0" b="0"/>
+      </a:fillRef>
+      <a:effectRef idx="0">
+        <a:scrgbClr r="0" g="0" b="0"/>
+      </a:effectRef>
+      <a:fontRef idx="minor">
+        <a:schemeClr val="lt1"/>
+      </a:fontRef>
+    </dgm:style>
+  </dgm:styleLbl>
+  <dgm:styleLbl name="vennNode1">
+    <dgm:scene3d>
+      <a:camera prst="orthographicFront"/>
+      <a:lightRig rig="threePt" dir="t"/>
+    </dgm:scene3d>
+    <dgm:sp3d/>
+    <dgm:txPr/>
+    <dgm:style>
+      <a:lnRef idx="2">
+        <a:scrgbClr r="0" g="0" b="0"/>
+      </a:lnRef>
+      <a:fillRef idx="1">
+        <a:scrgbClr r="0" g="0" b="0"/>
+      </a:fillRef>
+      <a:effectRef idx="0">
+        <a:scrgbClr r="0" g="0" b="0"/>
+      </a:effectRef>
+      <a:fontRef idx="minor">
+        <a:schemeClr val="tx1"/>
+      </a:fontRef>
+    </dgm:style>
+  </dgm:styleLbl>
+  <dgm:styleLbl name="alignNode1">
+    <dgm:scene3d>
+      <a:camera prst="orthographicFront"/>
+      <a:lightRig rig="threePt" dir="t"/>
+    </dgm:scene3d>
+    <dgm:sp3d/>
+    <dgm:txPr/>
+    <dgm:style>
+      <a:lnRef idx="2">
+        <a:scrgbClr r="0" g="0" b="0"/>
+      </a:lnRef>
+      <a:fillRef idx="1">
+        <a:scrgbClr r="0" g="0" b="0"/>
+      </a:fillRef>
+      <a:effectRef idx="0">
+        <a:scrgbClr r="0" g="0" b="0"/>
+      </a:effectRef>
+      <a:fontRef idx="minor">
+        <a:schemeClr val="lt1"/>
+      </a:fontRef>
+    </dgm:style>
+  </dgm:styleLbl>
+  <dgm:styleLbl name="node1">
+    <dgm:scene3d>
+      <a:camera prst="orthographicFront"/>
+      <a:lightRig rig="threePt" dir="t"/>
+    </dgm:scene3d>
+    <dgm:sp3d/>
+    <dgm:txPr/>
+    <dgm:style>
+      <a:lnRef idx="2">
+        <a:scrgbClr r="0" g="0" b="0"/>
+      </a:lnRef>
+      <a:fillRef idx="1">
+        <a:scrgbClr r="0" g="0" b="0"/>
+      </a:fillRef>
+      <a:effectRef idx="0">
+        <a:scrgbClr r="0" g="0" b="0"/>
+      </a:effectRef>
+      <a:fontRef idx="minor">
+        <a:schemeClr val="lt1"/>
+      </a:fontRef>
+    </dgm:style>
+  </dgm:styleLbl>
+  <dgm:styleLbl name="node2">
+    <dgm:scene3d>
+      <a:camera prst="orthographicFront"/>
+      <a:lightRig rig="threePt" dir="t"/>
+    </dgm:scene3d>
+    <dgm:sp3d/>
+    <dgm:txPr/>
+    <dgm:style>
+      <a:lnRef idx="2">
+        <a:scrgbClr r="0" g="0" b="0"/>
+      </a:lnRef>
+      <a:fillRef idx="1">
+        <a:scrgbClr r="0" g="0" b="0"/>
+      </a:fillRef>
+      <a:effectRef idx="0">
+        <a:scrgbClr r="0" g="0" b="0"/>
+      </a:effectRef>
+      <a:fontRef idx="minor">
+        <a:schemeClr val="lt1"/>
+      </a:fontRef>
+    </dgm:style>
+  </dgm:styleLbl>
+  <dgm:styleLbl name="node3">
+    <dgm:scene3d>
+      <a:camera prst="orthographicFront"/>
+      <a:lightRig rig="threePt" dir="t"/>
+    </dgm:scene3d>
+    <dgm:sp3d/>
+    <dgm:txPr/>
+    <dgm:style>
+      <a:lnRef idx="2">
+        <a:scrgbClr r="0" g="0" b="0"/>
+      </a:lnRef>
+      <a:fillRef idx="1">
+        <a:scrgbClr r="0" g="0" b="0"/>
+      </a:fillRef>
+      <a:effectRef idx="0">
+        <a:scrgbClr r="0" g="0" b="0"/>
+      </a:effectRef>
+      <a:fontRef idx="minor">
+        <a:schemeClr val="lt1"/>
+      </a:fontRef>
+    </dgm:style>
+  </dgm:styleLbl>
+  <dgm:styleLbl name="node4">
+    <dgm:scene3d>
+      <a:camera prst="orthographicFront"/>
+      <a:lightRig rig="threePt" dir="t"/>
+    </dgm:scene3d>
+    <dgm:sp3d/>
+    <dgm:txPr/>
+    <dgm:style>
+      <a:lnRef idx="2">
+        <a:scrgbClr r="0" g="0" b="0"/>
+      </a:lnRef>
+      <a:fillRef idx="1">
+        <a:scrgbClr r="0" g="0" b="0"/>
+      </a:fillRef>
+      <a:effectRef idx="0">
+        <a:scrgbClr r="0" g="0" b="0"/>
+      </a:effectRef>
+      <a:fontRef idx="minor">
+        <a:schemeClr val="lt1"/>
+      </a:fontRef>
+    </dgm:style>
+  </dgm:styleLbl>
+  <dgm:styleLbl name="fgImgPlace1">
+    <dgm:scene3d>
+      <a:camera prst="orthographicFront"/>
+      <a:lightRig rig="threePt" dir="t"/>
+    </dgm:scene3d>
+    <dgm:sp3d/>
+    <dgm:txPr/>
+    <dgm:style>
+      <a:lnRef idx="2">
+        <a:scrgbClr r="0" g="0" b="0"/>
+      </a:lnRef>
+      <a:fillRef idx="1">
+        <a:scrgbClr r="0" g="0" b="0"/>
+      </a:fillRef>
+      <a:effectRef idx="0">
+        <a:scrgbClr r="0" g="0" b="0"/>
+      </a:effectRef>
+      <a:fontRef idx="minor"/>
+    </dgm:style>
+  </dgm:styleLbl>
+  <dgm:styleLbl name="alignImgPlace1">
+    <dgm:scene3d>
+      <a:camera prst="orthographicFront"/>
+      <a:lightRig rig="threePt" dir="t"/>
+    </dgm:scene3d>
+    <dgm:sp3d/>
+    <dgm:txPr/>
+    <dgm:style>
+      <a:lnRef idx="2">
+        <a:scrgbClr r="0" g="0" b="0"/>
+      </a:lnRef>
+      <a:fillRef idx="1">
+        <a:scrgbClr r="0" g="0" b="0"/>
+      </a:fillRef>
+      <a:effectRef idx="0">
+        <a:scrgbClr r="0" g="0" b="0"/>
+      </a:effectRef>
+      <a:fontRef idx="minor"/>
+    </dgm:style>
+  </dgm:styleLbl>
+  <dgm:styleLbl name="bgImgPlace1">
+    <dgm:scene3d>
+      <a:camera prst="orthographicFront"/>
+      <a:lightRig rig="threePt" dir="t"/>
+    </dgm:scene3d>
+    <dgm:sp3d/>
+    <dgm:txPr/>
+    <dgm:style>
+      <a:lnRef idx="2">
+        <a:scrgbClr r="0" g="0" b="0"/>
+      </a:lnRef>
+      <a:fillRef idx="1">
+        <a:scrgbClr r="0" g="0" b="0"/>
+      </a:fillRef>
+      <a:effectRef idx="0">
+        <a:scrgbClr r="0" g="0" b="0"/>
+      </a:effectRef>
+      <a:fontRef idx="minor"/>
+    </dgm:style>
+  </dgm:styleLbl>
+  <dgm:styleLbl name="sibTrans2D1">
+    <dgm:scene3d>
+      <a:camera prst="orthographicFront"/>
+      <a:lightRig rig="threePt" dir="t"/>
+    </dgm:scene3d>
+    <dgm:sp3d/>
+    <dgm:txPr/>
+    <dgm:style>
+      <a:lnRef idx="0">
+        <a:scrgbClr r="0" g="0" b="0"/>
+      </a:lnRef>
+      <a:fillRef idx="1">
+        <a:scrgbClr r="0" g="0" b="0"/>
+      </a:fillRef>
+      <a:effectRef idx="0">
+        <a:scrgbClr r="0" g="0" b="0"/>
+      </a:effectRef>
+      <a:fontRef idx="minor">
+        <a:schemeClr val="lt1"/>
+      </a:fontRef>
+    </dgm:style>
+  </dgm:styleLbl>
+  <dgm:styleLbl name="fgSibTrans2D1">
+    <dgm:scene3d>
+      <a:camera prst="orthographicFront"/>
+      <a:lightRig rig="threePt" dir="t"/>
+    </dgm:scene3d>
+    <dgm:sp3d/>
+    <dgm:txPr/>
+    <dgm:style>
+      <a:lnRef idx="0">
+        <a:scrgbClr r="0" g="0" b="0"/>
+      </a:lnRef>
+      <a:fillRef idx="1">
+        <a:scrgbClr r="0" g="0" b="0"/>
+      </a:fillRef>
+      <a:effectRef idx="0">
+        <a:scrgbClr r="0" g="0" b="0"/>
+      </a:effectRef>
+      <a:fontRef idx="minor">
+        <a:schemeClr val="lt1"/>
+      </a:fontRef>
+    </dgm:style>
+  </dgm:styleLbl>
+  <dgm:styleLbl name="bgSibTrans2D1">
+    <dgm:scene3d>
+      <a:camera prst="orthographicFront"/>
+      <a:lightRig rig="threePt" dir="t"/>
+    </dgm:scene3d>
+    <dgm:sp3d/>
+    <dgm:txPr/>
+    <dgm:style>
+      <a:lnRef idx="0">
+        <a:scrgbClr r="0" g="0" b="0"/>
+      </a:lnRef>
+      <a:fillRef idx="1">
+        <a:scrgbClr r="0" g="0" b="0"/>
+      </a:fillRef>
+      <a:effectRef idx="0">
+        <a:scrgbClr r="0" g="0" b="0"/>
+      </a:effectRef>
+      <a:fontRef idx="minor">
+        <a:schemeClr val="lt1"/>
+      </a:fontRef>
+    </dgm:style>
+  </dgm:styleLbl>
+  <dgm:styleLbl name="sibTrans1D1">
+    <dgm:scene3d>
+      <a:camera prst="orthographicFront"/>
+      <a:lightRig rig="threePt" dir="t"/>
+    </dgm:scene3d>
+    <dgm:sp3d/>
+    <dgm:txPr/>
+    <dgm:style>
+      <a:lnRef idx="1">
+        <a:scrgbClr r="0" g="0" b="0"/>
+      </a:lnRef>
+      <a:fillRef idx="0">
+        <a:scrgbClr r="0" g="0" b="0"/>
+      </a:fillRef>
+      <a:effectRef idx="0">
+        <a:scrgbClr r="0" g="0" b="0"/>
+      </a:effectRef>
+      <a:fontRef idx="minor"/>
+    </dgm:style>
+  </dgm:styleLbl>
+  <dgm:styleLbl name="callout">
+    <dgm:scene3d>
+      <a:camera prst="orthographicFront"/>
+      <a:lightRig rig="threePt" dir="t"/>
+    </dgm:scene3d>
+    <dgm:sp3d/>
+    <dgm:txPr/>
+    <dgm:style>
+      <a:lnRef idx="2">
+        <a:scrgbClr r="0" g="0" b="0"/>
+      </a:lnRef>
+      <a:fillRef idx="1">
+        <a:scrgbClr r="0" g="0" b="0"/>
+      </a:fillRef>
+      <a:effectRef idx="0">
+        <a:scrgbClr r="0" g="0" b="0"/>
+      </a:effectRef>
+      <a:fontRef idx="minor"/>
+    </dgm:style>
+  </dgm:styleLbl>
+  <dgm:styleLbl name="asst0">
+    <dgm:scene3d>
+      <a:camera prst="orthographicFront"/>
+      <a:lightRig rig="threePt" dir="t"/>
+    </dgm:scene3d>
+    <dgm:sp3d/>
+    <dgm:txPr/>
+    <dgm:style>
+      <a:lnRef idx="2">
+        <a:scrgbClr r="0" g="0" b="0"/>
+      </a:lnRef>
+      <a:fillRef idx="1">
+        <a:scrgbClr r="0" g="0" b="0"/>
+      </a:fillRef>
+      <a:effectRef idx="0">
+        <a:scrgbClr r="0" g="0" b="0"/>
+      </a:effectRef>
+      <a:fontRef idx="minor">
+        <a:schemeClr val="lt1"/>
+      </a:fontRef>
+    </dgm:style>
+  </dgm:styleLbl>
+  <dgm:styleLbl name="asst1">
+    <dgm:scene3d>
+      <a:camera prst="orthographicFront"/>
+      <a:lightRig rig="threePt" dir="t"/>
+    </dgm:scene3d>
+    <dgm:sp3d/>
+    <dgm:txPr/>
+    <dgm:style>
+      <a:lnRef idx="2">
+        <a:scrgbClr r="0" g="0" b="0"/>
+      </a:lnRef>
+      <a:fillRef idx="1">
+        <a:scrgbClr r="0" g="0" b="0"/>
+      </a:fillRef>
+      <a:effectRef idx="0">
+        <a:scrgbClr r="0" g="0" b="0"/>
+      </a:effectRef>
+      <a:fontRef idx="minor">
+        <a:schemeClr val="lt1"/>
+      </a:fontRef>
+    </dgm:style>
+  </dgm:styleLbl>
+  <dgm:styleLbl name="asst2">
+    <dgm:scene3d>
+      <a:camera prst="orthographicFront"/>
+      <a:lightRig rig="threePt" dir="t"/>
+    </dgm:scene3d>
+    <dgm:sp3d/>
+    <dgm:txPr/>
+    <dgm:style>
+      <a:lnRef idx="2">
+        <a:scrgbClr r="0" g="0" b="0"/>
+      </a:lnRef>
+      <a:fillRef idx="1">
+        <a:scrgbClr r="0" g="0" b="0"/>
+      </a:fillRef>
+      <a:effectRef idx="0">
+        <a:scrgbClr r="0" g="0" b="0"/>
+      </a:effectRef>
+      <a:fontRef idx="minor">
+        <a:schemeClr val="lt1"/>
+      </a:fontRef>
+    </dgm:style>
+  </dgm:styleLbl>
+  <dgm:styleLbl name="asst3">
+    <dgm:scene3d>
+      <a:camera prst="orthographicFront"/>
+      <a:lightRig rig="threePt" dir="t"/>
+    </dgm:scene3d>
+    <dgm:sp3d/>
+    <dgm:txPr/>
+    <dgm:style>
+      <a:lnRef idx="2">
+        <a:scrgbClr r="0" g="0" b="0"/>
+      </a:lnRef>
+      <a:fillRef idx="1">
+        <a:scrgbClr r="0" g="0" b="0"/>
+      </a:fillRef>
+      <a:effectRef idx="0">
+        <a:scrgbClr r="0" g="0" b="0"/>
+      </a:effectRef>
+      <a:fontRef idx="minor">
+        <a:schemeClr val="lt1"/>
+      </a:fontRef>
+    </dgm:style>
+  </dgm:styleLbl>
+  <dgm:styleLbl name="asst4">
+    <dgm:scene3d>
+      <a:camera prst="orthographicFront"/>
+      <a:lightRig rig="threePt" dir="t"/>
+    </dgm:scene3d>
+    <dgm:sp3d/>
+    <dgm:txPr/>
+    <dgm:style>
+      <a:lnRef idx="2">
+        <a:scrgbClr r="0" g="0" b="0"/>
+      </a:lnRef>
+      <a:fillRef idx="1">
+        <a:scrgbClr r="0" g="0" b="0"/>
+      </a:fillRef>
+      <a:effectRef idx="0">
+        <a:scrgbClr r="0" g="0" b="0"/>
+      </a:effectRef>
+      <a:fontRef idx="minor">
+        <a:schemeClr val="lt1"/>
+      </a:fontRef>
+    </dgm:style>
+  </dgm:styleLbl>
+  <dgm:styleLbl name="parChTrans2D1">
+    <dgm:scene3d>
+      <a:camera prst="orthographicFront"/>
+      <a:lightRig rig="threePt" dir="t"/>
+    </dgm:scene3d>
+    <dgm:sp3d/>
+    <dgm:txPr/>
+    <dgm:style>
+      <a:lnRef idx="2">
+        <a:scrgbClr r="0" g="0" b="0"/>
+      </a:lnRef>
+      <a:fillRef idx="1">
+        <a:scrgbClr r="0" g="0" b="0"/>
+      </a:fillRef>
+      <a:effectRef idx="0">
+        <a:scrgbClr r="0" g="0" b="0"/>
+      </a:effectRef>
+      <a:fontRef idx="minor">
+        <a:schemeClr val="lt1"/>
+      </a:fontRef>
+    </dgm:style>
+  </dgm:styleLbl>
+  <dgm:styleLbl name="parChTrans2D2">
+    <dgm:scene3d>
+      <a:camera prst="orthographicFront"/>
+      <a:lightRig rig="threePt" dir="t"/>
+    </dgm:scene3d>
+    <dgm:sp3d/>
+    <dgm:txPr/>
+    <dgm:style>
+      <a:lnRef idx="2">
+        <a:scrgbClr r="0" g="0" b="0"/>
+      </a:lnRef>
+      <a:fillRef idx="1">
+        <a:scrgbClr r="0" g="0" b="0"/>
+      </a:fillRef>
+      <a:effectRef idx="0">
+        <a:scrgbClr r="0" g="0" b="0"/>
+      </a:effectRef>
+      <a:fontRef idx="minor">
+        <a:schemeClr val="lt1"/>
+      </a:fontRef>
+    </dgm:style>
+  </dgm:styleLbl>
+  <dgm:styleLbl name="parChTrans2D3">
+    <dgm:scene3d>
+      <a:camera prst="orthographicFront"/>
+      <a:lightRig rig="threePt" dir="t"/>
+    </dgm:scene3d>
+    <dgm:sp3d/>
+    <dgm:txPr/>
+    <dgm:style>
+      <a:lnRef idx="2">
+        <a:scrgbClr r="0" g="0" b="0"/>
+      </a:lnRef>
+      <a:fillRef idx="1">
+        <a:scrgbClr r="0" g="0" b="0"/>
+      </a:fillRef>
+      <a:effectRef idx="0">
+        <a:scrgbClr r="0" g="0" b="0"/>
+      </a:effectRef>
+      <a:fontRef idx="minor">
+        <a:schemeClr val="lt1"/>
+      </a:fontRef>
+    </dgm:style>
+  </dgm:styleLbl>
+  <dgm:styleLbl name="parChTrans2D4">
+    <dgm:scene3d>
+      <a:camera prst="orthographicFront"/>
+      <a:lightRig rig="threePt" dir="t"/>
+    </dgm:scene3d>
+    <dgm:sp3d/>
+    <dgm:txPr/>
+    <dgm:style>
+      <a:lnRef idx="2">
+        <a:scrgbClr r="0" g="0" b="0"/>
+      </a:lnRef>
+      <a:fillRef idx="1">
+        <a:scrgbClr r="0" g="0" b="0"/>
+      </a:fillRef>
+      <a:effectRef idx="0">
+        <a:scrgbClr r="0" g="0" b="0"/>
+      </a:effectRef>
+      <a:fontRef idx="minor">
+        <a:schemeClr val="lt1"/>
+      </a:fontRef>
+    </dgm:style>
+  </dgm:styleLbl>
+  <dgm:styleLbl name="parChTrans1D1">
+    <dgm:scene3d>
+      <a:camera prst="orthographicFront"/>
+      <a:lightRig rig="threePt" dir="t"/>
+    </dgm:scene3d>
+    <dgm:sp3d/>
+    <dgm:txPr/>
+    <dgm:style>
+      <a:lnRef idx="2">
+        <a:scrgbClr r="0" g="0" b="0"/>
+      </a:lnRef>
+      <a:fillRef idx="0">
+        <a:scrgbClr r="0" g="0" b="0"/>
+      </a:fillRef>
+      <a:effectRef idx="0">
+        <a:scrgbClr r="0" g="0" b="0"/>
+      </a:effectRef>
+      <a:fontRef idx="minor"/>
+    </dgm:style>
+  </dgm:styleLbl>
+  <dgm:styleLbl name="parChTrans1D2">
+    <dgm:scene3d>
+      <a:camera prst="orthographicFront"/>
+      <a:lightRig rig="threePt" dir="t"/>
+    </dgm:scene3d>
+    <dgm:sp3d/>
+    <dgm:txPr/>
+    <dgm:style>
+      <a:lnRef idx="2">
+        <a:scrgbClr r="0" g="0" b="0"/>
+      </a:lnRef>
+      <a:fillRef idx="0">
+        <a:scrgbClr r="0" g="0" b="0"/>
+      </a:fillRef>
+      <a:effectRef idx="0">
+        <a:scrgbClr r="0" g="0" b="0"/>
+      </a:effectRef>
+      <a:fontRef idx="minor"/>
+    </dgm:style>
+  </dgm:styleLbl>
+  <dgm:styleLbl name="parChTrans1D3">
+    <dgm:scene3d>
+      <a:camera prst="orthographicFront"/>
+      <a:lightRig rig="threePt" dir="t"/>
+    </dgm:scene3d>
+    <dgm:sp3d/>
+    <dgm:txPr/>
+    <dgm:style>
+      <a:lnRef idx="2">
+        <a:scrgbClr r="0" g="0" b="0"/>
+      </a:lnRef>
+      <a:fillRef idx="0">
+        <a:scrgbClr r="0" g="0" b="0"/>
+      </a:fillRef>
+      <a:effectRef idx="0">
+        <a:scrgbClr r="0" g="0" b="0"/>
+      </a:effectRef>
+      <a:fontRef idx="minor"/>
+    </dgm:style>
+  </dgm:styleLbl>
+  <dgm:styleLbl name="parChTrans1D4">
+    <dgm:scene3d>
+      <a:camera prst="orthographicFront"/>
+      <a:lightRig rig="threePt" dir="t"/>
+    </dgm:scene3d>
+    <dgm:sp3d/>
+    <dgm:txPr/>
+    <dgm:style>
+      <a:lnRef idx="2">
+        <a:scrgbClr r="0" g="0" b="0"/>
+      </a:lnRef>
+      <a:fillRef idx="0">
+        <a:scrgbClr r="0" g="0" b="0"/>
+      </a:fillRef>
+      <a:effectRef idx="0">
+        <a:scrgbClr r="0" g="0" b="0"/>
+      </a:effectRef>
+      <a:fontRef idx="minor"/>
+    </dgm:style>
+  </dgm:styleLbl>
+  <dgm:styleLbl name="fgAcc1">
+    <dgm:scene3d>
+      <a:camera prst="orthographicFront"/>
+      <a:lightRig rig="threePt" dir="t"/>
+    </dgm:scene3d>
+    <dgm:sp3d/>
+    <dgm:txPr/>
+    <dgm:style>
+      <a:lnRef idx="2">
+        <a:scrgbClr r="0" g="0" b="0"/>
+      </a:lnRef>
+      <a:fillRef idx="1">
+        <a:scrgbClr r="0" g="0" b="0"/>
+      </a:fillRef>
+      <a:effectRef idx="0">
+        <a:scrgbClr r="0" g="0" b="0"/>
+      </a:effectRef>
+      <a:fontRef idx="minor"/>
+    </dgm:style>
+  </dgm:styleLbl>
+  <dgm:styleLbl name="conFgAcc1">
+    <dgm:scene3d>
+      <a:camera prst="orthographicFront"/>
+      <a:lightRig rig="threePt" dir="t"/>
+    </dgm:scene3d>
+    <dgm:sp3d/>
+    <dgm:txPr/>
+    <dgm:style>
+      <a:lnRef idx="2">
+        <a:scrgbClr r="0" g="0" b="0"/>
+      </a:lnRef>
+      <a:fillRef idx="1">
+        <a:scrgbClr r="0" g="0" b="0"/>
+      </a:fillRef>
+      <a:effectRef idx="0">
+        <a:scrgbClr r="0" g="0" b="0"/>
+      </a:effectRef>
+      <a:fontRef idx="minor"/>
+    </dgm:style>
+  </dgm:styleLbl>
+  <dgm:styleLbl name="alignAcc1">
+    <dgm:scene3d>
+      <a:camera prst="orthographicFront"/>
+      <a:lightRig rig="threePt" dir="t"/>
+    </dgm:scene3d>
+    <dgm:sp3d/>
+    <dgm:txPr/>
+    <dgm:style>
+      <a:lnRef idx="2">
+        <a:scrgbClr r="0" g="0" b="0"/>
+      </a:lnRef>
+      <a:fillRef idx="1">
+        <a:scrgbClr r="0" g="0" b="0"/>
+      </a:fillRef>
+      <a:effectRef idx="0">
+        <a:scrgbClr r="0" g="0" b="0"/>
+      </a:effectRef>
+      <a:fontRef idx="minor"/>
+    </dgm:style>
+  </dgm:styleLbl>
+  <dgm:styleLbl name="trAlignAcc1">
+    <dgm:scene3d>
+      <a:camera prst="orthographicFront"/>
+      <a:lightRig rig="threePt" dir="t"/>
+    </dgm:scene3d>
+    <dgm:sp3d/>
+    <dgm:txPr/>
+    <dgm:style>
+      <a:lnRef idx="1">
+        <a:scrgbClr r="0" g="0" b="0"/>
+      </a:lnRef>
+      <a:fillRef idx="1">
+        <a:scrgbClr r="0" g="0" b="0"/>
+      </a:fillRef>
+      <a:effectRef idx="0">
+        <a:scrgbClr r="0" g="0" b="0"/>
+      </a:effectRef>
+      <a:fontRef idx="minor"/>
+    </dgm:style>
+  </dgm:styleLbl>
+  <dgm:styleLbl name="bgAcc1">
+    <dgm:scene3d>
+      <a:camera prst="orthographicFront"/>
+      <a:lightRig rig="threePt" dir="t"/>
+    </dgm:scene3d>
+    <dgm:sp3d/>
+    <dgm:txPr/>
+    <dgm:style>
+      <a:lnRef idx="2">
+        <a:scrgbClr r="0" g="0" b="0"/>
+      </a:lnRef>
+      <a:fillRef idx="1">
+        <a:scrgbClr r="0" g="0" b="0"/>
+      </a:fillRef>
+      <a:effectRef idx="0">
+        <a:scrgbClr r="0" g="0" b="0"/>
+      </a:effectRef>
+      <a:fontRef idx="minor"/>
+    </dgm:style>
+  </dgm:styleLbl>
+  <dgm:styleLbl name="solidFgAcc1">
+    <dgm:scene3d>
+      <a:camera prst="orthographicFront"/>
+      <a:lightRig rig="threePt" dir="t"/>
+    </dgm:scene3d>
+    <dgm:sp3d/>
+    <dgm:txPr/>
+    <dgm:style>
+      <a:lnRef idx="2">
+        <a:scrgbClr r="0" g="0" b="0"/>
+      </a:lnRef>
+      <a:fillRef idx="1">
+        <a:scrgbClr r="0" g="0" b="0"/>
+      </a:fillRef>
+      <a:effectRef idx="0">
+        <a:scrgbClr r="0" g="0" b="0"/>
+      </a:effectRef>
+      <a:fontRef idx="minor"/>
+    </dgm:style>
+  </dgm:styleLbl>
+  <dgm:styleLbl name="solidAlignAcc1">
+    <dgm:scene3d>
+      <a:camera prst="orthographicFront"/>
+      <a:lightRig rig="threePt" dir="t"/>
+    </dgm:scene3d>
+    <dgm:sp3d/>
+    <dgm:txPr/>
+    <dgm:style>
+      <a:lnRef idx="2">
+        <a:scrgbClr r="0" g="0" b="0"/>
+      </a:lnRef>
+      <a:fillRef idx="1">
+        <a:scrgbClr r="0" g="0" b="0"/>
+      </a:fillRef>
+      <a:effectRef idx="0">
+        <a:scrgbClr r="0" g="0" b="0"/>
+      </a:effectRef>
+      <a:fontRef idx="minor"/>
+    </dgm:style>
+  </dgm:styleLbl>
+  <dgm:styleLbl name="solidBgAcc1">
+    <dgm:scene3d>
+      <a:camera prst="orthographicFront"/>
+      <a:lightRig rig="threePt" dir="t"/>
+    </dgm:scene3d>
+    <dgm:sp3d/>
+    <dgm:txPr/>
+    <dgm:style>
+      <a:lnRef idx="2">
+        <a:scrgbClr r="0" g="0" b="0"/>
+      </a:lnRef>
+      <a:fillRef idx="1">
+        <a:scrgbClr r="0" g="0" b="0"/>
+      </a:fillRef>
+      <a:effectRef idx="0">
+        <a:scrgbClr r="0" g="0" b="0"/>
+      </a:effectRef>
+      <a:fontRef idx="minor"/>
+    </dgm:style>
+  </dgm:styleLbl>
+  <dgm:styleLbl name="fgAccFollowNode1">
+    <dgm:scene3d>
+      <a:camera prst="orthographicFront"/>
+      <a:lightRig rig="threePt" dir="t"/>
+    </dgm:scene3d>
+    <dgm:sp3d/>
+    <dgm:txPr/>
+    <dgm:style>
+      <a:lnRef idx="2">
+        <a:scrgbClr r="0" g="0" b="0"/>
+      </a:lnRef>
+      <a:fillRef idx="1">
+        <a:scrgbClr r="0" g="0" b="0"/>
+      </a:fillRef>
+      <a:effectRef idx="0">
+        <a:scrgbClr r="0" g="0" b="0"/>
+      </a:effectRef>
+      <a:fontRef idx="minor"/>
+    </dgm:style>
+  </dgm:styleLbl>
+  <dgm:styleLbl name="alignAccFollowNode1">
+    <dgm:scene3d>
+      <a:camera prst="orthographicFront"/>
+      <a:lightRig rig="threePt" dir="t"/>
+    </dgm:scene3d>
+    <dgm:sp3d/>
+    <dgm:txPr/>
+    <dgm:style>
+      <a:lnRef idx="2">
+        <a:scrgbClr r="0" g="0" b="0"/>
+      </a:lnRef>
+      <a:fillRef idx="1">
+        <a:scrgbClr r="0" g="0" b="0"/>
+      </a:fillRef>
+      <a:effectRef idx="0">
+        <a:scrgbClr r="0" g="0" b="0"/>
+      </a:effectRef>
+      <a:fontRef idx="minor"/>
+    </dgm:style>
+  </dgm:styleLbl>
+  <dgm:styleLbl name="bgAccFollowNode1">
+    <dgm:scene3d>
+      <a:camera prst="orthographicFront"/>
+      <a:lightRig rig="threePt" dir="t"/>
+    </dgm:scene3d>
+    <dgm:sp3d/>
+    <dgm:txPr/>
+    <dgm:style>
+      <a:lnRef idx="2">
+        <a:scrgbClr r="0" g="0" b="0"/>
+      </a:lnRef>
+      <a:fillRef idx="1">
+        <a:scrgbClr r="0" g="0" b="0"/>
+      </a:fillRef>
+      <a:effectRef idx="0">
+        <a:scrgbClr r="0" g="0" b="0"/>
+      </a:effectRef>
+      <a:fontRef idx="minor"/>
+    </dgm:style>
+  </dgm:styleLbl>
+  <dgm:styleLbl name="fgAcc0">
+    <dgm:scene3d>
+      <a:camera prst="orthographicFront"/>
+      <a:lightRig rig="threePt" dir="t"/>
+    </dgm:scene3d>
+    <dgm:sp3d/>
+    <dgm:txPr/>
+    <dgm:style>
+      <a:lnRef idx="2">
+        <a:scrgbClr r="0" g="0" b="0"/>
+      </a:lnRef>
+      <a:fillRef idx="1">
+        <a:scrgbClr r="0" g="0" b="0"/>
+      </a:fillRef>
+      <a:effectRef idx="0">
+        <a:scrgbClr r="0" g="0" b="0"/>
+      </a:effectRef>
+      <a:fontRef idx="minor"/>
+    </dgm:style>
+  </dgm:styleLbl>
+  <dgm:styleLbl name="fgAcc2">
+    <dgm:scene3d>
+      <a:camera prst="orthographicFront"/>
+      <a:lightRig rig="threePt" dir="t"/>
+    </dgm:scene3d>
+    <dgm:sp3d/>
+    <dgm:txPr/>
+    <dgm:style>
+      <a:lnRef idx="2">
+        <a:scrgbClr r="0" g="0" b="0"/>
+      </a:lnRef>
+      <a:fillRef idx="1">
+        <a:scrgbClr r="0" g="0" b="0"/>
+      </a:fillRef>
+      <a:effectRef idx="0">
+        <a:scrgbClr r="0" g="0" b="0"/>
+      </a:effectRef>
+      <a:fontRef idx="minor"/>
+    </dgm:style>
+  </dgm:styleLbl>
+  <dgm:styleLbl name="fgAcc3">
+    <dgm:scene3d>
+      <a:camera prst="orthographicFront"/>
+      <a:lightRig rig="threePt" dir="t"/>
+    </dgm:scene3d>
+    <dgm:sp3d/>
+    <dgm:txPr/>
+    <dgm:style>
+      <a:lnRef idx="2">
+        <a:scrgbClr r="0" g="0" b="0"/>
+      </a:lnRef>
+      <a:fillRef idx="1">
+        <a:scrgbClr r="0" g="0" b="0"/>
+      </a:fillRef>
+      <a:effectRef idx="0">
+        <a:scrgbClr r="0" g="0" b="0"/>
+      </a:effectRef>
+      <a:fontRef idx="minor"/>
+    </dgm:style>
+  </dgm:styleLbl>
+  <dgm:styleLbl name="fgAcc4">
+    <dgm:scene3d>
+      <a:camera prst="orthographicFront"/>
+      <a:lightRig rig="threePt" dir="t"/>
+    </dgm:scene3d>
+    <dgm:sp3d/>
+    <dgm:txPr/>
+    <dgm:style>
+      <a:lnRef idx="2">
+        <a:scrgbClr r="0" g="0" b="0"/>
+      </a:lnRef>
+      <a:fillRef idx="1">
+        <a:scrgbClr r="0" g="0" b="0"/>
+      </a:fillRef>
+      <a:effectRef idx="0">
+        <a:scrgbClr r="0" g="0" b="0"/>
+      </a:effectRef>
+      <a:fontRef idx="minor"/>
+    </dgm:style>
+  </dgm:styleLbl>
+  <dgm:styleLbl name="bgShp">
+    <dgm:scene3d>
+      <a:camera prst="orthographicFront"/>
+      <a:lightRig rig="threePt" dir="t"/>
+    </dgm:scene3d>
+    <dgm:sp3d/>
+    <dgm:txPr/>
+    <dgm:style>
+      <a:lnRef idx="0">
+        <a:scrgbClr r="0" g="0" b="0"/>
+      </a:lnRef>
+      <a:fillRef idx="1">
+        <a:scrgbClr r="0" g="0" b="0"/>
+      </a:fillRef>
+      <a:effectRef idx="0">
+        <a:scrgbClr r="0" g="0" b="0"/>
+      </a:effectRef>
+      <a:fontRef idx="minor"/>
+    </dgm:style>
+  </dgm:styleLbl>
+  <dgm:styleLbl name="dkBgShp">
+    <dgm:scene3d>
+      <a:camera prst="orthographicFront"/>
+      <a:lightRig rig="threePt" dir="t"/>
+    </dgm:scene3d>
+    <dgm:sp3d/>
+    <dgm:txPr/>
+    <dgm:style>
+      <a:lnRef idx="0">
+        <a:scrgbClr r="0" g="0" b="0"/>
+      </a:lnRef>
+      <a:fillRef idx="1">
+        <a:scrgbClr r="0" g="0" b="0"/>
+      </a:fillRef>
+      <a:effectRef idx="0">
+        <a:scrgbClr r="0" g="0" b="0"/>
+      </a:effectRef>
+      <a:fontRef idx="minor"/>
+    </dgm:style>
+  </dgm:styleLbl>
+  <dgm:styleLbl name="trBgShp">
+    <dgm:scene3d>
+      <a:camera prst="orthographicFront"/>
+      <a:lightRig rig="threePt" dir="t"/>
+    </dgm:scene3d>
+    <dgm:sp3d/>
+    <dgm:txPr/>
+    <dgm:style>
+      <a:lnRef idx="0">
+        <a:scrgbClr r="0" g="0" b="0"/>
+      </a:lnRef>
+      <a:fillRef idx="1">
+        <a:scrgbClr r="0" g="0" b="0"/>
+      </a:fillRef>
+      <a:effectRef idx="0">
+        <a:scrgbClr r="0" g="0" b="0"/>
+      </a:effectRef>
+      <a:fontRef idx="minor"/>
+    </dgm:style>
+  </dgm:styleLbl>
+  <dgm:styleLbl name="fgShp">
+    <dgm:scene3d>
+      <a:camera prst="orthographicFront"/>
+      <a:lightRig rig="threePt" dir="t"/>
+    </dgm:scene3d>
+    <dgm:sp3d/>
+    <dgm:txPr/>
+    <dgm:style>
+      <a:lnRef idx="2">
+        <a:scrgbClr r="0" g="0" b="0"/>
+      </a:lnRef>
+      <a:fillRef idx="1">
+        <a:scrgbClr r="0" g="0" b="0"/>
+      </a:fillRef>
+      <a:effectRef idx="0">
+        <a:scrgbClr r="0" g="0" b="0"/>
+      </a:effectRef>
+      <a:fontRef idx="minor"/>
+    </dgm:style>
+  </dgm:styleLbl>
+  <dgm:styleLbl name="revTx">
+    <dgm:scene3d>
+      <a:camera prst="orthographicFront"/>
+      <a:lightRig rig="threePt" dir="t"/>
+    </dgm:scene3d>
+    <dgm:sp3d/>
+    <dgm:txPr/>
+    <dgm:style>
+      <a:lnRef idx="0">
+        <a:scrgbClr r="0" g="0" b="0"/>
+      </a:lnRef>
+      <a:fillRef idx="0">
+        <a:scrgbClr r="0" g="0" b="0"/>
+      </a:fillRef>
+      <a:effectRef idx="0">
+        <a:scrgbClr r="0" g="0" b="0"/>
+      </a:effectRef>
+      <a:fontRef idx="minor"/>
+    </dgm:style>
+  </dgm:styleLbl>
+</dgm:styleDef>
+</file>
+
+<file path=ppt/diagrams/quickStyle7.xml><?xml version="1.0" encoding="utf-8"?>
 <dgm:styleDef xmlns:dgm="http://schemas.openxmlformats.org/drawingml/2006/diagram" xmlns:a="http://schemas.openxmlformats.org/drawingml/2006/main" uniqueId="urn:microsoft.com/office/officeart/2005/8/quickstyle/simple1">
   <dgm:title val=""/>
   <dgm:desc val=""/>
@@ -21536,6 +24655,302 @@
       </p:grpSpPr>
       <p:sp>
         <p:nvSpPr>
+          <p:cNvPr id="12" name="TextBox 11">
+            <a:extLst>
+              <a:ext uri="{FF2B5EF4-FFF2-40B4-BE49-F238E27FC236}">
+                <a16:creationId xmlns:a16="http://schemas.microsoft.com/office/drawing/2014/main" id="{03B81CE8-22ED-4EF8-BA9C-D7DB19831A65}"/>
+              </a:ext>
+            </a:extLst>
+          </p:cNvPr>
+          <p:cNvSpPr txBox="1"/>
+          <p:nvPr/>
+        </p:nvSpPr>
+        <p:spPr>
+          <a:xfrm>
+            <a:off x="642996" y="4571216"/>
+            <a:ext cx="10906008" cy="1023763"/>
+          </a:xfrm>
+          <a:prstGeom prst="rect">
+            <a:avLst/>
+          </a:prstGeom>
+        </p:spPr>
+        <p:txBody>
+          <a:bodyPr vert="horz" lIns="91440" tIns="45720" rIns="91440" bIns="45720" rtlCol="0" anchor="b">
+            <a:normAutofit/>
+          </a:bodyPr>
+          <a:lstStyle/>
+          <a:p>
+            <a:pPr algn="ctr">
+              <a:lnSpc>
+                <a:spcPct val="90000"/>
+              </a:lnSpc>
+              <a:spcBef>
+                <a:spcPct val="0"/>
+              </a:spcBef>
+              <a:spcAft>
+                <a:spcPts val="600"/>
+              </a:spcAft>
+            </a:pPr>
+            <a:r>
+              <a:rPr lang="en-US" sz="6000" b="1" dirty="0">
+                <a:latin typeface="+mj-lt"/>
+                <a:ea typeface="+mj-ea"/>
+                <a:cs typeface="+mj-cs"/>
+              </a:rPr>
+              <a:t>Performance Comparison</a:t>
+            </a:r>
+          </a:p>
+        </p:txBody>
+      </p:sp>
+      <p:pic>
+        <p:nvPicPr>
+          <p:cNvPr id="9" name="Picture 8" descr="A screenshot of a cell phone&#10;&#10;Description automatically generated">
+            <a:extLst>
+              <a:ext uri="{FF2B5EF4-FFF2-40B4-BE49-F238E27FC236}">
+                <a16:creationId xmlns:a16="http://schemas.microsoft.com/office/drawing/2014/main" id="{5E62B448-9727-4EC8-A6BF-2AE08B7A8315}"/>
+              </a:ext>
+            </a:extLst>
+          </p:cNvPr>
+          <p:cNvPicPr>
+            <a:picLocks noChangeAspect="1"/>
+          </p:cNvPicPr>
+          <p:nvPr/>
+        </p:nvPicPr>
+        <p:blipFill>
+          <a:blip r:embed="rId2">
+            <a:extLst>
+              <a:ext uri="{28A0092B-C50C-407E-A947-70E740481C1C}">
+                <a14:useLocalDpi xmlns:a14="http://schemas.microsoft.com/office/drawing/2010/main" val="0"/>
+              </a:ext>
+            </a:extLst>
+          </a:blip>
+          <a:stretch>
+            <a:fillRect/>
+          </a:stretch>
+        </p:blipFill>
+        <p:spPr>
+          <a:xfrm>
+            <a:off x="481945" y="746115"/>
+            <a:ext cx="4074643" cy="4078128"/>
+          </a:xfrm>
+          <a:prstGeom prst="rect">
+            <a:avLst/>
+          </a:prstGeom>
+        </p:spPr>
+      </p:pic>
+      <p:pic>
+        <p:nvPicPr>
+          <p:cNvPr id="5" name="Picture 4" descr="A screenshot of a cell phone&#10;&#10;Description automatically generated">
+            <a:extLst>
+              <a:ext uri="{FF2B5EF4-FFF2-40B4-BE49-F238E27FC236}">
+                <a16:creationId xmlns:a16="http://schemas.microsoft.com/office/drawing/2014/main" id="{FED5900E-A7F8-4C25-BE22-AA7919396336}"/>
+              </a:ext>
+            </a:extLst>
+          </p:cNvPr>
+          <p:cNvPicPr>
+            <a:picLocks noChangeAspect="1"/>
+          </p:cNvPicPr>
+          <p:nvPr/>
+        </p:nvPicPr>
+        <p:blipFill>
+          <a:blip r:embed="rId3">
+            <a:extLst>
+              <a:ext uri="{28A0092B-C50C-407E-A947-70E740481C1C}">
+                <a14:useLocalDpi xmlns:a14="http://schemas.microsoft.com/office/drawing/2010/main" val="0"/>
+              </a:ext>
+            </a:extLst>
+          </a:blip>
+          <a:stretch>
+            <a:fillRect/>
+          </a:stretch>
+        </p:blipFill>
+        <p:spPr>
+          <a:xfrm>
+            <a:off x="6755525" y="746115"/>
+            <a:ext cx="4074644" cy="3971916"/>
+          </a:xfrm>
+          <a:prstGeom prst="rect">
+            <a:avLst/>
+          </a:prstGeom>
+        </p:spPr>
+      </p:pic>
+      <p:cxnSp>
+        <p:nvCxnSpPr>
+          <p:cNvPr id="53" name="Straight Connector 33">
+            <a:extLst>
+              <a:ext uri="{FF2B5EF4-FFF2-40B4-BE49-F238E27FC236}">
+                <a16:creationId xmlns:a16="http://schemas.microsoft.com/office/drawing/2014/main" id="{8733B210-462D-42A4-BA20-36743BB5E686}"/>
+              </a:ext>
+              <a:ext uri="{C183D7F6-B498-43B3-948B-1728B52AA6E4}">
+                <adec:decorative xmlns:adec="http://schemas.microsoft.com/office/drawing/2017/decorative" val="1"/>
+              </a:ext>
+            </a:extLst>
+          </p:cNvPr>
+          <p:cNvCxnSpPr>
+            <a:cxnSpLocks noGrp="1" noRot="1" noChangeAspect="1" noMove="1" noResize="1" noEditPoints="1" noAdjustHandles="1" noChangeArrowheads="1" noChangeShapeType="1"/>
+          </p:cNvCxnSpPr>
+          <p:nvPr>
+            <p:extLst>
+              <p:ext uri="{386F3935-93C4-4BCD-93E2-E3B085C9AB24}">
+                <p16:designElem xmlns:p16="http://schemas.microsoft.com/office/powerpoint/2015/main" val="1"/>
+              </p:ext>
+            </p:extLst>
+          </p:nvPr>
+        </p:nvCxnSpPr>
+        <p:spPr>
+          <a:xfrm>
+            <a:off x="1524000" y="5778706"/>
+            <a:ext cx="9144000" cy="0"/>
+          </a:xfrm>
+          <a:prstGeom prst="line">
+            <a:avLst/>
+          </a:prstGeom>
+          <a:ln w="19050">
+            <a:solidFill>
+              <a:srgbClr val="FE4013"/>
+            </a:solidFill>
+          </a:ln>
+        </p:spPr>
+        <p:style>
+          <a:lnRef idx="1">
+            <a:schemeClr val="accent1"/>
+          </a:lnRef>
+          <a:fillRef idx="0">
+            <a:schemeClr val="accent1"/>
+          </a:fillRef>
+          <a:effectRef idx="0">
+            <a:schemeClr val="accent1"/>
+          </a:effectRef>
+          <a:fontRef idx="minor">
+            <a:schemeClr val="tx1"/>
+          </a:fontRef>
+        </p:style>
+      </p:cxnSp>
+      <p:sp>
+        <p:nvSpPr>
+          <p:cNvPr id="2" name="TextBox 1">
+            <a:extLst>
+              <a:ext uri="{FF2B5EF4-FFF2-40B4-BE49-F238E27FC236}">
+                <a16:creationId xmlns:a16="http://schemas.microsoft.com/office/drawing/2014/main" id="{AE8E9E59-D5FD-4CCF-8482-018E41CECA64}"/>
+              </a:ext>
+            </a:extLst>
+          </p:cNvPr>
+          <p:cNvSpPr txBox="1"/>
+          <p:nvPr/>
+        </p:nvSpPr>
+        <p:spPr>
+          <a:xfrm>
+            <a:off x="8003520" y="227370"/>
+            <a:ext cx="2222616" cy="369332"/>
+          </a:xfrm>
+          <a:prstGeom prst="rect">
+            <a:avLst/>
+          </a:prstGeom>
+          <a:noFill/>
+        </p:spPr>
+        <p:txBody>
+          <a:bodyPr wrap="square" rtlCol="0">
+            <a:spAutoFit/>
+          </a:bodyPr>
+          <a:lstStyle/>
+          <a:p>
+            <a:pPr>
+              <a:spcAft>
+                <a:spcPts val="600"/>
+              </a:spcAft>
+            </a:pPr>
+            <a:r>
+              <a:rPr lang="en-CA" b="1" dirty="0"/>
+              <a:t>Glove/ </a:t>
+            </a:r>
+            <a:r>
+              <a:rPr lang="en-CA" b="1" dirty="0" err="1"/>
+              <a:t>FastText</a:t>
+            </a:r>
+            <a:endParaRPr lang="en-CA" b="1" dirty="0"/>
+          </a:p>
+        </p:txBody>
+      </p:sp>
+      <p:sp>
+        <p:nvSpPr>
+          <p:cNvPr id="3" name="TextBox 2">
+            <a:extLst>
+              <a:ext uri="{FF2B5EF4-FFF2-40B4-BE49-F238E27FC236}">
+                <a16:creationId xmlns:a16="http://schemas.microsoft.com/office/drawing/2014/main" id="{A444B8CD-95E5-4459-B568-F13619EE43F3}"/>
+              </a:ext>
+            </a:extLst>
+          </p:cNvPr>
+          <p:cNvSpPr txBox="1"/>
+          <p:nvPr/>
+        </p:nvSpPr>
+        <p:spPr>
+          <a:xfrm>
+            <a:off x="1965864" y="227370"/>
+            <a:ext cx="1628674" cy="369332"/>
+          </a:xfrm>
+          <a:prstGeom prst="rect">
+            <a:avLst/>
+          </a:prstGeom>
+          <a:noFill/>
+        </p:spPr>
+        <p:txBody>
+          <a:bodyPr wrap="square" rtlCol="0">
+            <a:spAutoFit/>
+          </a:bodyPr>
+          <a:lstStyle/>
+          <a:p>
+            <a:pPr>
+              <a:spcAft>
+                <a:spcPts val="600"/>
+              </a:spcAft>
+            </a:pPr>
+            <a:r>
+              <a:rPr lang="en-CA" b="1" dirty="0"/>
+              <a:t>Skip-Thought</a:t>
+            </a:r>
+          </a:p>
+        </p:txBody>
+      </p:sp>
+    </p:spTree>
+    <p:extLst>
+      <p:ext uri="{BB962C8B-B14F-4D97-AF65-F5344CB8AC3E}">
+        <p14:creationId xmlns:p14="http://schemas.microsoft.com/office/powerpoint/2010/main" val="1775853371"/>
+      </p:ext>
+    </p:extLst>
+  </p:cSld>
+  <p:clrMapOvr>
+    <a:masterClrMapping/>
+  </p:clrMapOvr>
+</p:sld>
+</file>
+
+<file path=ppt/slides/slide11.xml><?xml version="1.0" encoding="utf-8"?>
+<p:sld xmlns:a="http://schemas.openxmlformats.org/drawingml/2006/main" xmlns:r="http://schemas.openxmlformats.org/officeDocument/2006/relationships" xmlns:p="http://schemas.openxmlformats.org/presentationml/2006/main">
+  <p:cSld>
+    <p:bg>
+      <p:bgPr>
+        <a:solidFill>
+          <a:schemeClr val="bg1"/>
+        </a:solidFill>
+        <a:effectLst/>
+      </p:bgPr>
+    </p:bg>
+    <p:spTree>
+      <p:nvGrpSpPr>
+        <p:cNvPr id="1" name=""/>
+        <p:cNvGrpSpPr/>
+        <p:nvPr/>
+      </p:nvGrpSpPr>
+      <p:grpSpPr>
+        <a:xfrm>
+          <a:off x="0" y="0"/>
+          <a:ext cx="0" cy="0"/>
+          <a:chOff x="0" y="0"/>
+          <a:chExt cx="0" cy="0"/>
+        </a:xfrm>
+      </p:grpSpPr>
+      <p:sp>
+        <p:nvSpPr>
           <p:cNvPr id="7" name="Rectangle 6">
             <a:extLst>
               <a:ext uri="{FF2B5EF4-FFF2-40B4-BE49-F238E27FC236}">
@@ -25995,8 +29410,8 @@
           <a:lstStyle/>
           <a:p>
             <a:r>
-              <a:rPr lang="en-CA"/>
-              <a:t>Skip-Thought Model and K-Mean Clustering</a:t>
+              <a:rPr lang="en-CA" dirty="0"/>
+              <a:t>Skip-Thought Vectors and K-Means Clustering</a:t>
             </a:r>
           </a:p>
         </p:txBody>
@@ -26046,6 +29461,110 @@
 </file>
 
 <file path=ppt/slides/slide8.xml><?xml version="1.0" encoding="utf-8"?>
+<p:sld xmlns:a="http://schemas.openxmlformats.org/drawingml/2006/main" xmlns:r="http://schemas.openxmlformats.org/officeDocument/2006/relationships" xmlns:p="http://schemas.openxmlformats.org/presentationml/2006/main">
+  <p:cSld>
+    <p:bg>
+      <p:bgPr>
+        <a:solidFill>
+          <a:schemeClr val="bg1"/>
+        </a:solidFill>
+        <a:effectLst/>
+      </p:bgPr>
+    </p:bg>
+    <p:spTree>
+      <p:nvGrpSpPr>
+        <p:cNvPr id="1" name=""/>
+        <p:cNvGrpSpPr/>
+        <p:nvPr/>
+      </p:nvGrpSpPr>
+      <p:grpSpPr>
+        <a:xfrm>
+          <a:off x="0" y="0"/>
+          <a:ext cx="0" cy="0"/>
+          <a:chOff x="0" y="0"/>
+          <a:chExt cx="0" cy="0"/>
+        </a:xfrm>
+      </p:grpSpPr>
+      <p:sp>
+        <p:nvSpPr>
+          <p:cNvPr id="2" name="Title 1">
+            <a:extLst>
+              <a:ext uri="{FF2B5EF4-FFF2-40B4-BE49-F238E27FC236}">
+                <a16:creationId xmlns:a16="http://schemas.microsoft.com/office/drawing/2014/main" id="{A53845DB-41ED-4299-84B4-32DE62EC348A}"/>
+              </a:ext>
+            </a:extLst>
+          </p:cNvPr>
+          <p:cNvSpPr>
+            <a:spLocks noGrp="1"/>
+          </p:cNvSpPr>
+          <p:nvPr>
+            <p:ph type="title"/>
+          </p:nvPr>
+        </p:nvSpPr>
+        <p:spPr>
+          <a:xfrm>
+            <a:off x="838200" y="620392"/>
+            <a:ext cx="3374136" cy="5504688"/>
+          </a:xfrm>
+        </p:spPr>
+        <p:txBody>
+          <a:bodyPr>
+            <a:normAutofit/>
+          </a:bodyPr>
+          <a:lstStyle/>
+          <a:p>
+            <a:r>
+              <a:rPr lang="en-CA" dirty="0"/>
+              <a:t>Universal Sentence Encoder</a:t>
+            </a:r>
+          </a:p>
+        </p:txBody>
+      </p:sp>
+      <p:graphicFrame>
+        <p:nvGraphicFramePr>
+          <p:cNvPr id="5" name="Content Placeholder 2">
+            <a:extLst>
+              <a:ext uri="{FF2B5EF4-FFF2-40B4-BE49-F238E27FC236}">
+                <a16:creationId xmlns:a16="http://schemas.microsoft.com/office/drawing/2014/main" id="{B5A67CC6-96D9-4291-9233-97228A8BEEB0}"/>
+              </a:ext>
+            </a:extLst>
+          </p:cNvPr>
+          <p:cNvGraphicFramePr>
+            <a:graphicFrameLocks noGrp="1"/>
+          </p:cNvGraphicFramePr>
+          <p:nvPr>
+            <p:ph idx="1"/>
+            <p:extLst>
+              <p:ext uri="{D42A27DB-BD31-4B8C-83A1-F6EECF244321}">
+                <p14:modId xmlns:p14="http://schemas.microsoft.com/office/powerpoint/2010/main" val="4280375006"/>
+              </p:ext>
+            </p:extLst>
+          </p:nvPr>
+        </p:nvGraphicFramePr>
+        <p:xfrm>
+          <a:off x="5093208" y="620392"/>
+          <a:ext cx="6263640" cy="5504688"/>
+        </p:xfrm>
+        <a:graphic>
+          <a:graphicData uri="http://schemas.openxmlformats.org/drawingml/2006/diagram">
+            <dgm:relIds xmlns:dgm="http://schemas.openxmlformats.org/drawingml/2006/diagram" xmlns:r="http://schemas.openxmlformats.org/officeDocument/2006/relationships" r:dm="rId2" r:lo="rId3" r:qs="rId4" r:cs="rId5"/>
+          </a:graphicData>
+        </a:graphic>
+      </p:graphicFrame>
+    </p:spTree>
+    <p:extLst>
+      <p:ext uri="{BB962C8B-B14F-4D97-AF65-F5344CB8AC3E}">
+        <p14:creationId xmlns:p14="http://schemas.microsoft.com/office/powerpoint/2010/main" val="3455851121"/>
+      </p:ext>
+    </p:extLst>
+  </p:cSld>
+  <p:clrMapOvr>
+    <a:masterClrMapping/>
+  </p:clrMapOvr>
+</p:sld>
+</file>
+
+<file path=ppt/slides/slide9.xml><?xml version="1.0" encoding="utf-8"?>
 <p:sld xmlns:a="http://schemas.openxmlformats.org/drawingml/2006/main" xmlns:r="http://schemas.openxmlformats.org/officeDocument/2006/relationships" xmlns:p="http://schemas.openxmlformats.org/presentationml/2006/main">
   <p:cSld>
     <p:bg>
@@ -26281,7 +29800,7 @@
         </p:blipFill>
         <p:spPr>
           <a:xfrm>
-            <a:off x="485726" y="577305"/>
+            <a:off x="6779170" y="577305"/>
             <a:ext cx="3888830" cy="4246943"/>
           </a:xfrm>
           <a:prstGeom prst="rect">
@@ -26317,7 +29836,7 @@
         </p:blipFill>
         <p:spPr>
           <a:xfrm>
-            <a:off x="6720747" y="732411"/>
+            <a:off x="470028" y="627965"/>
             <a:ext cx="3889445" cy="4091837"/>
           </a:xfrm>
           <a:prstGeom prst="rect">
@@ -26329,302 +29848,6 @@
     <p:extLst>
       <p:ext uri="{BB962C8B-B14F-4D97-AF65-F5344CB8AC3E}">
         <p14:creationId xmlns:p14="http://schemas.microsoft.com/office/powerpoint/2010/main" val="885595431"/>
-      </p:ext>
-    </p:extLst>
-  </p:cSld>
-  <p:clrMapOvr>
-    <a:masterClrMapping/>
-  </p:clrMapOvr>
-</p:sld>
-</file>
-
-<file path=ppt/slides/slide9.xml><?xml version="1.0" encoding="utf-8"?>
-<p:sld xmlns:a="http://schemas.openxmlformats.org/drawingml/2006/main" xmlns:r="http://schemas.openxmlformats.org/officeDocument/2006/relationships" xmlns:p="http://schemas.openxmlformats.org/presentationml/2006/main">
-  <p:cSld>
-    <p:bg>
-      <p:bgPr>
-        <a:solidFill>
-          <a:schemeClr val="bg1"/>
-        </a:solidFill>
-        <a:effectLst/>
-      </p:bgPr>
-    </p:bg>
-    <p:spTree>
-      <p:nvGrpSpPr>
-        <p:cNvPr id="1" name=""/>
-        <p:cNvGrpSpPr/>
-        <p:nvPr/>
-      </p:nvGrpSpPr>
-      <p:grpSpPr>
-        <a:xfrm>
-          <a:off x="0" y="0"/>
-          <a:ext cx="0" cy="0"/>
-          <a:chOff x="0" y="0"/>
-          <a:chExt cx="0" cy="0"/>
-        </a:xfrm>
-      </p:grpSpPr>
-      <p:sp>
-        <p:nvSpPr>
-          <p:cNvPr id="12" name="TextBox 11">
-            <a:extLst>
-              <a:ext uri="{FF2B5EF4-FFF2-40B4-BE49-F238E27FC236}">
-                <a16:creationId xmlns:a16="http://schemas.microsoft.com/office/drawing/2014/main" id="{03B81CE8-22ED-4EF8-BA9C-D7DB19831A65}"/>
-              </a:ext>
-            </a:extLst>
-          </p:cNvPr>
-          <p:cNvSpPr txBox="1"/>
-          <p:nvPr/>
-        </p:nvSpPr>
-        <p:spPr>
-          <a:xfrm>
-            <a:off x="642996" y="4571216"/>
-            <a:ext cx="10906008" cy="1023763"/>
-          </a:xfrm>
-          <a:prstGeom prst="rect">
-            <a:avLst/>
-          </a:prstGeom>
-        </p:spPr>
-        <p:txBody>
-          <a:bodyPr vert="horz" lIns="91440" tIns="45720" rIns="91440" bIns="45720" rtlCol="0" anchor="b">
-            <a:normAutofit/>
-          </a:bodyPr>
-          <a:lstStyle/>
-          <a:p>
-            <a:pPr algn="ctr">
-              <a:lnSpc>
-                <a:spcPct val="90000"/>
-              </a:lnSpc>
-              <a:spcBef>
-                <a:spcPct val="0"/>
-              </a:spcBef>
-              <a:spcAft>
-                <a:spcPts val="600"/>
-              </a:spcAft>
-            </a:pPr>
-            <a:r>
-              <a:rPr lang="en-US" sz="6000" b="1" dirty="0">
-                <a:latin typeface="+mj-lt"/>
-                <a:ea typeface="+mj-ea"/>
-                <a:cs typeface="+mj-cs"/>
-              </a:rPr>
-              <a:t>Performance Comparison</a:t>
-            </a:r>
-          </a:p>
-        </p:txBody>
-      </p:sp>
-      <p:pic>
-        <p:nvPicPr>
-          <p:cNvPr id="9" name="Picture 8" descr="A screenshot of a cell phone&#10;&#10;Description automatically generated">
-            <a:extLst>
-              <a:ext uri="{FF2B5EF4-FFF2-40B4-BE49-F238E27FC236}">
-                <a16:creationId xmlns:a16="http://schemas.microsoft.com/office/drawing/2014/main" id="{5E62B448-9727-4EC8-A6BF-2AE08B7A8315}"/>
-              </a:ext>
-            </a:extLst>
-          </p:cNvPr>
-          <p:cNvPicPr>
-            <a:picLocks noChangeAspect="1"/>
-          </p:cNvPicPr>
-          <p:nvPr/>
-        </p:nvPicPr>
-        <p:blipFill>
-          <a:blip r:embed="rId2">
-            <a:extLst>
-              <a:ext uri="{28A0092B-C50C-407E-A947-70E740481C1C}">
-                <a14:useLocalDpi xmlns:a14="http://schemas.microsoft.com/office/drawing/2010/main" val="0"/>
-              </a:ext>
-            </a:extLst>
-          </a:blip>
-          <a:stretch>
-            <a:fillRect/>
-          </a:stretch>
-        </p:blipFill>
-        <p:spPr>
-          <a:xfrm>
-            <a:off x="481945" y="746115"/>
-            <a:ext cx="4074643" cy="4078128"/>
-          </a:xfrm>
-          <a:prstGeom prst="rect">
-            <a:avLst/>
-          </a:prstGeom>
-        </p:spPr>
-      </p:pic>
-      <p:pic>
-        <p:nvPicPr>
-          <p:cNvPr id="5" name="Picture 4" descr="A screenshot of a cell phone&#10;&#10;Description automatically generated">
-            <a:extLst>
-              <a:ext uri="{FF2B5EF4-FFF2-40B4-BE49-F238E27FC236}">
-                <a16:creationId xmlns:a16="http://schemas.microsoft.com/office/drawing/2014/main" id="{FED5900E-A7F8-4C25-BE22-AA7919396336}"/>
-              </a:ext>
-            </a:extLst>
-          </p:cNvPr>
-          <p:cNvPicPr>
-            <a:picLocks noChangeAspect="1"/>
-          </p:cNvPicPr>
-          <p:nvPr/>
-        </p:nvPicPr>
-        <p:blipFill>
-          <a:blip r:embed="rId3">
-            <a:extLst>
-              <a:ext uri="{28A0092B-C50C-407E-A947-70E740481C1C}">
-                <a14:useLocalDpi xmlns:a14="http://schemas.microsoft.com/office/drawing/2010/main" val="0"/>
-              </a:ext>
-            </a:extLst>
-          </a:blip>
-          <a:stretch>
-            <a:fillRect/>
-          </a:stretch>
-        </p:blipFill>
-        <p:spPr>
-          <a:xfrm>
-            <a:off x="6755525" y="746115"/>
-            <a:ext cx="4074644" cy="3971916"/>
-          </a:xfrm>
-          <a:prstGeom prst="rect">
-            <a:avLst/>
-          </a:prstGeom>
-        </p:spPr>
-      </p:pic>
-      <p:cxnSp>
-        <p:nvCxnSpPr>
-          <p:cNvPr id="53" name="Straight Connector 33">
-            <a:extLst>
-              <a:ext uri="{FF2B5EF4-FFF2-40B4-BE49-F238E27FC236}">
-                <a16:creationId xmlns:a16="http://schemas.microsoft.com/office/drawing/2014/main" id="{8733B210-462D-42A4-BA20-36743BB5E686}"/>
-              </a:ext>
-              <a:ext uri="{C183D7F6-B498-43B3-948B-1728B52AA6E4}">
-                <adec:decorative xmlns:adec="http://schemas.microsoft.com/office/drawing/2017/decorative" val="1"/>
-              </a:ext>
-            </a:extLst>
-          </p:cNvPr>
-          <p:cNvCxnSpPr>
-            <a:cxnSpLocks noGrp="1" noRot="1" noChangeAspect="1" noMove="1" noResize="1" noEditPoints="1" noAdjustHandles="1" noChangeArrowheads="1" noChangeShapeType="1"/>
-          </p:cNvCxnSpPr>
-          <p:nvPr>
-            <p:extLst>
-              <p:ext uri="{386F3935-93C4-4BCD-93E2-E3B085C9AB24}">
-                <p16:designElem xmlns:p16="http://schemas.microsoft.com/office/powerpoint/2015/main" val="1"/>
-              </p:ext>
-            </p:extLst>
-          </p:nvPr>
-        </p:nvCxnSpPr>
-        <p:spPr>
-          <a:xfrm>
-            <a:off x="1524000" y="5778706"/>
-            <a:ext cx="9144000" cy="0"/>
-          </a:xfrm>
-          <a:prstGeom prst="line">
-            <a:avLst/>
-          </a:prstGeom>
-          <a:ln w="19050">
-            <a:solidFill>
-              <a:srgbClr val="FE4013"/>
-            </a:solidFill>
-          </a:ln>
-        </p:spPr>
-        <p:style>
-          <a:lnRef idx="1">
-            <a:schemeClr val="accent1"/>
-          </a:lnRef>
-          <a:fillRef idx="0">
-            <a:schemeClr val="accent1"/>
-          </a:fillRef>
-          <a:effectRef idx="0">
-            <a:schemeClr val="accent1"/>
-          </a:effectRef>
-          <a:fontRef idx="minor">
-            <a:schemeClr val="tx1"/>
-          </a:fontRef>
-        </p:style>
-      </p:cxnSp>
-      <p:sp>
-        <p:nvSpPr>
-          <p:cNvPr id="2" name="TextBox 1">
-            <a:extLst>
-              <a:ext uri="{FF2B5EF4-FFF2-40B4-BE49-F238E27FC236}">
-                <a16:creationId xmlns:a16="http://schemas.microsoft.com/office/drawing/2014/main" id="{AE8E9E59-D5FD-4CCF-8482-018E41CECA64}"/>
-              </a:ext>
-            </a:extLst>
-          </p:cNvPr>
-          <p:cNvSpPr txBox="1"/>
-          <p:nvPr/>
-        </p:nvSpPr>
-        <p:spPr>
-          <a:xfrm>
-            <a:off x="8003520" y="227370"/>
-            <a:ext cx="2222616" cy="369332"/>
-          </a:xfrm>
-          <a:prstGeom prst="rect">
-            <a:avLst/>
-          </a:prstGeom>
-          <a:noFill/>
-        </p:spPr>
-        <p:txBody>
-          <a:bodyPr wrap="square" rtlCol="0">
-            <a:spAutoFit/>
-          </a:bodyPr>
-          <a:lstStyle/>
-          <a:p>
-            <a:pPr>
-              <a:spcAft>
-                <a:spcPts val="600"/>
-              </a:spcAft>
-            </a:pPr>
-            <a:r>
-              <a:rPr lang="en-CA" b="1" dirty="0"/>
-              <a:t>Glove/ </a:t>
-            </a:r>
-            <a:r>
-              <a:rPr lang="en-CA" b="1" dirty="0" err="1"/>
-              <a:t>FastText</a:t>
-            </a:r>
-            <a:endParaRPr lang="en-CA" b="1" dirty="0"/>
-          </a:p>
-        </p:txBody>
-      </p:sp>
-      <p:sp>
-        <p:nvSpPr>
-          <p:cNvPr id="3" name="TextBox 2">
-            <a:extLst>
-              <a:ext uri="{FF2B5EF4-FFF2-40B4-BE49-F238E27FC236}">
-                <a16:creationId xmlns:a16="http://schemas.microsoft.com/office/drawing/2014/main" id="{A444B8CD-95E5-4459-B568-F13619EE43F3}"/>
-              </a:ext>
-            </a:extLst>
-          </p:cNvPr>
-          <p:cNvSpPr txBox="1"/>
-          <p:nvPr/>
-        </p:nvSpPr>
-        <p:spPr>
-          <a:xfrm>
-            <a:off x="1965864" y="227370"/>
-            <a:ext cx="1628674" cy="369332"/>
-          </a:xfrm>
-          <a:prstGeom prst="rect">
-            <a:avLst/>
-          </a:prstGeom>
-          <a:noFill/>
-        </p:spPr>
-        <p:txBody>
-          <a:bodyPr wrap="square" rtlCol="0">
-            <a:spAutoFit/>
-          </a:bodyPr>
-          <a:lstStyle/>
-          <a:p>
-            <a:pPr>
-              <a:spcAft>
-                <a:spcPts val="600"/>
-              </a:spcAft>
-            </a:pPr>
-            <a:r>
-              <a:rPr lang="en-CA" b="1" dirty="0"/>
-              <a:t>Skip-Thought</a:t>
-            </a:r>
-          </a:p>
-        </p:txBody>
-      </p:sp>
-    </p:spTree>
-    <p:extLst>
-      <p:ext uri="{BB962C8B-B14F-4D97-AF65-F5344CB8AC3E}">
-        <p14:creationId xmlns:p14="http://schemas.microsoft.com/office/powerpoint/2010/main" val="1775853371"/>
       </p:ext>
     </p:extLst>
   </p:cSld>
@@ -27390,6 +30613,15 @@
 </file>
 
 <file path=customXml/item2.xml><?xml version="1.0" encoding="utf-8"?>
+<?mso-contentType ?>
+<FormTemplates xmlns="http://schemas.microsoft.com/sharepoint/v3/contenttype/forms">
+  <Display>DocumentLibraryForm</Display>
+  <Edit>DocumentLibraryForm</Edit>
+  <New>DocumentLibraryForm</New>
+</FormTemplates>
+</file>
+
+<file path=customXml/item3.xml><?xml version="1.0" encoding="utf-8"?>
 <p:properties xmlns:p="http://schemas.microsoft.com/office/2006/metadata/properties" xmlns:xsi="http://www.w3.org/2001/XMLSchema-instance" xmlns:pc="http://schemas.microsoft.com/office/infopath/2007/PartnerControls">
   <documentManagement>
     <SharedWithUsers xmlns="47ad3d2d-b408-4dbd-9f92-289069ffb334">
@@ -27413,15 +30645,6 @@
 </p:properties>
 </file>
 
-<file path=customXml/item3.xml><?xml version="1.0" encoding="utf-8"?>
-<?mso-contentType ?>
-<FormTemplates xmlns="http://schemas.microsoft.com/sharepoint/v3/contenttype/forms">
-  <Display>DocumentLibraryForm</Display>
-  <Edit>DocumentLibraryForm</Edit>
-  <New>DocumentLibraryForm</New>
-</FormTemplates>
-</file>
-
 <file path=customXml/itemProps1.xml><?xml version="1.0" encoding="utf-8"?>
 <ds:datastoreItem xmlns:ds="http://schemas.openxmlformats.org/officeDocument/2006/customXml" ds:itemID="{FDDD2261-951F-4DB3-BE40-1C3812A884AF}">
   <ds:schemaRefs>
@@ -27442,6 +30665,14 @@
 </file>
 
 <file path=customXml/itemProps2.xml><?xml version="1.0" encoding="utf-8"?>
+<ds:datastoreItem xmlns:ds="http://schemas.openxmlformats.org/officeDocument/2006/customXml" ds:itemID="{F4B845FC-D728-45B4-8BE2-B2D806ED3F15}">
+  <ds:schemaRefs>
+    <ds:schemaRef ds:uri="http://schemas.microsoft.com/sharepoint/v3/contenttype/forms"/>
+  </ds:schemaRefs>
+</ds:datastoreItem>
+</file>
+
+<file path=customXml/itemProps3.xml><?xml version="1.0" encoding="utf-8"?>
 <ds:datastoreItem xmlns:ds="http://schemas.openxmlformats.org/officeDocument/2006/customXml" ds:itemID="{3A741CED-F703-42AF-92A5-79CE689D9CD9}">
   <ds:schemaRefs>
     <ds:schemaRef ds:uri="http://schemas.microsoft.com/office/2006/documentManagement/types"/>
@@ -27456,12 +30687,4 @@
     <ds:schemaRef ds:uri="http://www.w3.org/XML/1998/namespace"/>
   </ds:schemaRefs>
 </ds:datastoreItem>
-</file>
-
-<file path=customXml/itemProps3.xml><?xml version="1.0" encoding="utf-8"?>
-<ds:datastoreItem xmlns:ds="http://schemas.openxmlformats.org/officeDocument/2006/customXml" ds:itemID="{F4B845FC-D728-45B4-8BE2-B2D806ED3F15}">
-  <ds:schemaRefs>
-    <ds:schemaRef ds:uri="http://schemas.microsoft.com/sharepoint/v3/contenttype/forms"/>
-  </ds:schemaRefs>
-</ds:datastoreItem>
 </file>